--- a/classes/prog2016/Prog3-Lecture22.pptx
+++ b/classes/prog2016/Prog3-Lecture22.pptx
@@ -11,6 +11,12 @@
     <p:sldId id="260" r:id="rId5"/>
     <p:sldId id="261" r:id="rId6"/>
     <p:sldId id="262" r:id="rId7"/>
+    <p:sldId id="264" r:id="rId8"/>
+    <p:sldId id="265" r:id="rId9"/>
+    <p:sldId id="266" r:id="rId10"/>
+    <p:sldId id="263" r:id="rId11"/>
+    <p:sldId id="268" r:id="rId12"/>
+    <p:sldId id="267" r:id="rId13"/>
   </p:sldIdLst>
   <p:sldSz cx="12192000" cy="6858000"/>
   <p:notesSz cx="6858000" cy="9144000"/>
@@ -109,6 +115,11 @@
       </a:defRPr>
     </a:lvl9pPr>
   </p:defaultTextStyle>
+  <p:extLst>
+    <p:ext uri="{EFAFB233-063F-42B5-8137-9DF3F51BA10A}">
+      <p15:sldGuideLst xmlns:p15="http://schemas.microsoft.com/office/powerpoint/2012/main"/>
+    </p:ext>
+  </p:extLst>
 </p:presentation>
 </file>
 
@@ -157,7 +168,6 @@
               <a:rPr lang="en-US"/>
               <a:t>Click to edit Master title style</a:t>
             </a:r>
-            <a:endParaRPr lang="en-US"/>
           </a:p>
         </p:txBody>
       </p:sp>
@@ -222,7 +232,6 @@
               <a:rPr lang="en-US"/>
               <a:t>Click to edit Master subtitle style</a:t>
             </a:r>
-            <a:endParaRPr lang="en-US"/>
           </a:p>
         </p:txBody>
       </p:sp>
@@ -340,7 +349,6 @@
               <a:rPr lang="en-US"/>
               <a:t>Click to edit Master title style</a:t>
             </a:r>
-            <a:endParaRPr lang="en-US"/>
           </a:p>
         </p:txBody>
       </p:sp>
@@ -392,7 +400,6 @@
               <a:rPr lang="en-US"/>
               <a:t>Fifth level</a:t>
             </a:r>
-            <a:endParaRPr lang="en-US"/>
           </a:p>
         </p:txBody>
       </p:sp>
@@ -515,7 +522,6 @@
               <a:rPr lang="en-US"/>
               <a:t>Click to edit Master title style</a:t>
             </a:r>
-            <a:endParaRPr lang="en-US"/>
           </a:p>
         </p:txBody>
       </p:sp>
@@ -572,7 +578,6 @@
               <a:rPr lang="en-US"/>
               <a:t>Fifth level</a:t>
             </a:r>
-            <a:endParaRPr lang="en-US"/>
           </a:p>
         </p:txBody>
       </p:sp>
@@ -690,7 +695,6 @@
               <a:rPr lang="en-US"/>
               <a:t>Click to edit Master title style</a:t>
             </a:r>
-            <a:endParaRPr lang="en-US"/>
           </a:p>
         </p:txBody>
       </p:sp>
@@ -742,7 +746,6 @@
               <a:rPr lang="en-US"/>
               <a:t>Fifth level</a:t>
             </a:r>
-            <a:endParaRPr lang="en-US"/>
           </a:p>
         </p:txBody>
       </p:sp>
@@ -869,7 +872,6 @@
               <a:rPr lang="en-US"/>
               <a:t>Click to edit Master title style</a:t>
             </a:r>
-            <a:endParaRPr lang="en-US"/>
           </a:p>
         </p:txBody>
       </p:sp>
@@ -1106,7 +1108,6 @@
               <a:rPr lang="en-US"/>
               <a:t>Click to edit Master title style</a:t>
             </a:r>
-            <a:endParaRPr lang="en-US"/>
           </a:p>
         </p:txBody>
       </p:sp>
@@ -1163,7 +1164,6 @@
               <a:rPr lang="en-US"/>
               <a:t>Fifth level</a:t>
             </a:r>
-            <a:endParaRPr lang="en-US"/>
           </a:p>
         </p:txBody>
       </p:sp>
@@ -1220,7 +1220,6 @@
               <a:rPr lang="en-US"/>
               <a:t>Fifth level</a:t>
             </a:r>
-            <a:endParaRPr lang="en-US"/>
           </a:p>
         </p:txBody>
       </p:sp>
@@ -1343,7 +1342,6 @@
               <a:rPr lang="en-US"/>
               <a:t>Click to edit Master title style</a:t>
             </a:r>
-            <a:endParaRPr lang="en-US"/>
           </a:p>
         </p:txBody>
       </p:sp>
@@ -1465,7 +1463,6 @@
               <a:rPr lang="en-US"/>
               <a:t>Fifth level</a:t>
             </a:r>
-            <a:endParaRPr lang="en-US"/>
           </a:p>
         </p:txBody>
       </p:sp>
@@ -1587,7 +1584,6 @@
               <a:rPr lang="en-US"/>
               <a:t>Fifth level</a:t>
             </a:r>
-            <a:endParaRPr lang="en-US"/>
           </a:p>
         </p:txBody>
       </p:sp>
@@ -1705,7 +1701,6 @@
               <a:rPr lang="en-US"/>
               <a:t>Click to edit Master title style</a:t>
             </a:r>
-            <a:endParaRPr lang="en-US"/>
           </a:p>
         </p:txBody>
       </p:sp>
@@ -1927,7 +1922,6 @@
               <a:rPr lang="en-US"/>
               <a:t>Click to edit Master title style</a:t>
             </a:r>
-            <a:endParaRPr lang="en-US"/>
           </a:p>
         </p:txBody>
       </p:sp>
@@ -2012,7 +2006,6 @@
               <a:rPr lang="en-US"/>
               <a:t>Fifth level</a:t>
             </a:r>
-            <a:endParaRPr lang="en-US"/>
           </a:p>
         </p:txBody>
       </p:sp>
@@ -2204,7 +2197,6 @@
               <a:rPr lang="en-US"/>
               <a:t>Click to edit Master title style</a:t>
             </a:r>
-            <a:endParaRPr lang="en-US"/>
           </a:p>
         </p:txBody>
       </p:sp>
@@ -2463,7 +2455,6 @@
               <a:rPr lang="en-US"/>
               <a:t>Click to edit Master title style</a:t>
             </a:r>
-            <a:endParaRPr lang="en-US"/>
           </a:p>
         </p:txBody>
       </p:sp>
@@ -2525,7 +2516,6 @@
               <a:rPr lang="en-US"/>
               <a:t>Fifth level</a:t>
             </a:r>
-            <a:endParaRPr lang="en-US"/>
           </a:p>
         </p:txBody>
       </p:sp>
@@ -3010,10 +3000,413 @@
           </a:p>
         </p:txBody>
       </p:sp>
+      <p:cxnSp>
+        <p:nvCxnSpPr>
+          <p:cNvPr id="3" name="Straight Arrow Connector 2"/>
+          <p:cNvCxnSpPr/>
+          <p:nvPr/>
+        </p:nvCxnSpPr>
+        <p:spPr>
+          <a:xfrm flipH="1">
+            <a:off x="2826327" y="403761"/>
+            <a:ext cx="961902" cy="0"/>
+          </a:xfrm>
+          <a:prstGeom prst="straightConnector1">
+            <a:avLst/>
+          </a:prstGeom>
+          <a:ln>
+            <a:tailEnd type="triangle"/>
+          </a:ln>
+        </p:spPr>
+        <p:style>
+          <a:lnRef idx="1">
+            <a:schemeClr val="accent1"/>
+          </a:lnRef>
+          <a:fillRef idx="0">
+            <a:schemeClr val="accent1"/>
+          </a:fillRef>
+          <a:effectRef idx="0">
+            <a:schemeClr val="accent1"/>
+          </a:effectRef>
+          <a:fontRef idx="minor">
+            <a:schemeClr val="tx1"/>
+          </a:fontRef>
+        </p:style>
+      </p:cxnSp>
     </p:spTree>
     <p:extLst>
       <p:ext uri="{BB962C8B-B14F-4D97-AF65-F5344CB8AC3E}">
         <p14:creationId xmlns:p14="http://schemas.microsoft.com/office/powerpoint/2010/main" val="372716179"/>
+      </p:ext>
+    </p:extLst>
+  </p:cSld>
+  <p:clrMapOvr>
+    <a:masterClrMapping/>
+  </p:clrMapOvr>
+</p:sld>
+</file>
+
+<file path=ppt/slides/slide10.xml><?xml version="1.0" encoding="utf-8"?>
+<p:sld xmlns:a="http://schemas.openxmlformats.org/drawingml/2006/main" xmlns:r="http://schemas.openxmlformats.org/officeDocument/2006/relationships" xmlns:p="http://schemas.openxmlformats.org/presentationml/2006/main">
+  <p:cSld>
+    <p:spTree>
+      <p:nvGrpSpPr>
+        <p:cNvPr id="1" name=""/>
+        <p:cNvGrpSpPr/>
+        <p:nvPr/>
+      </p:nvGrpSpPr>
+      <p:grpSpPr>
+        <a:xfrm>
+          <a:off x="0" y="0"/>
+          <a:ext cx="0" cy="0"/>
+          <a:chOff x="0" y="0"/>
+          <a:chExt cx="0" cy="0"/>
+        </a:xfrm>
+      </p:grpSpPr>
+      <p:sp>
+        <p:nvSpPr>
+          <p:cNvPr id="2" name="Rectangle 1"/>
+          <p:cNvSpPr/>
+          <p:nvPr/>
+        </p:nvSpPr>
+        <p:spPr>
+          <a:xfrm>
+            <a:off x="257297" y="6324048"/>
+            <a:ext cx="11673445" cy="369332"/>
+          </a:xfrm>
+          <a:prstGeom prst="rect">
+            <a:avLst/>
+          </a:prstGeom>
+        </p:spPr>
+        <p:txBody>
+          <a:bodyPr wrap="square">
+            <a:spAutoFit/>
+          </a:bodyPr>
+          <a:lstStyle/>
+          <a:p>
+            <a:r>
+              <a:rPr lang="en-US" dirty="0"/>
+              <a:t>http://stackoverflow.com/questions/21147240/is-happens-before-relation-given-in-case-of-invokelater-or-invokeandwait</a:t>
+            </a:r>
+          </a:p>
+        </p:txBody>
+      </p:sp>
+      <p:pic>
+        <p:nvPicPr>
+          <p:cNvPr id="3" name="Picture 2"/>
+          <p:cNvPicPr>
+            <a:picLocks noChangeAspect="1"/>
+          </p:cNvPicPr>
+          <p:nvPr/>
+        </p:nvPicPr>
+        <p:blipFill>
+          <a:blip r:embed="rId2"/>
+          <a:stretch>
+            <a:fillRect/>
+          </a:stretch>
+        </p:blipFill>
+        <p:spPr>
+          <a:xfrm>
+            <a:off x="1540452" y="1345376"/>
+            <a:ext cx="8203958" cy="4616038"/>
+          </a:xfrm>
+          <a:prstGeom prst="rect">
+            <a:avLst/>
+          </a:prstGeom>
+        </p:spPr>
+      </p:pic>
+      <p:sp>
+        <p:nvSpPr>
+          <p:cNvPr id="4" name="TextBox 3"/>
+          <p:cNvSpPr txBox="1"/>
+          <p:nvPr/>
+        </p:nvSpPr>
+        <p:spPr>
+          <a:xfrm>
+            <a:off x="819397" y="332509"/>
+            <a:ext cx="8092856" cy="923330"/>
+          </a:xfrm>
+          <a:prstGeom prst="rect">
+            <a:avLst/>
+          </a:prstGeom>
+          <a:noFill/>
+        </p:spPr>
+        <p:txBody>
+          <a:bodyPr wrap="none" rtlCol="0">
+            <a:spAutoFit/>
+          </a:bodyPr>
+          <a:lstStyle/>
+          <a:p>
+            <a:r>
+              <a:rPr lang="en-US" dirty="0">
+                <a:latin typeface="Arial" panose="020B0604020202020204" pitchFamily="34" charset="0"/>
+                <a:cs typeface="Arial" panose="020B0604020202020204" pitchFamily="34" charset="0"/>
+              </a:rPr>
+              <a:t>Do I need to manually force the visibility? </a:t>
+            </a:r>
+          </a:p>
+          <a:p>
+            <a:r>
+              <a:rPr lang="en-US" dirty="0">
+                <a:latin typeface="Arial" panose="020B0604020202020204" pitchFamily="34" charset="0"/>
+                <a:cs typeface="Arial" panose="020B0604020202020204" pitchFamily="34" charset="0"/>
+              </a:rPr>
+              <a:t>Probably not, but the documentation is a bit unclear, so better safe than sorry.</a:t>
+            </a:r>
+          </a:p>
+          <a:p>
+            <a:r>
+              <a:rPr lang="en-US" dirty="0">
+                <a:latin typeface="Arial" panose="020B0604020202020204" pitchFamily="34" charset="0"/>
+                <a:cs typeface="Arial" panose="020B0604020202020204" pitchFamily="34" charset="0"/>
+              </a:rPr>
+              <a:t>(It is a very small performance hit to grab the lock twice….)</a:t>
+            </a:r>
+          </a:p>
+        </p:txBody>
+      </p:sp>
+    </p:spTree>
+    <p:extLst>
+      <p:ext uri="{BB962C8B-B14F-4D97-AF65-F5344CB8AC3E}">
+        <p14:creationId xmlns:p14="http://schemas.microsoft.com/office/powerpoint/2010/main" val="1693900256"/>
+      </p:ext>
+    </p:extLst>
+  </p:cSld>
+  <p:clrMapOvr>
+    <a:masterClrMapping/>
+  </p:clrMapOvr>
+</p:sld>
+</file>
+
+<file path=ppt/slides/slide11.xml><?xml version="1.0" encoding="utf-8"?>
+<p:sld xmlns:a="http://schemas.openxmlformats.org/drawingml/2006/main" xmlns:r="http://schemas.openxmlformats.org/officeDocument/2006/relationships" xmlns:p="http://schemas.openxmlformats.org/presentationml/2006/main">
+  <p:cSld>
+    <p:spTree>
+      <p:nvGrpSpPr>
+        <p:cNvPr id="1" name=""/>
+        <p:cNvGrpSpPr/>
+        <p:nvPr/>
+      </p:nvGrpSpPr>
+      <p:grpSpPr>
+        <a:xfrm>
+          <a:off x="0" y="0"/>
+          <a:ext cx="0" cy="0"/>
+          <a:chOff x="0" y="0"/>
+          <a:chExt cx="0" cy="0"/>
+        </a:xfrm>
+      </p:grpSpPr>
+      <p:pic>
+        <p:nvPicPr>
+          <p:cNvPr id="2" name="Picture 1"/>
+          <p:cNvPicPr>
+            <a:picLocks noChangeAspect="1"/>
+          </p:cNvPicPr>
+          <p:nvPr/>
+        </p:nvPicPr>
+        <p:blipFill>
+          <a:blip r:embed="rId2"/>
+          <a:stretch>
+            <a:fillRect/>
+          </a:stretch>
+        </p:blipFill>
+        <p:spPr>
+          <a:xfrm>
+            <a:off x="665019" y="943215"/>
+            <a:ext cx="6008913" cy="3101374"/>
+          </a:xfrm>
+          <a:prstGeom prst="rect">
+            <a:avLst/>
+          </a:prstGeom>
+        </p:spPr>
+      </p:pic>
+      <p:sp>
+        <p:nvSpPr>
+          <p:cNvPr id="3" name="TextBox 2"/>
+          <p:cNvSpPr txBox="1"/>
+          <p:nvPr/>
+        </p:nvSpPr>
+        <p:spPr>
+          <a:xfrm>
+            <a:off x="665019" y="178131"/>
+            <a:ext cx="9452268" cy="646331"/>
+          </a:xfrm>
+          <a:prstGeom prst="rect">
+            <a:avLst/>
+          </a:prstGeom>
+          <a:noFill/>
+        </p:spPr>
+        <p:txBody>
+          <a:bodyPr wrap="none" rtlCol="0">
+            <a:spAutoFit/>
+          </a:bodyPr>
+          <a:lstStyle/>
+          <a:p>
+            <a:r>
+              <a:rPr lang="en-US" dirty="0">
+                <a:latin typeface="Arial" panose="020B0604020202020204" pitchFamily="34" charset="0"/>
+                <a:cs typeface="Arial" panose="020B0604020202020204" pitchFamily="34" charset="0"/>
+              </a:rPr>
+              <a:t>We can easily write out the ROC data to a file if we want to use an alternative visualization </a:t>
+            </a:r>
+          </a:p>
+          <a:p>
+            <a:r>
+              <a:rPr lang="en-US" dirty="0">
+                <a:latin typeface="Arial" panose="020B0604020202020204" pitchFamily="34" charset="0"/>
+                <a:cs typeface="Arial" panose="020B0604020202020204" pitchFamily="34" charset="0"/>
+              </a:rPr>
+              <a:t>or analysis platform….</a:t>
+            </a:r>
+          </a:p>
+        </p:txBody>
+      </p:sp>
+      <p:pic>
+        <p:nvPicPr>
+          <p:cNvPr id="4" name="Picture 3"/>
+          <p:cNvPicPr>
+            <a:picLocks noChangeAspect="1"/>
+          </p:cNvPicPr>
+          <p:nvPr/>
+        </p:nvPicPr>
+        <p:blipFill>
+          <a:blip r:embed="rId3"/>
+          <a:stretch>
+            <a:fillRect/>
+          </a:stretch>
+        </p:blipFill>
+        <p:spPr>
+          <a:xfrm>
+            <a:off x="4172692" y="3772085"/>
+            <a:ext cx="6934200" cy="2828925"/>
+          </a:xfrm>
+          <a:prstGeom prst="rect">
+            <a:avLst/>
+          </a:prstGeom>
+        </p:spPr>
+      </p:pic>
+    </p:spTree>
+    <p:extLst>
+      <p:ext uri="{BB962C8B-B14F-4D97-AF65-F5344CB8AC3E}">
+        <p14:creationId xmlns:p14="http://schemas.microsoft.com/office/powerpoint/2010/main" val="3939290892"/>
+      </p:ext>
+    </p:extLst>
+  </p:cSld>
+  <p:clrMapOvr>
+    <a:masterClrMapping/>
+  </p:clrMapOvr>
+</p:sld>
+</file>
+
+<file path=ppt/slides/slide12.xml><?xml version="1.0" encoding="utf-8"?>
+<p:sld xmlns:a="http://schemas.openxmlformats.org/drawingml/2006/main" xmlns:r="http://schemas.openxmlformats.org/officeDocument/2006/relationships" xmlns:p="http://schemas.openxmlformats.org/presentationml/2006/main">
+  <p:cSld>
+    <p:spTree>
+      <p:nvGrpSpPr>
+        <p:cNvPr id="1" name=""/>
+        <p:cNvGrpSpPr/>
+        <p:nvPr/>
+      </p:nvGrpSpPr>
+      <p:grpSpPr>
+        <a:xfrm>
+          <a:off x="0" y="0"/>
+          <a:ext cx="0" cy="0"/>
+          <a:chOff x="0" y="0"/>
+          <a:chExt cx="0" cy="0"/>
+        </a:xfrm>
+      </p:grpSpPr>
+      <p:pic>
+        <p:nvPicPr>
+          <p:cNvPr id="2" name="Picture 1"/>
+          <p:cNvPicPr>
+            <a:picLocks noChangeAspect="1"/>
+          </p:cNvPicPr>
+          <p:nvPr/>
+        </p:nvPicPr>
+        <p:blipFill>
+          <a:blip r:embed="rId2"/>
+          <a:stretch>
+            <a:fillRect/>
+          </a:stretch>
+        </p:blipFill>
+        <p:spPr>
+          <a:xfrm>
+            <a:off x="1104405" y="1483550"/>
+            <a:ext cx="4876800" cy="3867150"/>
+          </a:xfrm>
+          <a:prstGeom prst="rect">
+            <a:avLst/>
+          </a:prstGeom>
+        </p:spPr>
+      </p:pic>
+      <p:pic>
+        <p:nvPicPr>
+          <p:cNvPr id="3" name="Picture 2"/>
+          <p:cNvPicPr>
+            <a:picLocks noChangeAspect="1"/>
+          </p:cNvPicPr>
+          <p:nvPr/>
+        </p:nvPicPr>
+        <p:blipFill>
+          <a:blip r:embed="rId3"/>
+          <a:stretch>
+            <a:fillRect/>
+          </a:stretch>
+        </p:blipFill>
+        <p:spPr>
+          <a:xfrm>
+            <a:off x="6374328" y="1264475"/>
+            <a:ext cx="3314700" cy="4086225"/>
+          </a:xfrm>
+          <a:prstGeom prst="rect">
+            <a:avLst/>
+          </a:prstGeom>
+        </p:spPr>
+      </p:pic>
+      <p:sp>
+        <p:nvSpPr>
+          <p:cNvPr id="4" name="TextBox 3"/>
+          <p:cNvSpPr txBox="1"/>
+          <p:nvPr/>
+        </p:nvSpPr>
+        <p:spPr>
+          <a:xfrm>
+            <a:off x="1282535" y="320635"/>
+            <a:ext cx="10200228" cy="646331"/>
+          </a:xfrm>
+          <a:prstGeom prst="rect">
+            <a:avLst/>
+          </a:prstGeom>
+          <a:noFill/>
+        </p:spPr>
+        <p:txBody>
+          <a:bodyPr wrap="none" rtlCol="0">
+            <a:spAutoFit/>
+          </a:bodyPr>
+          <a:lstStyle/>
+          <a:p>
+            <a:r>
+              <a:rPr lang="en-US" dirty="0">
+                <a:latin typeface="Arial" panose="020B0604020202020204" pitchFamily="34" charset="0"/>
+                <a:cs typeface="Arial" panose="020B0604020202020204" pitchFamily="34" charset="0"/>
+              </a:rPr>
+              <a:t>The “distribution” variable shows how much confidence the predictor has in each prediction and is </a:t>
+            </a:r>
+          </a:p>
+          <a:p>
+            <a:r>
+              <a:rPr lang="en-US" dirty="0">
+                <a:latin typeface="Arial" panose="020B0604020202020204" pitchFamily="34" charset="0"/>
+                <a:cs typeface="Arial" panose="020B0604020202020204" pitchFamily="34" charset="0"/>
+              </a:rPr>
+              <a:t>used to order the ROC curve</a:t>
+            </a:r>
+          </a:p>
+        </p:txBody>
+      </p:sp>
+    </p:spTree>
+    <p:extLst>
+      <p:ext uri="{BB962C8B-B14F-4D97-AF65-F5344CB8AC3E}">
+        <p14:creationId xmlns:p14="http://schemas.microsoft.com/office/powerpoint/2010/main" val="1024406637"/>
       </p:ext>
     </p:extLst>
   </p:cSld>
@@ -4341,7 +4734,7 @@
         <p:spPr>
           <a:xfrm>
             <a:off x="5181601" y="3733800"/>
-            <a:ext cx="2810769" cy="369332"/>
+            <a:ext cx="2887394" cy="369332"/>
           </a:xfrm>
           <a:prstGeom prst="rect">
             <a:avLst/>
@@ -4355,12 +4748,8 @@
           <a:lstStyle/>
           <a:p>
             <a:r>
-              <a:rPr lang="en-US" dirty="0" err="1"/>
-              <a:t>genra</a:t>
-            </a:r>
-            <a:r>
               <a:rPr lang="en-US" dirty="0"/>
-              <a:t> from PCR experiment</a:t>
+              <a:t>genera from PCR experiment</a:t>
             </a:r>
           </a:p>
         </p:txBody>
@@ -4716,6 +5105,809 @@
     <p:extLst>
       <p:ext uri="{BB962C8B-B14F-4D97-AF65-F5344CB8AC3E}">
         <p14:creationId xmlns:p14="http://schemas.microsoft.com/office/powerpoint/2010/main" val="4283984756"/>
+      </p:ext>
+    </p:extLst>
+  </p:cSld>
+  <p:clrMapOvr>
+    <a:masterClrMapping/>
+  </p:clrMapOvr>
+</p:sld>
+</file>
+
+<file path=ppt/slides/slide7.xml><?xml version="1.0" encoding="utf-8"?>
+<p:sld xmlns:a="http://schemas.openxmlformats.org/drawingml/2006/main" xmlns:r="http://schemas.openxmlformats.org/officeDocument/2006/relationships" xmlns:p="http://schemas.openxmlformats.org/presentationml/2006/main">
+  <p:cSld>
+    <p:spTree>
+      <p:nvGrpSpPr>
+        <p:cNvPr id="1" name=""/>
+        <p:cNvGrpSpPr/>
+        <p:nvPr/>
+      </p:nvGrpSpPr>
+      <p:grpSpPr>
+        <a:xfrm>
+          <a:off x="0" y="0"/>
+          <a:ext cx="0" cy="0"/>
+          <a:chOff x="0" y="0"/>
+          <a:chExt cx="0" cy="0"/>
+        </a:xfrm>
+      </p:grpSpPr>
+      <p:sp>
+        <p:nvSpPr>
+          <p:cNvPr id="2" name="TextBox 1"/>
+          <p:cNvSpPr txBox="1"/>
+          <p:nvPr/>
+        </p:nvSpPr>
+        <p:spPr>
+          <a:xfrm>
+            <a:off x="1009403" y="308759"/>
+            <a:ext cx="7849265" cy="369332"/>
+          </a:xfrm>
+          <a:prstGeom prst="rect">
+            <a:avLst/>
+          </a:prstGeom>
+          <a:noFill/>
+        </p:spPr>
+        <p:txBody>
+          <a:bodyPr wrap="none" rtlCol="0">
+            <a:spAutoFit/>
+          </a:bodyPr>
+          <a:lstStyle/>
+          <a:p>
+            <a:r>
+              <a:rPr lang="en-US" dirty="0">
+                <a:latin typeface="Arial" panose="020B0604020202020204" pitchFamily="34" charset="0"/>
+                <a:cs typeface="Arial" panose="020B0604020202020204" pitchFamily="34" charset="0"/>
+              </a:rPr>
+              <a:t>Our initial method just creates a “</a:t>
+            </a:r>
+            <a:r>
+              <a:rPr lang="en-US" dirty="0" err="1">
+                <a:latin typeface="Arial" panose="020B0604020202020204" pitchFamily="34" charset="0"/>
+                <a:cs typeface="Arial" panose="020B0604020202020204" pitchFamily="34" charset="0"/>
+              </a:rPr>
+              <a:t>ThresholdVisualizePanel</a:t>
+            </a:r>
+            <a:r>
+              <a:rPr lang="en-US" dirty="0">
+                <a:latin typeface="Arial" panose="020B0604020202020204" pitchFamily="34" charset="0"/>
+                <a:cs typeface="Arial" panose="020B0604020202020204" pitchFamily="34" charset="0"/>
+              </a:rPr>
+              <a:t>”  and returns it…</a:t>
+            </a:r>
+          </a:p>
+        </p:txBody>
+      </p:sp>
+      <p:pic>
+        <p:nvPicPr>
+          <p:cNvPr id="3" name="Picture 2"/>
+          <p:cNvPicPr>
+            <a:picLocks noChangeAspect="1"/>
+          </p:cNvPicPr>
+          <p:nvPr/>
+        </p:nvPicPr>
+        <p:blipFill>
+          <a:blip r:embed="rId2"/>
+          <a:stretch>
+            <a:fillRect/>
+          </a:stretch>
+        </p:blipFill>
+        <p:spPr>
+          <a:xfrm>
+            <a:off x="1009403" y="968208"/>
+            <a:ext cx="8526374" cy="4613193"/>
+          </a:xfrm>
+          <a:prstGeom prst="rect">
+            <a:avLst/>
+          </a:prstGeom>
+        </p:spPr>
+      </p:pic>
+      <p:sp>
+        <p:nvSpPr>
+          <p:cNvPr id="4" name="TextBox 3"/>
+          <p:cNvSpPr txBox="1"/>
+          <p:nvPr/>
+        </p:nvSpPr>
+        <p:spPr>
+          <a:xfrm>
+            <a:off x="897397" y="5640780"/>
+            <a:ext cx="10512558" cy="646331"/>
+          </a:xfrm>
+          <a:prstGeom prst="rect">
+            <a:avLst/>
+          </a:prstGeom>
+          <a:noFill/>
+        </p:spPr>
+        <p:txBody>
+          <a:bodyPr wrap="none" rtlCol="0">
+            <a:spAutoFit/>
+          </a:bodyPr>
+          <a:lstStyle/>
+          <a:p>
+            <a:r>
+              <a:rPr lang="en-US" dirty="0">
+                <a:latin typeface="Arial" panose="020B0604020202020204" pitchFamily="34" charset="0"/>
+                <a:cs typeface="Arial" panose="020B0604020202020204" pitchFamily="34" charset="0"/>
+              </a:rPr>
+              <a:t>Nothing we haven’t seen many times before in this class.</a:t>
+            </a:r>
+          </a:p>
+          <a:p>
+            <a:r>
+              <a:rPr lang="en-US" dirty="0">
+                <a:latin typeface="Arial" panose="020B0604020202020204" pitchFamily="34" charset="0"/>
+                <a:cs typeface="Arial" panose="020B0604020202020204" pitchFamily="34" charset="0"/>
+              </a:rPr>
+              <a:t>The </a:t>
+            </a:r>
+            <a:r>
+              <a:rPr lang="en-US" dirty="0" err="1">
+                <a:latin typeface="Arial" panose="020B0604020202020204" pitchFamily="34" charset="0"/>
+                <a:cs typeface="Arial" panose="020B0604020202020204" pitchFamily="34" charset="0"/>
+              </a:rPr>
+              <a:t>ThresholdVisualizePanel</a:t>
+            </a:r>
+            <a:r>
+              <a:rPr lang="en-US" dirty="0">
+                <a:latin typeface="Arial" panose="020B0604020202020204" pitchFamily="34" charset="0"/>
+                <a:cs typeface="Arial" panose="020B0604020202020204" pitchFamily="34" charset="0"/>
+              </a:rPr>
+              <a:t> is just a </a:t>
+            </a:r>
+            <a:r>
+              <a:rPr lang="en-US" dirty="0" err="1">
+                <a:latin typeface="Arial" panose="020B0604020202020204" pitchFamily="34" charset="0"/>
+                <a:cs typeface="Arial" panose="020B0604020202020204" pitchFamily="34" charset="0"/>
+              </a:rPr>
+              <a:t>JPanel</a:t>
+            </a:r>
+            <a:r>
+              <a:rPr lang="en-US" dirty="0">
+                <a:latin typeface="Arial" panose="020B0604020202020204" pitchFamily="34" charset="0"/>
+                <a:cs typeface="Arial" panose="020B0604020202020204" pitchFamily="34" charset="0"/>
+              </a:rPr>
+              <a:t> (AWT component) that knows how to draw ROC curves</a:t>
+            </a:r>
+          </a:p>
+        </p:txBody>
+      </p:sp>
+      <p:sp>
+        <p:nvSpPr>
+          <p:cNvPr id="5" name="Rectangle 4"/>
+          <p:cNvSpPr/>
+          <p:nvPr/>
+        </p:nvSpPr>
+        <p:spPr>
+          <a:xfrm>
+            <a:off x="5320859" y="6575959"/>
+            <a:ext cx="8880048" cy="292388"/>
+          </a:xfrm>
+          <a:prstGeom prst="rect">
+            <a:avLst/>
+          </a:prstGeom>
+        </p:spPr>
+        <p:txBody>
+          <a:bodyPr wrap="square">
+            <a:spAutoFit/>
+          </a:bodyPr>
+          <a:lstStyle/>
+          <a:p>
+            <a:r>
+              <a:rPr lang="en-US" sz="1300" dirty="0">
+                <a:solidFill>
+                  <a:srgbClr val="FF0000"/>
+                </a:solidFill>
+              </a:rPr>
+              <a:t>https://github.com/afodor/WekaExamples/blob/master/src/examples/TestClassify.java</a:t>
+            </a:r>
+          </a:p>
+        </p:txBody>
+      </p:sp>
+      <p:pic>
+        <p:nvPicPr>
+          <p:cNvPr id="6" name="Picture 5"/>
+          <p:cNvPicPr>
+            <a:picLocks noChangeAspect="1"/>
+          </p:cNvPicPr>
+          <p:nvPr/>
+        </p:nvPicPr>
+        <p:blipFill>
+          <a:blip r:embed="rId3"/>
+          <a:stretch>
+            <a:fillRect/>
+          </a:stretch>
+        </p:blipFill>
+        <p:spPr>
+          <a:xfrm>
+            <a:off x="1157477" y="846981"/>
+            <a:ext cx="6076950" cy="247650"/>
+          </a:xfrm>
+          <a:prstGeom prst="rect">
+            <a:avLst/>
+          </a:prstGeom>
+        </p:spPr>
+      </p:pic>
+    </p:spTree>
+    <p:extLst>
+      <p:ext uri="{BB962C8B-B14F-4D97-AF65-F5344CB8AC3E}">
+        <p14:creationId xmlns:p14="http://schemas.microsoft.com/office/powerpoint/2010/main" val="533526327"/>
+      </p:ext>
+    </p:extLst>
+  </p:cSld>
+  <p:clrMapOvr>
+    <a:masterClrMapping/>
+  </p:clrMapOvr>
+</p:sld>
+</file>
+
+<file path=ppt/slides/slide8.xml><?xml version="1.0" encoding="utf-8"?>
+<p:sld xmlns:a="http://schemas.openxmlformats.org/drawingml/2006/main" xmlns:r="http://schemas.openxmlformats.org/officeDocument/2006/relationships" xmlns:p="http://schemas.openxmlformats.org/presentationml/2006/main">
+  <p:cSld>
+    <p:spTree>
+      <p:nvGrpSpPr>
+        <p:cNvPr id="1" name=""/>
+        <p:cNvGrpSpPr/>
+        <p:nvPr/>
+      </p:nvGrpSpPr>
+      <p:grpSpPr>
+        <a:xfrm>
+          <a:off x="0" y="0"/>
+          <a:ext cx="0" cy="0"/>
+          <a:chOff x="0" y="0"/>
+          <a:chExt cx="0" cy="0"/>
+        </a:xfrm>
+      </p:grpSpPr>
+      <p:pic>
+        <p:nvPicPr>
+          <p:cNvPr id="2" name="Picture 1"/>
+          <p:cNvPicPr>
+            <a:picLocks noChangeAspect="1"/>
+          </p:cNvPicPr>
+          <p:nvPr/>
+        </p:nvPicPr>
+        <p:blipFill>
+          <a:blip r:embed="rId2"/>
+          <a:stretch>
+            <a:fillRect/>
+          </a:stretch>
+        </p:blipFill>
+        <p:spPr>
+          <a:xfrm>
+            <a:off x="1856509" y="740167"/>
+            <a:ext cx="7480620" cy="5815013"/>
+          </a:xfrm>
+          <a:prstGeom prst="rect">
+            <a:avLst/>
+          </a:prstGeom>
+        </p:spPr>
+      </p:pic>
+      <p:sp>
+        <p:nvSpPr>
+          <p:cNvPr id="3" name="TextBox 2"/>
+          <p:cNvSpPr txBox="1"/>
+          <p:nvPr/>
+        </p:nvSpPr>
+        <p:spPr>
+          <a:xfrm>
+            <a:off x="1270660" y="83127"/>
+            <a:ext cx="9802684" cy="369332"/>
+          </a:xfrm>
+          <a:prstGeom prst="rect">
+            <a:avLst/>
+          </a:prstGeom>
+          <a:noFill/>
+        </p:spPr>
+        <p:txBody>
+          <a:bodyPr wrap="none" rtlCol="0">
+            <a:spAutoFit/>
+          </a:bodyPr>
+          <a:lstStyle/>
+          <a:p>
+            <a:r>
+              <a:rPr lang="en-US" dirty="0">
+                <a:latin typeface="Arial" panose="020B0604020202020204" pitchFamily="34" charset="0"/>
+                <a:cs typeface="Arial" panose="020B0604020202020204" pitchFamily="34" charset="0"/>
+              </a:rPr>
+              <a:t>This method proceeds as before, building a classifier and testing it via ten-fold cross-validation</a:t>
+            </a:r>
+          </a:p>
+        </p:txBody>
+      </p:sp>
+      <p:cxnSp>
+        <p:nvCxnSpPr>
+          <p:cNvPr id="5" name="Straight Arrow Connector 4"/>
+          <p:cNvCxnSpPr/>
+          <p:nvPr/>
+        </p:nvCxnSpPr>
+        <p:spPr>
+          <a:xfrm flipH="1" flipV="1">
+            <a:off x="6958940" y="5593278"/>
+            <a:ext cx="712519" cy="11875"/>
+          </a:xfrm>
+          <a:prstGeom prst="straightConnector1">
+            <a:avLst/>
+          </a:prstGeom>
+          <a:ln>
+            <a:tailEnd type="triangle"/>
+          </a:ln>
+        </p:spPr>
+        <p:style>
+          <a:lnRef idx="1">
+            <a:schemeClr val="accent1"/>
+          </a:lnRef>
+          <a:fillRef idx="0">
+            <a:schemeClr val="accent1"/>
+          </a:fillRef>
+          <a:effectRef idx="0">
+            <a:schemeClr val="accent1"/>
+          </a:effectRef>
+          <a:fontRef idx="minor">
+            <a:schemeClr val="tx1"/>
+          </a:fontRef>
+        </p:style>
+      </p:cxnSp>
+      <p:sp>
+        <p:nvSpPr>
+          <p:cNvPr id="6" name="TextBox 5"/>
+          <p:cNvSpPr txBox="1"/>
+          <p:nvPr/>
+        </p:nvSpPr>
+        <p:spPr>
+          <a:xfrm>
+            <a:off x="7742714" y="5450774"/>
+            <a:ext cx="3583032" cy="369332"/>
+          </a:xfrm>
+          <a:prstGeom prst="rect">
+            <a:avLst/>
+          </a:prstGeom>
+          <a:noFill/>
+        </p:spPr>
+        <p:txBody>
+          <a:bodyPr wrap="none" rtlCol="0">
+            <a:spAutoFit/>
+          </a:bodyPr>
+          <a:lstStyle/>
+          <a:p>
+            <a:r>
+              <a:rPr lang="en-US" dirty="0">
+                <a:latin typeface="Arial" panose="020B0604020202020204" pitchFamily="34" charset="0"/>
+                <a:cs typeface="Arial" panose="020B0604020202020204" pitchFamily="34" charset="0"/>
+              </a:rPr>
+              <a:t>but we add a line for visualization</a:t>
+            </a:r>
+          </a:p>
+        </p:txBody>
+      </p:sp>
+      <p:sp>
+        <p:nvSpPr>
+          <p:cNvPr id="7" name="Rectangle 6"/>
+          <p:cNvSpPr/>
+          <p:nvPr/>
+        </p:nvSpPr>
+        <p:spPr>
+          <a:xfrm>
+            <a:off x="5320859" y="6575959"/>
+            <a:ext cx="8880048" cy="292388"/>
+          </a:xfrm>
+          <a:prstGeom prst="rect">
+            <a:avLst/>
+          </a:prstGeom>
+        </p:spPr>
+        <p:txBody>
+          <a:bodyPr wrap="square">
+            <a:spAutoFit/>
+          </a:bodyPr>
+          <a:lstStyle/>
+          <a:p>
+            <a:r>
+              <a:rPr lang="en-US" sz="1300" dirty="0">
+                <a:solidFill>
+                  <a:srgbClr val="FF0000"/>
+                </a:solidFill>
+              </a:rPr>
+              <a:t>https://github.com/afodor/WekaExamples/blob/master/src/examples/TestClassify.java</a:t>
+            </a:r>
+          </a:p>
+        </p:txBody>
+      </p:sp>
+    </p:spTree>
+    <p:extLst>
+      <p:ext uri="{BB962C8B-B14F-4D97-AF65-F5344CB8AC3E}">
+        <p14:creationId xmlns:p14="http://schemas.microsoft.com/office/powerpoint/2010/main" val="1286533298"/>
+      </p:ext>
+    </p:extLst>
+  </p:cSld>
+  <p:clrMapOvr>
+    <a:masterClrMapping/>
+  </p:clrMapOvr>
+</p:sld>
+</file>
+
+<file path=ppt/slides/slide9.xml><?xml version="1.0" encoding="utf-8"?>
+<p:sld xmlns:a="http://schemas.openxmlformats.org/drawingml/2006/main" xmlns:r="http://schemas.openxmlformats.org/officeDocument/2006/relationships" xmlns:p="http://schemas.openxmlformats.org/presentationml/2006/main">
+  <p:cSld>
+    <p:spTree>
+      <p:nvGrpSpPr>
+        <p:cNvPr id="1" name=""/>
+        <p:cNvGrpSpPr/>
+        <p:nvPr/>
+      </p:nvGrpSpPr>
+      <p:grpSpPr>
+        <a:xfrm>
+          <a:off x="0" y="0"/>
+          <a:ext cx="0" cy="0"/>
+          <a:chOff x="0" y="0"/>
+          <a:chExt cx="0" cy="0"/>
+        </a:xfrm>
+      </p:grpSpPr>
+      <p:pic>
+        <p:nvPicPr>
+          <p:cNvPr id="2" name="Picture 1"/>
+          <p:cNvPicPr>
+            <a:picLocks noChangeAspect="1"/>
+          </p:cNvPicPr>
+          <p:nvPr/>
+        </p:nvPicPr>
+        <p:blipFill>
+          <a:blip r:embed="rId2"/>
+          <a:stretch>
+            <a:fillRect/>
+          </a:stretch>
+        </p:blipFill>
+        <p:spPr>
+          <a:xfrm>
+            <a:off x="433697" y="448725"/>
+            <a:ext cx="6727124" cy="6321772"/>
+          </a:xfrm>
+          <a:prstGeom prst="rect">
+            <a:avLst/>
+          </a:prstGeom>
+        </p:spPr>
+      </p:pic>
+      <p:pic>
+        <p:nvPicPr>
+          <p:cNvPr id="3" name="Picture 2"/>
+          <p:cNvPicPr>
+            <a:picLocks noChangeAspect="1"/>
+          </p:cNvPicPr>
+          <p:nvPr/>
+        </p:nvPicPr>
+        <p:blipFill>
+          <a:blip r:embed="rId3"/>
+          <a:stretch>
+            <a:fillRect/>
+          </a:stretch>
+        </p:blipFill>
+        <p:spPr>
+          <a:xfrm>
+            <a:off x="433697" y="170087"/>
+            <a:ext cx="6076950" cy="247650"/>
+          </a:xfrm>
+          <a:prstGeom prst="rect">
+            <a:avLst/>
+          </a:prstGeom>
+        </p:spPr>
+      </p:pic>
+      <p:cxnSp>
+        <p:nvCxnSpPr>
+          <p:cNvPr id="5" name="Straight Arrow Connector 4"/>
+          <p:cNvCxnSpPr/>
+          <p:nvPr/>
+        </p:nvCxnSpPr>
+        <p:spPr>
+          <a:xfrm flipH="1">
+            <a:off x="5225143" y="961901"/>
+            <a:ext cx="1543792" cy="0"/>
+          </a:xfrm>
+          <a:prstGeom prst="straightConnector1">
+            <a:avLst/>
+          </a:prstGeom>
+          <a:ln>
+            <a:tailEnd type="triangle"/>
+          </a:ln>
+        </p:spPr>
+        <p:style>
+          <a:lnRef idx="1">
+            <a:schemeClr val="accent1"/>
+          </a:lnRef>
+          <a:fillRef idx="0">
+            <a:schemeClr val="accent1"/>
+          </a:fillRef>
+          <a:effectRef idx="0">
+            <a:schemeClr val="accent1"/>
+          </a:effectRef>
+          <a:fontRef idx="minor">
+            <a:schemeClr val="tx1"/>
+          </a:fontRef>
+        </p:style>
+      </p:cxnSp>
+      <p:cxnSp>
+        <p:nvCxnSpPr>
+          <p:cNvPr id="7" name="Straight Arrow Connector 6"/>
+          <p:cNvCxnSpPr/>
+          <p:nvPr/>
+        </p:nvCxnSpPr>
+        <p:spPr>
+          <a:xfrm flipH="1">
+            <a:off x="4821382" y="2719449"/>
+            <a:ext cx="1864426" cy="0"/>
+          </a:xfrm>
+          <a:prstGeom prst="straightConnector1">
+            <a:avLst/>
+          </a:prstGeom>
+          <a:ln>
+            <a:tailEnd type="triangle"/>
+          </a:ln>
+        </p:spPr>
+        <p:style>
+          <a:lnRef idx="1">
+            <a:schemeClr val="accent1"/>
+          </a:lnRef>
+          <a:fillRef idx="0">
+            <a:schemeClr val="accent1"/>
+          </a:fillRef>
+          <a:effectRef idx="0">
+            <a:schemeClr val="accent1"/>
+          </a:effectRef>
+          <a:fontRef idx="minor">
+            <a:schemeClr val="tx1"/>
+          </a:fontRef>
+        </p:style>
+      </p:cxnSp>
+      <p:sp>
+        <p:nvSpPr>
+          <p:cNvPr id="8" name="TextBox 7"/>
+          <p:cNvSpPr txBox="1"/>
+          <p:nvPr/>
+        </p:nvSpPr>
+        <p:spPr>
+          <a:xfrm>
+            <a:off x="5664530" y="1187534"/>
+            <a:ext cx="5416868" cy="1477328"/>
+          </a:xfrm>
+          <a:prstGeom prst="rect">
+            <a:avLst/>
+          </a:prstGeom>
+          <a:noFill/>
+        </p:spPr>
+        <p:txBody>
+          <a:bodyPr wrap="none" rtlCol="0">
+            <a:spAutoFit/>
+          </a:bodyPr>
+          <a:lstStyle/>
+          <a:p>
+            <a:r>
+              <a:rPr lang="en-US" dirty="0">
+                <a:latin typeface="Arial" panose="020B0604020202020204" pitchFamily="34" charset="0"/>
+                <a:cs typeface="Arial" panose="020B0604020202020204" pitchFamily="34" charset="0"/>
+              </a:rPr>
+              <a:t>This code does the calculations of true positive and</a:t>
+            </a:r>
+          </a:p>
+          <a:p>
+            <a:r>
+              <a:rPr lang="en-US" dirty="0">
+                <a:latin typeface="Arial" panose="020B0604020202020204" pitchFamily="34" charset="0"/>
+                <a:cs typeface="Arial" panose="020B0604020202020204" pitchFamily="34" charset="0"/>
+              </a:rPr>
+              <a:t>true negative</a:t>
+            </a:r>
+          </a:p>
+          <a:p>
+            <a:endParaRPr lang="en-US" dirty="0">
+              <a:latin typeface="Arial" panose="020B0604020202020204" pitchFamily="34" charset="0"/>
+              <a:cs typeface="Arial" panose="020B0604020202020204" pitchFamily="34" charset="0"/>
+            </a:endParaRPr>
+          </a:p>
+          <a:p>
+            <a:r>
+              <a:rPr lang="en-US" dirty="0">
+                <a:latin typeface="Arial" panose="020B0604020202020204" pitchFamily="34" charset="0"/>
+                <a:cs typeface="Arial" panose="020B0604020202020204" pitchFamily="34" charset="0"/>
+              </a:rPr>
+              <a:t>All of the helper classes are stack confined, </a:t>
+            </a:r>
+          </a:p>
+          <a:p>
+            <a:r>
+              <a:rPr lang="en-US" dirty="0">
+                <a:latin typeface="Arial" panose="020B0604020202020204" pitchFamily="34" charset="0"/>
+                <a:cs typeface="Arial" panose="020B0604020202020204" pitchFamily="34" charset="0"/>
+              </a:rPr>
+              <a:t>but do not make visibility guarantees</a:t>
+            </a:r>
+          </a:p>
+        </p:txBody>
+      </p:sp>
+      <p:cxnSp>
+        <p:nvCxnSpPr>
+          <p:cNvPr id="10" name="Straight Arrow Connector 9"/>
+          <p:cNvCxnSpPr/>
+          <p:nvPr/>
+        </p:nvCxnSpPr>
+        <p:spPr>
+          <a:xfrm flipH="1">
+            <a:off x="3954483" y="5498276"/>
+            <a:ext cx="866899" cy="11875"/>
+          </a:xfrm>
+          <a:prstGeom prst="straightConnector1">
+            <a:avLst/>
+          </a:prstGeom>
+          <a:ln>
+            <a:tailEnd type="triangle"/>
+          </a:ln>
+        </p:spPr>
+        <p:style>
+          <a:lnRef idx="1">
+            <a:schemeClr val="accent1"/>
+          </a:lnRef>
+          <a:fillRef idx="0">
+            <a:schemeClr val="accent1"/>
+          </a:fillRef>
+          <a:effectRef idx="0">
+            <a:schemeClr val="accent1"/>
+          </a:effectRef>
+          <a:fontRef idx="minor">
+            <a:schemeClr val="tx1"/>
+          </a:fontRef>
+        </p:style>
+      </p:cxnSp>
+      <p:sp>
+        <p:nvSpPr>
+          <p:cNvPr id="11" name="TextBox 10"/>
+          <p:cNvSpPr txBox="1"/>
+          <p:nvPr/>
+        </p:nvSpPr>
+        <p:spPr>
+          <a:xfrm>
+            <a:off x="4904509" y="5343896"/>
+            <a:ext cx="5248424" cy="369332"/>
+          </a:xfrm>
+          <a:prstGeom prst="rect">
+            <a:avLst/>
+          </a:prstGeom>
+          <a:noFill/>
+        </p:spPr>
+        <p:txBody>
+          <a:bodyPr wrap="none" rtlCol="0">
+            <a:spAutoFit/>
+          </a:bodyPr>
+          <a:lstStyle/>
+          <a:p>
+            <a:r>
+              <a:rPr lang="en-US" dirty="0"/>
+              <a:t>Actually write the plot; should happen on AWT thread</a:t>
+            </a:r>
+          </a:p>
+        </p:txBody>
+      </p:sp>
+      <p:cxnSp>
+        <p:nvCxnSpPr>
+          <p:cNvPr id="13" name="Straight Arrow Connector 12"/>
+          <p:cNvCxnSpPr/>
+          <p:nvPr/>
+        </p:nvCxnSpPr>
+        <p:spPr>
+          <a:xfrm flipH="1" flipV="1">
+            <a:off x="3313216" y="3348842"/>
+            <a:ext cx="641267" cy="11875"/>
+          </a:xfrm>
+          <a:prstGeom prst="straightConnector1">
+            <a:avLst/>
+          </a:prstGeom>
+          <a:ln>
+            <a:tailEnd type="triangle"/>
+          </a:ln>
+        </p:spPr>
+        <p:style>
+          <a:lnRef idx="1">
+            <a:schemeClr val="accent1"/>
+          </a:lnRef>
+          <a:fillRef idx="0">
+            <a:schemeClr val="accent1"/>
+          </a:fillRef>
+          <a:effectRef idx="0">
+            <a:schemeClr val="accent1"/>
+          </a:effectRef>
+          <a:fontRef idx="minor">
+            <a:schemeClr val="tx1"/>
+          </a:fontRef>
+        </p:style>
+      </p:cxnSp>
+      <p:sp>
+        <p:nvSpPr>
+          <p:cNvPr id="14" name="TextBox 13"/>
+          <p:cNvSpPr txBox="1"/>
+          <p:nvPr/>
+        </p:nvSpPr>
+        <p:spPr>
+          <a:xfrm>
+            <a:off x="4037610" y="3206339"/>
+            <a:ext cx="5213222" cy="369332"/>
+          </a:xfrm>
+          <a:prstGeom prst="rect">
+            <a:avLst/>
+          </a:prstGeom>
+          <a:noFill/>
+        </p:spPr>
+        <p:txBody>
+          <a:bodyPr wrap="none" rtlCol="0">
+            <a:spAutoFit/>
+          </a:bodyPr>
+          <a:lstStyle/>
+          <a:p>
+            <a:r>
+              <a:rPr lang="en-US" dirty="0"/>
+              <a:t>Force visibility to any other thread that grabs this lock</a:t>
+            </a:r>
+          </a:p>
+        </p:txBody>
+      </p:sp>
+      <p:cxnSp>
+        <p:nvCxnSpPr>
+          <p:cNvPr id="15" name="Straight Arrow Connector 14"/>
+          <p:cNvCxnSpPr/>
+          <p:nvPr/>
+        </p:nvCxnSpPr>
+        <p:spPr>
+          <a:xfrm flipH="1" flipV="1">
+            <a:off x="4748152" y="5021284"/>
+            <a:ext cx="641267" cy="11875"/>
+          </a:xfrm>
+          <a:prstGeom prst="straightConnector1">
+            <a:avLst/>
+          </a:prstGeom>
+          <a:ln>
+            <a:tailEnd type="triangle"/>
+          </a:ln>
+        </p:spPr>
+        <p:style>
+          <a:lnRef idx="1">
+            <a:schemeClr val="accent1"/>
+          </a:lnRef>
+          <a:fillRef idx="0">
+            <a:schemeClr val="accent1"/>
+          </a:fillRef>
+          <a:effectRef idx="0">
+            <a:schemeClr val="accent1"/>
+          </a:effectRef>
+          <a:fontRef idx="minor">
+            <a:schemeClr val="tx1"/>
+          </a:fontRef>
+        </p:style>
+      </p:cxnSp>
+      <p:sp>
+        <p:nvSpPr>
+          <p:cNvPr id="16" name="TextBox 15"/>
+          <p:cNvSpPr txBox="1"/>
+          <p:nvPr/>
+        </p:nvSpPr>
+        <p:spPr>
+          <a:xfrm>
+            <a:off x="5448796" y="4878781"/>
+            <a:ext cx="3873112" cy="369332"/>
+          </a:xfrm>
+          <a:prstGeom prst="rect">
+            <a:avLst/>
+          </a:prstGeom>
+          <a:noFill/>
+        </p:spPr>
+        <p:txBody>
+          <a:bodyPr wrap="none" rtlCol="0">
+            <a:spAutoFit/>
+          </a:bodyPr>
+          <a:lstStyle/>
+          <a:p>
+            <a:r>
+              <a:rPr lang="en-US" dirty="0"/>
+              <a:t>Make sure AWT thread has full visibility</a:t>
+            </a:r>
+          </a:p>
+        </p:txBody>
+      </p:sp>
+    </p:spTree>
+    <p:extLst>
+      <p:ext uri="{BB962C8B-B14F-4D97-AF65-F5344CB8AC3E}">
+        <p14:creationId xmlns:p14="http://schemas.microsoft.com/office/powerpoint/2010/main" val="3721641940"/>
       </p:ext>
     </p:extLst>
   </p:cSld>

--- a/classes/prog2016/Prog3-Lecture22.pptx
+++ b/classes/prog2016/Prog3-Lecture22.pptx
@@ -17,6 +17,10 @@
     <p:sldId id="263" r:id="rId11"/>
     <p:sldId id="268" r:id="rId12"/>
     <p:sldId id="267" r:id="rId13"/>
+    <p:sldId id="269" r:id="rId14"/>
+    <p:sldId id="270" r:id="rId15"/>
+    <p:sldId id="271" r:id="rId16"/>
+    <p:sldId id="272" r:id="rId17"/>
   </p:sldIdLst>
   <p:sldSz cx="12192000" cy="6858000"/>
   <p:notesSz cx="6858000" cy="9144000"/>
@@ -3416,6 +3420,482 @@
 </p:sld>
 </file>
 
+<file path=ppt/slides/slide13.xml><?xml version="1.0" encoding="utf-8"?>
+<p:sld xmlns:a="http://schemas.openxmlformats.org/drawingml/2006/main" xmlns:r="http://schemas.openxmlformats.org/officeDocument/2006/relationships" xmlns:p="http://schemas.openxmlformats.org/presentationml/2006/main">
+  <p:cSld>
+    <p:spTree>
+      <p:nvGrpSpPr>
+        <p:cNvPr id="1" name=""/>
+        <p:cNvGrpSpPr/>
+        <p:nvPr/>
+      </p:nvGrpSpPr>
+      <p:grpSpPr>
+        <a:xfrm>
+          <a:off x="0" y="0"/>
+          <a:ext cx="0" cy="0"/>
+          <a:chOff x="0" y="0"/>
+          <a:chExt cx="0" cy="0"/>
+        </a:xfrm>
+      </p:grpSpPr>
+      <p:pic>
+        <p:nvPicPr>
+          <p:cNvPr id="2" name="Picture 1"/>
+          <p:cNvPicPr>
+            <a:picLocks noChangeAspect="1"/>
+          </p:cNvPicPr>
+          <p:nvPr/>
+        </p:nvPicPr>
+        <p:blipFill>
+          <a:blip r:embed="rId2"/>
+          <a:stretch>
+            <a:fillRect/>
+          </a:stretch>
+        </p:blipFill>
+        <p:spPr>
+          <a:xfrm>
+            <a:off x="595622" y="697118"/>
+            <a:ext cx="8934450" cy="2257425"/>
+          </a:xfrm>
+          <a:prstGeom prst="rect">
+            <a:avLst/>
+          </a:prstGeom>
+        </p:spPr>
+      </p:pic>
+      <p:cxnSp>
+        <p:nvCxnSpPr>
+          <p:cNvPr id="4" name="Straight Arrow Connector 3"/>
+          <p:cNvCxnSpPr/>
+          <p:nvPr/>
+        </p:nvCxnSpPr>
+        <p:spPr>
+          <a:xfrm flipH="1" flipV="1">
+            <a:off x="5106390" y="2766951"/>
+            <a:ext cx="510639" cy="700644"/>
+          </a:xfrm>
+          <a:prstGeom prst="straightConnector1">
+            <a:avLst/>
+          </a:prstGeom>
+          <a:ln>
+            <a:tailEnd type="triangle"/>
+          </a:ln>
+        </p:spPr>
+        <p:style>
+          <a:lnRef idx="1">
+            <a:schemeClr val="accent1"/>
+          </a:lnRef>
+          <a:fillRef idx="0">
+            <a:schemeClr val="accent1"/>
+          </a:fillRef>
+          <a:effectRef idx="0">
+            <a:schemeClr val="accent1"/>
+          </a:effectRef>
+          <a:fontRef idx="minor">
+            <a:schemeClr val="tx1"/>
+          </a:fontRef>
+        </p:style>
+      </p:cxnSp>
+      <p:sp>
+        <p:nvSpPr>
+          <p:cNvPr id="5" name="TextBox 4"/>
+          <p:cNvSpPr txBox="1"/>
+          <p:nvPr/>
+        </p:nvSpPr>
+        <p:spPr>
+          <a:xfrm>
+            <a:off x="5510150" y="3360718"/>
+            <a:ext cx="5647700" cy="646331"/>
+          </a:xfrm>
+          <a:prstGeom prst="rect">
+            <a:avLst/>
+          </a:prstGeom>
+          <a:noFill/>
+        </p:spPr>
+        <p:txBody>
+          <a:bodyPr wrap="none" rtlCol="0">
+            <a:spAutoFit/>
+          </a:bodyPr>
+          <a:lstStyle/>
+          <a:p>
+            <a:r>
+              <a:rPr lang="en-US" dirty="0">
+                <a:latin typeface="Arial" panose="020B0604020202020204" pitchFamily="34" charset="0"/>
+                <a:cs typeface="Arial" panose="020B0604020202020204" pitchFamily="34" charset="0"/>
+              </a:rPr>
+              <a:t>We can compare our “true” classification to </a:t>
+            </a:r>
+          </a:p>
+          <a:p>
+            <a:r>
+              <a:rPr lang="en-US" dirty="0">
+                <a:latin typeface="Arial" panose="020B0604020202020204" pitchFamily="34" charset="0"/>
+                <a:cs typeface="Arial" panose="020B0604020202020204" pitchFamily="34" charset="0"/>
+              </a:rPr>
+              <a:t>a classification with the case/control labels scrambled</a:t>
+            </a:r>
+          </a:p>
+        </p:txBody>
+      </p:sp>
+      <p:pic>
+        <p:nvPicPr>
+          <p:cNvPr id="6" name="Picture 5"/>
+          <p:cNvPicPr>
+            <a:picLocks noChangeAspect="1"/>
+          </p:cNvPicPr>
+          <p:nvPr/>
+        </p:nvPicPr>
+        <p:blipFill>
+          <a:blip r:embed="rId3"/>
+          <a:stretch>
+            <a:fillRect/>
+          </a:stretch>
+        </p:blipFill>
+        <p:spPr>
+          <a:xfrm>
+            <a:off x="1341602" y="4007049"/>
+            <a:ext cx="3286125" cy="2257425"/>
+          </a:xfrm>
+          <a:prstGeom prst="rect">
+            <a:avLst/>
+          </a:prstGeom>
+        </p:spPr>
+      </p:pic>
+    </p:spTree>
+    <p:extLst>
+      <p:ext uri="{BB962C8B-B14F-4D97-AF65-F5344CB8AC3E}">
+        <p14:creationId xmlns:p14="http://schemas.microsoft.com/office/powerpoint/2010/main" val="3309747914"/>
+      </p:ext>
+    </p:extLst>
+  </p:cSld>
+  <p:clrMapOvr>
+    <a:masterClrMapping/>
+  </p:clrMapOvr>
+</p:sld>
+</file>
+
+<file path=ppt/slides/slide14.xml><?xml version="1.0" encoding="utf-8"?>
+<p:sld xmlns:a="http://schemas.openxmlformats.org/drawingml/2006/main" xmlns:r="http://schemas.openxmlformats.org/officeDocument/2006/relationships" xmlns:p="http://schemas.openxmlformats.org/presentationml/2006/main">
+  <p:cSld>
+    <p:spTree>
+      <p:nvGrpSpPr>
+        <p:cNvPr id="1" name=""/>
+        <p:cNvGrpSpPr/>
+        <p:nvPr/>
+      </p:nvGrpSpPr>
+      <p:grpSpPr>
+        <a:xfrm>
+          <a:off x="0" y="0"/>
+          <a:ext cx="0" cy="0"/>
+          <a:chOff x="0" y="0"/>
+          <a:chExt cx="0" cy="0"/>
+        </a:xfrm>
+      </p:grpSpPr>
+      <p:pic>
+        <p:nvPicPr>
+          <p:cNvPr id="2" name="Picture 1"/>
+          <p:cNvPicPr>
+            <a:picLocks noChangeAspect="1"/>
+          </p:cNvPicPr>
+          <p:nvPr/>
+        </p:nvPicPr>
+        <p:blipFill>
+          <a:blip r:embed="rId2"/>
+          <a:stretch>
+            <a:fillRect/>
+          </a:stretch>
+        </p:blipFill>
+        <p:spPr>
+          <a:xfrm>
+            <a:off x="1844632" y="348280"/>
+            <a:ext cx="7480620" cy="5815013"/>
+          </a:xfrm>
+          <a:prstGeom prst="rect">
+            <a:avLst/>
+          </a:prstGeom>
+        </p:spPr>
+      </p:pic>
+      <p:cxnSp>
+        <p:nvCxnSpPr>
+          <p:cNvPr id="4" name="Straight Arrow Connector 3"/>
+          <p:cNvCxnSpPr/>
+          <p:nvPr/>
+        </p:nvCxnSpPr>
+        <p:spPr>
+          <a:xfrm flipH="1" flipV="1">
+            <a:off x="5593277" y="2719448"/>
+            <a:ext cx="1104405" cy="11875"/>
+          </a:xfrm>
+          <a:prstGeom prst="straightConnector1">
+            <a:avLst/>
+          </a:prstGeom>
+          <a:ln>
+            <a:tailEnd type="triangle"/>
+          </a:ln>
+        </p:spPr>
+        <p:style>
+          <a:lnRef idx="1">
+            <a:schemeClr val="accent1"/>
+          </a:lnRef>
+          <a:fillRef idx="0">
+            <a:schemeClr val="accent1"/>
+          </a:fillRef>
+          <a:effectRef idx="0">
+            <a:schemeClr val="accent1"/>
+          </a:effectRef>
+          <a:fontRef idx="minor">
+            <a:schemeClr val="tx1"/>
+          </a:fontRef>
+        </p:style>
+      </p:cxnSp>
+      <p:cxnSp>
+        <p:nvCxnSpPr>
+          <p:cNvPr id="6" name="Straight Arrow Connector 5"/>
+          <p:cNvCxnSpPr/>
+          <p:nvPr/>
+        </p:nvCxnSpPr>
+        <p:spPr>
+          <a:xfrm flipH="1">
+            <a:off x="6958939" y="5189515"/>
+            <a:ext cx="795647" cy="0"/>
+          </a:xfrm>
+          <a:prstGeom prst="straightConnector1">
+            <a:avLst/>
+          </a:prstGeom>
+          <a:ln>
+            <a:tailEnd type="triangle"/>
+          </a:ln>
+        </p:spPr>
+        <p:style>
+          <a:lnRef idx="1">
+            <a:schemeClr val="accent1"/>
+          </a:lnRef>
+          <a:fillRef idx="0">
+            <a:schemeClr val="accent1"/>
+          </a:fillRef>
+          <a:effectRef idx="0">
+            <a:schemeClr val="accent1"/>
+          </a:effectRef>
+          <a:fontRef idx="minor">
+            <a:schemeClr val="tx1"/>
+          </a:fontRef>
+        </p:style>
+      </p:cxnSp>
+      <p:sp>
+        <p:nvSpPr>
+          <p:cNvPr id="7" name="TextBox 6"/>
+          <p:cNvSpPr txBox="1"/>
+          <p:nvPr/>
+        </p:nvSpPr>
+        <p:spPr>
+          <a:xfrm>
+            <a:off x="6293923" y="2386938"/>
+            <a:ext cx="2710999" cy="369332"/>
+          </a:xfrm>
+          <a:prstGeom prst="rect">
+            <a:avLst/>
+          </a:prstGeom>
+          <a:noFill/>
+        </p:spPr>
+        <p:txBody>
+          <a:bodyPr wrap="none" rtlCol="0">
+            <a:spAutoFit/>
+          </a:bodyPr>
+          <a:lstStyle/>
+          <a:p>
+            <a:r>
+              <a:rPr lang="en-US" dirty="0">
+                <a:latin typeface="Arial" panose="020B0604020202020204" pitchFamily="34" charset="0"/>
+                <a:cs typeface="Arial" panose="020B0604020202020204" pitchFamily="34" charset="0"/>
+              </a:rPr>
+              <a:t>Our data gets scrambled</a:t>
+            </a:r>
+          </a:p>
+        </p:txBody>
+      </p:sp>
+      <p:sp>
+        <p:nvSpPr>
+          <p:cNvPr id="8" name="TextBox 7"/>
+          <p:cNvSpPr txBox="1"/>
+          <p:nvPr/>
+        </p:nvSpPr>
+        <p:spPr>
+          <a:xfrm>
+            <a:off x="7101443" y="4833255"/>
+            <a:ext cx="2108269" cy="369332"/>
+          </a:xfrm>
+          <a:prstGeom prst="rect">
+            <a:avLst/>
+          </a:prstGeom>
+          <a:noFill/>
+        </p:spPr>
+        <p:txBody>
+          <a:bodyPr wrap="none" rtlCol="0">
+            <a:spAutoFit/>
+          </a:bodyPr>
+          <a:lstStyle/>
+          <a:p>
+            <a:r>
+              <a:rPr lang="en-US" dirty="0">
+                <a:latin typeface="Arial" panose="020B0604020202020204" pitchFamily="34" charset="0"/>
+                <a:cs typeface="Arial" panose="020B0604020202020204" pitchFamily="34" charset="0"/>
+              </a:rPr>
+              <a:t>Our color turns red</a:t>
+            </a:r>
+          </a:p>
+        </p:txBody>
+      </p:sp>
+    </p:spTree>
+    <p:extLst>
+      <p:ext uri="{BB962C8B-B14F-4D97-AF65-F5344CB8AC3E}">
+        <p14:creationId xmlns:p14="http://schemas.microsoft.com/office/powerpoint/2010/main" val="3685542050"/>
+      </p:ext>
+    </p:extLst>
+  </p:cSld>
+  <p:clrMapOvr>
+    <a:masterClrMapping/>
+  </p:clrMapOvr>
+</p:sld>
+</file>
+
+<file path=ppt/slides/slide15.xml><?xml version="1.0" encoding="utf-8"?>
+<p:sld xmlns:a="http://schemas.openxmlformats.org/drawingml/2006/main" xmlns:r="http://schemas.openxmlformats.org/officeDocument/2006/relationships" xmlns:p="http://schemas.openxmlformats.org/presentationml/2006/main">
+  <p:cSld>
+    <p:spTree>
+      <p:nvGrpSpPr>
+        <p:cNvPr id="1" name=""/>
+        <p:cNvGrpSpPr/>
+        <p:nvPr/>
+      </p:nvGrpSpPr>
+      <p:grpSpPr>
+        <a:xfrm>
+          <a:off x="0" y="0"/>
+          <a:ext cx="0" cy="0"/>
+          <a:chOff x="0" y="0"/>
+          <a:chExt cx="0" cy="0"/>
+        </a:xfrm>
+      </p:grpSpPr>
+      <p:pic>
+        <p:nvPicPr>
+          <p:cNvPr id="2" name="Picture 1"/>
+          <p:cNvPicPr>
+            <a:picLocks noChangeAspect="1"/>
+          </p:cNvPicPr>
+          <p:nvPr/>
+        </p:nvPicPr>
+        <p:blipFill>
+          <a:blip r:embed="rId2"/>
+          <a:stretch>
+            <a:fillRect/>
+          </a:stretch>
+        </p:blipFill>
+        <p:spPr>
+          <a:xfrm>
+            <a:off x="1861001" y="1677760"/>
+            <a:ext cx="7609128" cy="2965491"/>
+          </a:xfrm>
+          <a:prstGeom prst="rect">
+            <a:avLst/>
+          </a:prstGeom>
+        </p:spPr>
+      </p:pic>
+      <p:sp>
+        <p:nvSpPr>
+          <p:cNvPr id="3" name="TextBox 2"/>
+          <p:cNvSpPr txBox="1"/>
+          <p:nvPr/>
+        </p:nvSpPr>
+        <p:spPr>
+          <a:xfrm>
+            <a:off x="1698171" y="237506"/>
+            <a:ext cx="3711272" cy="369332"/>
+          </a:xfrm>
+          <a:prstGeom prst="rect">
+            <a:avLst/>
+          </a:prstGeom>
+          <a:noFill/>
+        </p:spPr>
+        <p:txBody>
+          <a:bodyPr wrap="none" rtlCol="0">
+            <a:spAutoFit/>
+          </a:bodyPr>
+          <a:lstStyle/>
+          <a:p>
+            <a:r>
+              <a:rPr lang="en-US" dirty="0">
+                <a:latin typeface="Arial" panose="020B0604020202020204" pitchFamily="34" charset="0"/>
+                <a:cs typeface="Arial" panose="020B0604020202020204" pitchFamily="34" charset="0"/>
+              </a:rPr>
+              <a:t>Scrambling the columns is trivial…</a:t>
+            </a:r>
+          </a:p>
+        </p:txBody>
+      </p:sp>
+    </p:spTree>
+    <p:extLst>
+      <p:ext uri="{BB962C8B-B14F-4D97-AF65-F5344CB8AC3E}">
+        <p14:creationId xmlns:p14="http://schemas.microsoft.com/office/powerpoint/2010/main" val="3001491808"/>
+      </p:ext>
+    </p:extLst>
+  </p:cSld>
+  <p:clrMapOvr>
+    <a:masterClrMapping/>
+  </p:clrMapOvr>
+</p:sld>
+</file>
+
+<file path=ppt/slides/slide16.xml><?xml version="1.0" encoding="utf-8"?>
+<p:sld xmlns:a="http://schemas.openxmlformats.org/drawingml/2006/main" xmlns:r="http://schemas.openxmlformats.org/officeDocument/2006/relationships" xmlns:p="http://schemas.openxmlformats.org/presentationml/2006/main">
+  <p:cSld>
+    <p:spTree>
+      <p:nvGrpSpPr>
+        <p:cNvPr id="1" name=""/>
+        <p:cNvGrpSpPr/>
+        <p:nvPr/>
+      </p:nvGrpSpPr>
+      <p:grpSpPr>
+        <a:xfrm>
+          <a:off x="0" y="0"/>
+          <a:ext cx="0" cy="0"/>
+          <a:chOff x="0" y="0"/>
+          <a:chExt cx="0" cy="0"/>
+        </a:xfrm>
+      </p:grpSpPr>
+      <p:pic>
+        <p:nvPicPr>
+          <p:cNvPr id="2" name="Picture 1"/>
+          <p:cNvPicPr>
+            <a:picLocks noChangeAspect="1"/>
+          </p:cNvPicPr>
+          <p:nvPr/>
+        </p:nvPicPr>
+        <p:blipFill>
+          <a:blip r:embed="rId2"/>
+          <a:stretch>
+            <a:fillRect/>
+          </a:stretch>
+        </p:blipFill>
+        <p:spPr>
+          <a:xfrm>
+            <a:off x="1820882" y="348280"/>
+            <a:ext cx="7480620" cy="5815013"/>
+          </a:xfrm>
+          <a:prstGeom prst="rect">
+            <a:avLst/>
+          </a:prstGeom>
+        </p:spPr>
+      </p:pic>
+    </p:spTree>
+    <p:extLst>
+      <p:ext uri="{BB962C8B-B14F-4D97-AF65-F5344CB8AC3E}">
+        <p14:creationId xmlns:p14="http://schemas.microsoft.com/office/powerpoint/2010/main" val="4046732664"/>
+      </p:ext>
+    </p:extLst>
+  </p:cSld>
+  <p:clrMapOvr>
+    <a:masterClrMapping/>
+  </p:clrMapOvr>
+</p:sld>
+</file>
+
 <file path=ppt/slides/slide2.xml><?xml version="1.0" encoding="utf-8"?>
 <p:sld xmlns:a="http://schemas.openxmlformats.org/drawingml/2006/main" xmlns:r="http://schemas.openxmlformats.org/officeDocument/2006/relationships" xmlns:p="http://schemas.openxmlformats.org/presentationml/2006/main">
   <p:cSld>

--- a/classes/prog2016/Prog3-Lecture22.pptx
+++ b/classes/prog2016/Prog3-Lecture22.pptx
@@ -21,6 +21,10 @@
     <p:sldId id="270" r:id="rId15"/>
     <p:sldId id="271" r:id="rId16"/>
     <p:sldId id="272" r:id="rId17"/>
+    <p:sldId id="273" r:id="rId18"/>
+    <p:sldId id="274" r:id="rId19"/>
+    <p:sldId id="275" r:id="rId20"/>
+    <p:sldId id="276" r:id="rId21"/>
   </p:sldIdLst>
   <p:sldSz cx="12192000" cy="6858000"/>
   <p:notesSz cx="6858000" cy="9144000"/>
@@ -3288,6 +3292,38 @@
           </a:prstGeom>
         </p:spPr>
       </p:pic>
+      <p:sp>
+        <p:nvSpPr>
+          <p:cNvPr id="5" name="Rectangle 4"/>
+          <p:cNvSpPr/>
+          <p:nvPr/>
+        </p:nvSpPr>
+        <p:spPr>
+          <a:xfrm>
+            <a:off x="5320859" y="6575959"/>
+            <a:ext cx="8880048" cy="292388"/>
+          </a:xfrm>
+          <a:prstGeom prst="rect">
+            <a:avLst/>
+          </a:prstGeom>
+        </p:spPr>
+        <p:txBody>
+          <a:bodyPr wrap="square">
+            <a:spAutoFit/>
+          </a:bodyPr>
+          <a:lstStyle/>
+          <a:p>
+            <a:r>
+              <a:rPr lang="en-US" sz="1300" dirty="0">
+                <a:solidFill>
+                  <a:srgbClr val="FF0000"/>
+                </a:solidFill>
+              </a:rPr>
+              <a:t>https://github.com/afodor/WekaExamples/blob/master/src/examples/TestClassify.java</a:t>
+            </a:r>
+          </a:p>
+        </p:txBody>
+      </p:sp>
     </p:spTree>
     <p:extLst>
       <p:ext uri="{BB962C8B-B14F-4D97-AF65-F5344CB8AC3E}">
@@ -3551,7 +3587,7 @@
         </p:blipFill>
         <p:spPr>
           <a:xfrm>
-            <a:off x="1341602" y="4007049"/>
+            <a:off x="1127846" y="3683883"/>
             <a:ext cx="3286125" cy="2257425"/>
           </a:xfrm>
           <a:prstGeom prst="rect">
@@ -3559,6 +3595,34 @@
           </a:prstGeom>
         </p:spPr>
       </p:pic>
+      <p:sp>
+        <p:nvSpPr>
+          <p:cNvPr id="7" name="Rectangle 6"/>
+          <p:cNvSpPr/>
+          <p:nvPr/>
+        </p:nvSpPr>
+        <p:spPr>
+          <a:xfrm>
+            <a:off x="5601191" y="6489902"/>
+            <a:ext cx="6096000" cy="276999"/>
+          </a:xfrm>
+          <a:prstGeom prst="rect">
+            <a:avLst/>
+          </a:prstGeom>
+        </p:spPr>
+        <p:txBody>
+          <a:bodyPr>
+            <a:spAutoFit/>
+          </a:bodyPr>
+          <a:lstStyle/>
+          <a:p>
+            <a:r>
+              <a:rPr lang="en-US" sz="1200" dirty="0"/>
+              <a:t>https://github.com/afodor/WekaExamples/blob/master/src/examples/RunOneROCCurve.java</a:t>
+            </a:r>
+          </a:p>
+        </p:txBody>
+      </p:sp>
     </p:spTree>
     <p:extLst>
       <p:ext uri="{BB962C8B-B14F-4D97-AF65-F5344CB8AC3E}">
@@ -3605,7 +3669,7 @@
         </p:blipFill>
         <p:spPr>
           <a:xfrm>
-            <a:off x="1844632" y="348280"/>
+            <a:off x="110834" y="348280"/>
             <a:ext cx="7480620" cy="5815013"/>
           </a:xfrm>
           <a:prstGeom prst="rect">
@@ -3621,7 +3685,7 @@
         </p:nvCxnSpPr>
         <p:spPr>
           <a:xfrm flipH="1" flipV="1">
-            <a:off x="5593277" y="2719448"/>
+            <a:off x="3859479" y="2719448"/>
             <a:ext cx="1104405" cy="11875"/>
           </a:xfrm>
           <a:prstGeom prst="straightConnector1">
@@ -3654,7 +3718,7 @@
         </p:nvCxnSpPr>
         <p:spPr>
           <a:xfrm flipH="1">
-            <a:off x="6958939" y="5189515"/>
+            <a:off x="5225141" y="5189515"/>
             <a:ext cx="795647" cy="0"/>
           </a:xfrm>
           <a:prstGeom prst="straightConnector1">
@@ -3687,7 +3751,7 @@
         </p:nvSpPr>
         <p:spPr>
           <a:xfrm>
-            <a:off x="6293923" y="2386938"/>
+            <a:off x="4560125" y="2386938"/>
             <a:ext cx="2710999" cy="369332"/>
           </a:xfrm>
           <a:prstGeom prst="rect">
@@ -3719,7 +3783,7 @@
         </p:nvSpPr>
         <p:spPr>
           <a:xfrm>
-            <a:off x="7101443" y="4833255"/>
+            <a:off x="5367645" y="4833255"/>
             <a:ext cx="2108269" cy="369332"/>
           </a:xfrm>
           <a:prstGeom prst="rect">
@@ -3739,6 +3803,62 @@
                 <a:cs typeface="Arial" panose="020B0604020202020204" pitchFamily="34" charset="0"/>
               </a:rPr>
               <a:t>Our color turns red</a:t>
+            </a:r>
+          </a:p>
+        </p:txBody>
+      </p:sp>
+      <p:pic>
+        <p:nvPicPr>
+          <p:cNvPr id="9" name="Picture 8"/>
+          <p:cNvPicPr>
+            <a:picLocks noChangeAspect="1"/>
+          </p:cNvPicPr>
+          <p:nvPr/>
+        </p:nvPicPr>
+        <p:blipFill>
+          <a:blip r:embed="rId3"/>
+          <a:stretch>
+            <a:fillRect/>
+          </a:stretch>
+        </p:blipFill>
+        <p:spPr>
+          <a:xfrm>
+            <a:off x="7971770" y="998361"/>
+            <a:ext cx="3286125" cy="2257425"/>
+          </a:xfrm>
+          <a:prstGeom prst="rect">
+            <a:avLst/>
+          </a:prstGeom>
+        </p:spPr>
+      </p:pic>
+      <p:sp>
+        <p:nvSpPr>
+          <p:cNvPr id="10" name="Rectangle 9"/>
+          <p:cNvSpPr/>
+          <p:nvPr/>
+        </p:nvSpPr>
+        <p:spPr>
+          <a:xfrm>
+            <a:off x="5320859" y="6575959"/>
+            <a:ext cx="8880048" cy="292388"/>
+          </a:xfrm>
+          <a:prstGeom prst="rect">
+            <a:avLst/>
+          </a:prstGeom>
+        </p:spPr>
+        <p:txBody>
+          <a:bodyPr wrap="square">
+            <a:spAutoFit/>
+          </a:bodyPr>
+          <a:lstStyle/>
+          <a:p>
+            <a:r>
+              <a:rPr lang="en-US" sz="1300" dirty="0">
+                <a:solidFill>
+                  <a:srgbClr val="FF0000"/>
+                </a:solidFill>
+              </a:rPr>
+              <a:t>https://github.com/afodor/WekaExamples/blob/master/src/examples/TestClassify.java</a:t>
             </a:r>
           </a:p>
         </p:txBody>
@@ -3829,6 +3949,38 @@
           </a:p>
         </p:txBody>
       </p:sp>
+      <p:sp>
+        <p:nvSpPr>
+          <p:cNvPr id="4" name="Rectangle 3"/>
+          <p:cNvSpPr/>
+          <p:nvPr/>
+        </p:nvSpPr>
+        <p:spPr>
+          <a:xfrm>
+            <a:off x="5320859" y="6575959"/>
+            <a:ext cx="8880048" cy="292388"/>
+          </a:xfrm>
+          <a:prstGeom prst="rect">
+            <a:avLst/>
+          </a:prstGeom>
+        </p:spPr>
+        <p:txBody>
+          <a:bodyPr wrap="square">
+            <a:spAutoFit/>
+          </a:bodyPr>
+          <a:lstStyle/>
+          <a:p>
+            <a:r>
+              <a:rPr lang="en-US" sz="1300" dirty="0">
+                <a:solidFill>
+                  <a:srgbClr val="FF0000"/>
+                </a:solidFill>
+              </a:rPr>
+              <a:t>https://github.com/afodor/WekaExamples/blob/master/src/examples/TestClassify.java</a:t>
+            </a:r>
+          </a:p>
+        </p:txBody>
+      </p:sp>
     </p:spTree>
     <p:extLst>
       <p:ext uri="{BB962C8B-B14F-4D97-AF65-F5344CB8AC3E}">
@@ -3875,7 +4027,7 @@
         </p:blipFill>
         <p:spPr>
           <a:xfrm>
-            <a:off x="1820882" y="348280"/>
+            <a:off x="573975" y="467033"/>
             <a:ext cx="7480620" cy="5815013"/>
           </a:xfrm>
           <a:prstGeom prst="rect">
@@ -3883,10 +4035,716 @@
           </a:prstGeom>
         </p:spPr>
       </p:pic>
+      <p:cxnSp>
+        <p:nvCxnSpPr>
+          <p:cNvPr id="4" name="Straight Arrow Connector 3"/>
+          <p:cNvCxnSpPr/>
+          <p:nvPr/>
+        </p:nvCxnSpPr>
+        <p:spPr>
+          <a:xfrm flipH="1">
+            <a:off x="4096987" y="1983179"/>
+            <a:ext cx="1140031" cy="23751"/>
+          </a:xfrm>
+          <a:prstGeom prst="straightConnector1">
+            <a:avLst/>
+          </a:prstGeom>
+          <a:ln>
+            <a:tailEnd type="triangle"/>
+          </a:ln>
+        </p:spPr>
+        <p:style>
+          <a:lnRef idx="1">
+            <a:schemeClr val="accent1"/>
+          </a:lnRef>
+          <a:fillRef idx="0">
+            <a:schemeClr val="accent1"/>
+          </a:fillRef>
+          <a:effectRef idx="0">
+            <a:schemeClr val="accent1"/>
+          </a:effectRef>
+          <a:fontRef idx="minor">
+            <a:schemeClr val="tx1"/>
+          </a:fontRef>
+        </p:style>
+      </p:cxnSp>
+      <p:sp>
+        <p:nvSpPr>
+          <p:cNvPr id="5" name="TextBox 4"/>
+          <p:cNvSpPr txBox="1"/>
+          <p:nvPr/>
+        </p:nvSpPr>
+        <p:spPr>
+          <a:xfrm>
+            <a:off x="5379524" y="1793174"/>
+            <a:ext cx="5143396" cy="369332"/>
+          </a:xfrm>
+          <a:prstGeom prst="rect">
+            <a:avLst/>
+          </a:prstGeom>
+          <a:noFill/>
+        </p:spPr>
+        <p:txBody>
+          <a:bodyPr wrap="none" rtlCol="0">
+            <a:spAutoFit/>
+          </a:bodyPr>
+          <a:lstStyle/>
+          <a:p>
+            <a:r>
+              <a:rPr lang="en-US" dirty="0">
+                <a:latin typeface="Arial" panose="020B0604020202020204" pitchFamily="34" charset="0"/>
+                <a:cs typeface="Arial" panose="020B0604020202020204" pitchFamily="34" charset="0"/>
+              </a:rPr>
+              <a:t>We can easily do this for multiple permutations…</a:t>
+            </a:r>
+          </a:p>
+        </p:txBody>
+      </p:sp>
+      <p:sp>
+        <p:nvSpPr>
+          <p:cNvPr id="6" name="Rectangle 5"/>
+          <p:cNvSpPr/>
+          <p:nvPr/>
+        </p:nvSpPr>
+        <p:spPr>
+          <a:xfrm>
+            <a:off x="5320859" y="6575959"/>
+            <a:ext cx="8880048" cy="292388"/>
+          </a:xfrm>
+          <a:prstGeom prst="rect">
+            <a:avLst/>
+          </a:prstGeom>
+        </p:spPr>
+        <p:txBody>
+          <a:bodyPr wrap="square">
+            <a:spAutoFit/>
+          </a:bodyPr>
+          <a:lstStyle/>
+          <a:p>
+            <a:r>
+              <a:rPr lang="en-US" sz="1300" dirty="0">
+                <a:solidFill>
+                  <a:srgbClr val="FF0000"/>
+                </a:solidFill>
+              </a:rPr>
+              <a:t>https://github.com/afodor/WekaExamples/blob/master/src/examples/TestClassify.java</a:t>
+            </a:r>
+          </a:p>
+        </p:txBody>
+      </p:sp>
     </p:spTree>
     <p:extLst>
       <p:ext uri="{BB962C8B-B14F-4D97-AF65-F5344CB8AC3E}">
         <p14:creationId xmlns:p14="http://schemas.microsoft.com/office/powerpoint/2010/main" val="4046732664"/>
+      </p:ext>
+    </p:extLst>
+  </p:cSld>
+  <p:clrMapOvr>
+    <a:masterClrMapping/>
+  </p:clrMapOvr>
+</p:sld>
+</file>
+
+<file path=ppt/slides/slide17.xml><?xml version="1.0" encoding="utf-8"?>
+<p:sld xmlns:a="http://schemas.openxmlformats.org/drawingml/2006/main" xmlns:r="http://schemas.openxmlformats.org/officeDocument/2006/relationships" xmlns:p="http://schemas.openxmlformats.org/presentationml/2006/main">
+  <p:cSld>
+    <p:spTree>
+      <p:nvGrpSpPr>
+        <p:cNvPr id="1" name=""/>
+        <p:cNvGrpSpPr/>
+        <p:nvPr/>
+      </p:nvGrpSpPr>
+      <p:grpSpPr>
+        <a:xfrm>
+          <a:off x="0" y="0"/>
+          <a:ext cx="0" cy="0"/>
+          <a:chOff x="0" y="0"/>
+          <a:chExt cx="0" cy="0"/>
+        </a:xfrm>
+      </p:grpSpPr>
+      <p:pic>
+        <p:nvPicPr>
+          <p:cNvPr id="2" name="Picture 1"/>
+          <p:cNvPicPr>
+            <a:picLocks noChangeAspect="1"/>
+          </p:cNvPicPr>
+          <p:nvPr/>
+        </p:nvPicPr>
+        <p:blipFill>
+          <a:blip r:embed="rId2"/>
+          <a:stretch>
+            <a:fillRect/>
+          </a:stretch>
+        </p:blipFill>
+        <p:spPr>
+          <a:xfrm>
+            <a:off x="8091548" y="3796520"/>
+            <a:ext cx="3276600" cy="2305050"/>
+          </a:xfrm>
+          <a:prstGeom prst="rect">
+            <a:avLst/>
+          </a:prstGeom>
+        </p:spPr>
+      </p:pic>
+      <p:pic>
+        <p:nvPicPr>
+          <p:cNvPr id="3" name="Picture 2"/>
+          <p:cNvPicPr>
+            <a:picLocks noChangeAspect="1"/>
+          </p:cNvPicPr>
+          <p:nvPr/>
+        </p:nvPicPr>
+        <p:blipFill>
+          <a:blip r:embed="rId3"/>
+          <a:stretch>
+            <a:fillRect/>
+          </a:stretch>
+        </p:blipFill>
+        <p:spPr>
+          <a:xfrm>
+            <a:off x="8624948" y="6259723"/>
+            <a:ext cx="2209800" cy="276225"/>
+          </a:xfrm>
+          <a:prstGeom prst="rect">
+            <a:avLst/>
+          </a:prstGeom>
+        </p:spPr>
+      </p:pic>
+      <p:pic>
+        <p:nvPicPr>
+          <p:cNvPr id="4" name="Picture 3"/>
+          <p:cNvPicPr>
+            <a:picLocks noChangeAspect="1"/>
+          </p:cNvPicPr>
+          <p:nvPr/>
+        </p:nvPicPr>
+        <p:blipFill>
+          <a:blip r:embed="rId4"/>
+          <a:stretch>
+            <a:fillRect/>
+          </a:stretch>
+        </p:blipFill>
+        <p:spPr>
+          <a:xfrm>
+            <a:off x="209054" y="615416"/>
+            <a:ext cx="8820150" cy="3095625"/>
+          </a:xfrm>
+          <a:prstGeom prst="rect">
+            <a:avLst/>
+          </a:prstGeom>
+        </p:spPr>
+      </p:pic>
+      <p:sp>
+        <p:nvSpPr>
+          <p:cNvPr id="5" name="Rectangle 4"/>
+          <p:cNvSpPr/>
+          <p:nvPr/>
+        </p:nvSpPr>
+        <p:spPr>
+          <a:xfrm>
+            <a:off x="5601191" y="6489902"/>
+            <a:ext cx="6096000" cy="276999"/>
+          </a:xfrm>
+          <a:prstGeom prst="rect">
+            <a:avLst/>
+          </a:prstGeom>
+        </p:spPr>
+        <p:txBody>
+          <a:bodyPr>
+            <a:spAutoFit/>
+          </a:bodyPr>
+          <a:lstStyle/>
+          <a:p>
+            <a:r>
+              <a:rPr lang="en-US" sz="1200" dirty="0"/>
+              <a:t>https://github.com/afodor/WekaExamples/blob/master/src/examples/RunOneROCCurve.java</a:t>
+            </a:r>
+          </a:p>
+        </p:txBody>
+      </p:sp>
+    </p:spTree>
+    <p:extLst>
+      <p:ext uri="{BB962C8B-B14F-4D97-AF65-F5344CB8AC3E}">
+        <p14:creationId xmlns:p14="http://schemas.microsoft.com/office/powerpoint/2010/main" val="2532425023"/>
+      </p:ext>
+    </p:extLst>
+  </p:cSld>
+  <p:clrMapOvr>
+    <a:masterClrMapping/>
+  </p:clrMapOvr>
+</p:sld>
+</file>
+
+<file path=ppt/slides/slide18.xml><?xml version="1.0" encoding="utf-8"?>
+<p:sld xmlns:a="http://schemas.openxmlformats.org/drawingml/2006/main" xmlns:r="http://schemas.openxmlformats.org/officeDocument/2006/relationships" xmlns:p="http://schemas.openxmlformats.org/presentationml/2006/main">
+  <p:cSld>
+    <p:spTree>
+      <p:nvGrpSpPr>
+        <p:cNvPr id="1" name=""/>
+        <p:cNvGrpSpPr/>
+        <p:nvPr/>
+      </p:nvGrpSpPr>
+      <p:grpSpPr>
+        <a:xfrm>
+          <a:off x="0" y="0"/>
+          <a:ext cx="0" cy="0"/>
+          <a:chOff x="0" y="0"/>
+          <a:chExt cx="0" cy="0"/>
+        </a:xfrm>
+      </p:grpSpPr>
+      <p:sp>
+        <p:nvSpPr>
+          <p:cNvPr id="2" name="TextBox 1"/>
+          <p:cNvSpPr txBox="1"/>
+          <p:nvPr/>
+        </p:nvSpPr>
+        <p:spPr>
+          <a:xfrm>
+            <a:off x="676894" y="213756"/>
+            <a:ext cx="5429692" cy="369332"/>
+          </a:xfrm>
+          <a:prstGeom prst="rect">
+            <a:avLst/>
+          </a:prstGeom>
+          <a:noFill/>
+        </p:spPr>
+        <p:txBody>
+          <a:bodyPr wrap="none" rtlCol="0">
+            <a:spAutoFit/>
+          </a:bodyPr>
+          <a:lstStyle/>
+          <a:p>
+            <a:r>
+              <a:rPr lang="en-US" dirty="0">
+                <a:latin typeface="Arial" panose="020B0604020202020204" pitchFamily="34" charset="0"/>
+                <a:cs typeface="Arial" panose="020B0604020202020204" pitchFamily="34" charset="0"/>
+              </a:rPr>
+              <a:t>Multi-threaded application seems straight-forward…</a:t>
+            </a:r>
+          </a:p>
+        </p:txBody>
+      </p:sp>
+      <p:pic>
+        <p:nvPicPr>
+          <p:cNvPr id="3" name="Picture 2"/>
+          <p:cNvPicPr>
+            <a:picLocks noChangeAspect="1"/>
+          </p:cNvPicPr>
+          <p:nvPr/>
+        </p:nvPicPr>
+        <p:blipFill>
+          <a:blip r:embed="rId2"/>
+          <a:stretch>
+            <a:fillRect/>
+          </a:stretch>
+        </p:blipFill>
+        <p:spPr>
+          <a:xfrm>
+            <a:off x="7818540" y="398422"/>
+            <a:ext cx="3181350" cy="2219325"/>
+          </a:xfrm>
+          <a:prstGeom prst="rect">
+            <a:avLst/>
+          </a:prstGeom>
+        </p:spPr>
+      </p:pic>
+      <p:pic>
+        <p:nvPicPr>
+          <p:cNvPr id="4" name="Picture 3"/>
+          <p:cNvPicPr>
+            <a:picLocks noChangeAspect="1"/>
+          </p:cNvPicPr>
+          <p:nvPr/>
+        </p:nvPicPr>
+        <p:blipFill>
+          <a:blip r:embed="rId3"/>
+          <a:stretch>
+            <a:fillRect/>
+          </a:stretch>
+        </p:blipFill>
+        <p:spPr>
+          <a:xfrm>
+            <a:off x="8185252" y="2703048"/>
+            <a:ext cx="2447925" cy="323850"/>
+          </a:xfrm>
+          <a:prstGeom prst="rect">
+            <a:avLst/>
+          </a:prstGeom>
+        </p:spPr>
+      </p:pic>
+      <p:pic>
+        <p:nvPicPr>
+          <p:cNvPr id="5" name="Picture 4"/>
+          <p:cNvPicPr>
+            <a:picLocks noChangeAspect="1"/>
+          </p:cNvPicPr>
+          <p:nvPr/>
+        </p:nvPicPr>
+        <p:blipFill>
+          <a:blip r:embed="rId4"/>
+          <a:stretch>
+            <a:fillRect/>
+          </a:stretch>
+        </p:blipFill>
+        <p:spPr>
+          <a:xfrm>
+            <a:off x="274739" y="3112199"/>
+            <a:ext cx="9134475" cy="3562350"/>
+          </a:xfrm>
+          <a:prstGeom prst="rect">
+            <a:avLst/>
+          </a:prstGeom>
+        </p:spPr>
+      </p:pic>
+      <p:sp>
+        <p:nvSpPr>
+          <p:cNvPr id="6" name="Rectangle 5"/>
+          <p:cNvSpPr/>
+          <p:nvPr/>
+        </p:nvSpPr>
+        <p:spPr>
+          <a:xfrm>
+            <a:off x="5601191" y="6489902"/>
+            <a:ext cx="6096000" cy="276999"/>
+          </a:xfrm>
+          <a:prstGeom prst="rect">
+            <a:avLst/>
+          </a:prstGeom>
+        </p:spPr>
+        <p:txBody>
+          <a:bodyPr>
+            <a:spAutoFit/>
+          </a:bodyPr>
+          <a:lstStyle/>
+          <a:p>
+            <a:r>
+              <a:rPr lang="en-US" sz="1200" dirty="0"/>
+              <a:t>https://github.com/afodor/WekaExamples/blob/master/src/examples/RunOneROCCurve.java</a:t>
+            </a:r>
+          </a:p>
+        </p:txBody>
+      </p:sp>
+      <p:sp>
+        <p:nvSpPr>
+          <p:cNvPr id="7" name="TextBox 6"/>
+          <p:cNvSpPr txBox="1"/>
+          <p:nvPr/>
+        </p:nvSpPr>
+        <p:spPr>
+          <a:xfrm>
+            <a:off x="1056904" y="819397"/>
+            <a:ext cx="4851777" cy="369332"/>
+          </a:xfrm>
+          <a:prstGeom prst="rect">
+            <a:avLst/>
+          </a:prstGeom>
+          <a:noFill/>
+        </p:spPr>
+        <p:txBody>
+          <a:bodyPr wrap="none" rtlCol="0">
+            <a:spAutoFit/>
+          </a:bodyPr>
+          <a:lstStyle/>
+          <a:p>
+            <a:r>
+              <a:rPr lang="en-US" dirty="0"/>
+              <a:t>A very robust 7.87 fold speedup on an 8 core box!</a:t>
+            </a:r>
+          </a:p>
+        </p:txBody>
+      </p:sp>
+    </p:spTree>
+    <p:extLst>
+      <p:ext uri="{BB962C8B-B14F-4D97-AF65-F5344CB8AC3E}">
+        <p14:creationId xmlns:p14="http://schemas.microsoft.com/office/powerpoint/2010/main" val="1309905470"/>
+      </p:ext>
+    </p:extLst>
+  </p:cSld>
+  <p:clrMapOvr>
+    <a:masterClrMapping/>
+  </p:clrMapOvr>
+</p:sld>
+</file>
+
+<file path=ppt/slides/slide19.xml><?xml version="1.0" encoding="utf-8"?>
+<p:sld xmlns:a="http://schemas.openxmlformats.org/drawingml/2006/main" xmlns:r="http://schemas.openxmlformats.org/officeDocument/2006/relationships" xmlns:p="http://schemas.openxmlformats.org/presentationml/2006/main">
+  <p:cSld>
+    <p:spTree>
+      <p:nvGrpSpPr>
+        <p:cNvPr id="1" name=""/>
+        <p:cNvGrpSpPr/>
+        <p:nvPr/>
+      </p:nvGrpSpPr>
+      <p:grpSpPr>
+        <a:xfrm>
+          <a:off x="0" y="0"/>
+          <a:ext cx="0" cy="0"/>
+          <a:chOff x="0" y="0"/>
+          <a:chExt cx="0" cy="0"/>
+        </a:xfrm>
+      </p:grpSpPr>
+      <p:sp>
+        <p:nvSpPr>
+          <p:cNvPr id="2" name="TextBox 1"/>
+          <p:cNvSpPr txBox="1"/>
+          <p:nvPr/>
+        </p:nvSpPr>
+        <p:spPr>
+          <a:xfrm>
+            <a:off x="-35627" y="-59377"/>
+            <a:ext cx="11555856" cy="338554"/>
+          </a:xfrm>
+          <a:prstGeom prst="rect">
+            <a:avLst/>
+          </a:prstGeom>
+          <a:noFill/>
+        </p:spPr>
+        <p:txBody>
+          <a:bodyPr wrap="none" rtlCol="0">
+            <a:spAutoFit/>
+          </a:bodyPr>
+          <a:lstStyle/>
+          <a:p>
+            <a:r>
+              <a:rPr lang="en-US" sz="1600" dirty="0">
+                <a:latin typeface="Arial" panose="020B0604020202020204" pitchFamily="34" charset="0"/>
+                <a:cs typeface="Arial" panose="020B0604020202020204" pitchFamily="34" charset="0"/>
+              </a:rPr>
+              <a:t>How do we make this multi-threaded?  Start (as usual) by making a Worker class. Not much will be shared between workers..</a:t>
+            </a:r>
+          </a:p>
+        </p:txBody>
+      </p:sp>
+      <p:pic>
+        <p:nvPicPr>
+          <p:cNvPr id="3" name="Picture 2"/>
+          <p:cNvPicPr>
+            <a:picLocks noChangeAspect="1"/>
+          </p:cNvPicPr>
+          <p:nvPr/>
+        </p:nvPicPr>
+        <p:blipFill>
+          <a:blip r:embed="rId2"/>
+          <a:stretch>
+            <a:fillRect/>
+          </a:stretch>
+        </p:blipFill>
+        <p:spPr>
+          <a:xfrm>
+            <a:off x="204848" y="279177"/>
+            <a:ext cx="8610600" cy="3448050"/>
+          </a:xfrm>
+          <a:prstGeom prst="rect">
+            <a:avLst/>
+          </a:prstGeom>
+        </p:spPr>
+      </p:pic>
+      <p:pic>
+        <p:nvPicPr>
+          <p:cNvPr id="4" name="Picture 3"/>
+          <p:cNvPicPr>
+            <a:picLocks noChangeAspect="1"/>
+          </p:cNvPicPr>
+          <p:nvPr/>
+        </p:nvPicPr>
+        <p:blipFill>
+          <a:blip r:embed="rId3"/>
+          <a:stretch>
+            <a:fillRect/>
+          </a:stretch>
+        </p:blipFill>
+        <p:spPr>
+          <a:xfrm>
+            <a:off x="5754275" y="2288379"/>
+            <a:ext cx="4897891" cy="4262225"/>
+          </a:xfrm>
+          <a:prstGeom prst="rect">
+            <a:avLst/>
+          </a:prstGeom>
+        </p:spPr>
+      </p:pic>
+      <p:cxnSp>
+        <p:nvCxnSpPr>
+          <p:cNvPr id="6" name="Straight Connector 5"/>
+          <p:cNvCxnSpPr/>
+          <p:nvPr/>
+        </p:nvCxnSpPr>
+        <p:spPr>
+          <a:xfrm>
+            <a:off x="5438899" y="2208810"/>
+            <a:ext cx="0" cy="4476998"/>
+          </a:xfrm>
+          <a:prstGeom prst="line">
+            <a:avLst/>
+          </a:prstGeom>
+        </p:spPr>
+        <p:style>
+          <a:lnRef idx="1">
+            <a:schemeClr val="accent1"/>
+          </a:lnRef>
+          <a:fillRef idx="0">
+            <a:schemeClr val="accent1"/>
+          </a:fillRef>
+          <a:effectRef idx="0">
+            <a:schemeClr val="accent1"/>
+          </a:effectRef>
+          <a:fontRef idx="minor">
+            <a:schemeClr val="tx1"/>
+          </a:fontRef>
+        </p:style>
+      </p:cxnSp>
+      <p:cxnSp>
+        <p:nvCxnSpPr>
+          <p:cNvPr id="8" name="Straight Connector 7"/>
+          <p:cNvCxnSpPr/>
+          <p:nvPr/>
+        </p:nvCxnSpPr>
+        <p:spPr>
+          <a:xfrm>
+            <a:off x="5474525" y="2196935"/>
+            <a:ext cx="6187044" cy="0"/>
+          </a:xfrm>
+          <a:prstGeom prst="line">
+            <a:avLst/>
+          </a:prstGeom>
+        </p:spPr>
+        <p:style>
+          <a:lnRef idx="1">
+            <a:schemeClr val="accent1"/>
+          </a:lnRef>
+          <a:fillRef idx="0">
+            <a:schemeClr val="accent1"/>
+          </a:fillRef>
+          <a:effectRef idx="0">
+            <a:schemeClr val="accent1"/>
+          </a:effectRef>
+          <a:fontRef idx="minor">
+            <a:schemeClr val="tx1"/>
+          </a:fontRef>
+        </p:style>
+      </p:cxnSp>
+      <p:cxnSp>
+        <p:nvCxnSpPr>
+          <p:cNvPr id="12" name="Straight Arrow Connector 11"/>
+          <p:cNvCxnSpPr/>
+          <p:nvPr/>
+        </p:nvCxnSpPr>
+        <p:spPr>
+          <a:xfrm>
+            <a:off x="4510148" y="4892634"/>
+            <a:ext cx="2092533" cy="59376"/>
+          </a:xfrm>
+          <a:prstGeom prst="straightConnector1">
+            <a:avLst/>
+          </a:prstGeom>
+          <a:ln>
+            <a:tailEnd type="triangle"/>
+          </a:ln>
+        </p:spPr>
+        <p:style>
+          <a:lnRef idx="1">
+            <a:schemeClr val="accent1"/>
+          </a:lnRef>
+          <a:fillRef idx="0">
+            <a:schemeClr val="accent1"/>
+          </a:fillRef>
+          <a:effectRef idx="0">
+            <a:schemeClr val="accent1"/>
+          </a:effectRef>
+          <a:fontRef idx="minor">
+            <a:schemeClr val="tx1"/>
+          </a:fontRef>
+        </p:style>
+      </p:cxnSp>
+      <p:sp>
+        <p:nvSpPr>
+          <p:cNvPr id="13" name="TextBox 12"/>
+          <p:cNvSpPr txBox="1"/>
+          <p:nvPr/>
+        </p:nvSpPr>
+        <p:spPr>
+          <a:xfrm>
+            <a:off x="1769423" y="4447309"/>
+            <a:ext cx="3350917" cy="1477328"/>
+          </a:xfrm>
+          <a:prstGeom prst="rect">
+            <a:avLst/>
+          </a:prstGeom>
+          <a:noFill/>
+        </p:spPr>
+        <p:txBody>
+          <a:bodyPr wrap="none" rtlCol="0">
+            <a:spAutoFit/>
+          </a:bodyPr>
+          <a:lstStyle/>
+          <a:p>
+            <a:r>
+              <a:rPr lang="en-US" dirty="0"/>
+              <a:t>Remember that everything here </a:t>
+            </a:r>
+          </a:p>
+          <a:p>
+            <a:r>
+              <a:rPr lang="en-US" dirty="0"/>
+              <a:t>is stack-confined up until the </a:t>
+            </a:r>
+          </a:p>
+          <a:p>
+            <a:r>
+              <a:rPr lang="en-US" dirty="0"/>
+              <a:t>drawing, which is confined to the </a:t>
+            </a:r>
+          </a:p>
+          <a:p>
+            <a:r>
+              <a:rPr lang="en-US" dirty="0"/>
+              <a:t>AWT thread and hence is single-</a:t>
+            </a:r>
+          </a:p>
+          <a:p>
+            <a:r>
+              <a:rPr lang="en-US" dirty="0"/>
+              <a:t>threaded!</a:t>
+            </a:r>
+          </a:p>
+        </p:txBody>
+      </p:sp>
+      <p:sp>
+        <p:nvSpPr>
+          <p:cNvPr id="14" name="Rectangle 13"/>
+          <p:cNvSpPr/>
+          <p:nvPr/>
+        </p:nvSpPr>
+        <p:spPr>
+          <a:xfrm>
+            <a:off x="5320859" y="6575959"/>
+            <a:ext cx="8880048" cy="292388"/>
+          </a:xfrm>
+          <a:prstGeom prst="rect">
+            <a:avLst/>
+          </a:prstGeom>
+        </p:spPr>
+        <p:txBody>
+          <a:bodyPr wrap="square">
+            <a:spAutoFit/>
+          </a:bodyPr>
+          <a:lstStyle/>
+          <a:p>
+            <a:r>
+              <a:rPr lang="en-US" sz="1300" dirty="0">
+                <a:solidFill>
+                  <a:srgbClr val="FF0000"/>
+                </a:solidFill>
+              </a:rPr>
+              <a:t>https://github.com/afodor/WekaExamples/blob/master/src/examples/TestClassify.java</a:t>
+            </a:r>
+          </a:p>
+        </p:txBody>
+      </p:sp>
+    </p:spTree>
+    <p:extLst>
+      <p:ext uri="{BB962C8B-B14F-4D97-AF65-F5344CB8AC3E}">
+        <p14:creationId xmlns:p14="http://schemas.microsoft.com/office/powerpoint/2010/main" val="194292275"/>
       </p:ext>
     </p:extLst>
   </p:cSld>
@@ -4494,6 +5352,124 @@
     <p:extLst>
       <p:ext uri="{BB962C8B-B14F-4D97-AF65-F5344CB8AC3E}">
         <p14:creationId xmlns:p14="http://schemas.microsoft.com/office/powerpoint/2010/main" val="2252819287"/>
+      </p:ext>
+    </p:extLst>
+  </p:cSld>
+  <p:clrMapOvr>
+    <a:masterClrMapping/>
+  </p:clrMapOvr>
+</p:sld>
+</file>
+
+<file path=ppt/slides/slide20.xml><?xml version="1.0" encoding="utf-8"?>
+<p:sld xmlns:a="http://schemas.openxmlformats.org/drawingml/2006/main" xmlns:r="http://schemas.openxmlformats.org/officeDocument/2006/relationships" xmlns:p="http://schemas.openxmlformats.org/presentationml/2006/main">
+  <p:cSld>
+    <p:spTree>
+      <p:nvGrpSpPr>
+        <p:cNvPr id="1" name=""/>
+        <p:cNvGrpSpPr/>
+        <p:nvPr/>
+      </p:nvGrpSpPr>
+      <p:grpSpPr>
+        <a:xfrm>
+          <a:off x="0" y="0"/>
+          <a:ext cx="0" cy="0"/>
+          <a:chOff x="0" y="0"/>
+          <a:chExt cx="0" cy="0"/>
+        </a:xfrm>
+      </p:grpSpPr>
+      <p:pic>
+        <p:nvPicPr>
+          <p:cNvPr id="2" name="Picture 1"/>
+          <p:cNvPicPr>
+            <a:picLocks noChangeAspect="1"/>
+          </p:cNvPicPr>
+          <p:nvPr/>
+        </p:nvPicPr>
+        <p:blipFill>
+          <a:blip r:embed="rId2"/>
+          <a:stretch>
+            <a:fillRect/>
+          </a:stretch>
+        </p:blipFill>
+        <p:spPr>
+          <a:xfrm>
+            <a:off x="1397144" y="1060799"/>
+            <a:ext cx="9156172" cy="4378099"/>
+          </a:xfrm>
+          <a:prstGeom prst="rect">
+            <a:avLst/>
+          </a:prstGeom>
+        </p:spPr>
+      </p:pic>
+      <p:sp>
+        <p:nvSpPr>
+          <p:cNvPr id="4" name="Rectangle 3"/>
+          <p:cNvSpPr/>
+          <p:nvPr/>
+        </p:nvSpPr>
+        <p:spPr>
+          <a:xfrm>
+            <a:off x="5320859" y="6575959"/>
+            <a:ext cx="8880048" cy="292388"/>
+          </a:xfrm>
+          <a:prstGeom prst="rect">
+            <a:avLst/>
+          </a:prstGeom>
+        </p:spPr>
+        <p:txBody>
+          <a:bodyPr wrap="square">
+            <a:spAutoFit/>
+          </a:bodyPr>
+          <a:lstStyle/>
+          <a:p>
+            <a:r>
+              <a:rPr lang="en-US" sz="1300" dirty="0">
+                <a:solidFill>
+                  <a:srgbClr val="FF0000"/>
+                </a:solidFill>
+              </a:rPr>
+              <a:t>https://github.com/afodor/WekaExamples/blob/master/src/examples/TestClassify.java</a:t>
+            </a:r>
+          </a:p>
+        </p:txBody>
+      </p:sp>
+      <p:sp>
+        <p:nvSpPr>
+          <p:cNvPr id="5" name="TextBox 4"/>
+          <p:cNvSpPr txBox="1"/>
+          <p:nvPr/>
+        </p:nvSpPr>
+        <p:spPr>
+          <a:xfrm>
+            <a:off x="629392" y="451263"/>
+            <a:ext cx="10520829" cy="369332"/>
+          </a:xfrm>
+          <a:prstGeom prst="rect">
+            <a:avLst/>
+          </a:prstGeom>
+          <a:noFill/>
+        </p:spPr>
+        <p:txBody>
+          <a:bodyPr wrap="none" rtlCol="0">
+            <a:spAutoFit/>
+          </a:bodyPr>
+          <a:lstStyle/>
+          <a:p>
+            <a:r>
+              <a:rPr lang="en-US" dirty="0">
+                <a:latin typeface="Arial" panose="020B0604020202020204" pitchFamily="34" charset="0"/>
+                <a:cs typeface="Arial" panose="020B0604020202020204" pitchFamily="34" charset="0"/>
+              </a:rPr>
+              <a:t>The semaphore remains a very easy to implement and flexible way to split work up between threads..</a:t>
+            </a:r>
+          </a:p>
+        </p:txBody>
+      </p:sp>
+    </p:spTree>
+    <p:extLst>
+      <p:ext uri="{BB962C8B-B14F-4D97-AF65-F5344CB8AC3E}">
+        <p14:creationId xmlns:p14="http://schemas.microsoft.com/office/powerpoint/2010/main" val="1217630876"/>
       </p:ext>
     </p:extLst>
   </p:cSld>
@@ -6380,6 +7356,38 @@
             <a:r>
               <a:rPr lang="en-US" dirty="0"/>
               <a:t>Make sure AWT thread has full visibility</a:t>
+            </a:r>
+          </a:p>
+        </p:txBody>
+      </p:sp>
+      <p:sp>
+        <p:nvSpPr>
+          <p:cNvPr id="17" name="Rectangle 16"/>
+          <p:cNvSpPr/>
+          <p:nvPr/>
+        </p:nvSpPr>
+        <p:spPr>
+          <a:xfrm>
+            <a:off x="5320859" y="6575959"/>
+            <a:ext cx="8880048" cy="292388"/>
+          </a:xfrm>
+          <a:prstGeom prst="rect">
+            <a:avLst/>
+          </a:prstGeom>
+        </p:spPr>
+        <p:txBody>
+          <a:bodyPr wrap="square">
+            <a:spAutoFit/>
+          </a:bodyPr>
+          <a:lstStyle/>
+          <a:p>
+            <a:r>
+              <a:rPr lang="en-US" sz="1300" dirty="0">
+                <a:solidFill>
+                  <a:srgbClr val="FF0000"/>
+                </a:solidFill>
+              </a:rPr>
+              <a:t>https://github.com/afodor/WekaExamples/blob/master/src/examples/TestClassify.java</a:t>
             </a:r>
           </a:p>
         </p:txBody>

--- a/classes/prog2016/Prog3-Lecture22.pptx
+++ b/classes/prog2016/Prog3-Lecture22.pptx
@@ -17,14 +17,27 @@
     <p:sldId id="263" r:id="rId11"/>
     <p:sldId id="268" r:id="rId12"/>
     <p:sldId id="267" r:id="rId13"/>
-    <p:sldId id="269" r:id="rId14"/>
-    <p:sldId id="270" r:id="rId15"/>
-    <p:sldId id="271" r:id="rId16"/>
-    <p:sldId id="272" r:id="rId17"/>
-    <p:sldId id="273" r:id="rId18"/>
-    <p:sldId id="274" r:id="rId19"/>
-    <p:sldId id="275" r:id="rId20"/>
-    <p:sldId id="276" r:id="rId21"/>
+    <p:sldId id="284" r:id="rId14"/>
+    <p:sldId id="269" r:id="rId15"/>
+    <p:sldId id="270" r:id="rId16"/>
+    <p:sldId id="271" r:id="rId17"/>
+    <p:sldId id="272" r:id="rId18"/>
+    <p:sldId id="273" r:id="rId19"/>
+    <p:sldId id="282" r:id="rId20"/>
+    <p:sldId id="274" r:id="rId21"/>
+    <p:sldId id="275" r:id="rId22"/>
+    <p:sldId id="276" r:id="rId23"/>
+    <p:sldId id="277" r:id="rId24"/>
+    <p:sldId id="278" r:id="rId25"/>
+    <p:sldId id="279" r:id="rId26"/>
+    <p:sldId id="280" r:id="rId27"/>
+    <p:sldId id="283" r:id="rId28"/>
+    <p:sldId id="285" r:id="rId29"/>
+    <p:sldId id="286" r:id="rId30"/>
+    <p:sldId id="287" r:id="rId31"/>
+    <p:sldId id="288" r:id="rId32"/>
+    <p:sldId id="289" r:id="rId33"/>
+    <p:sldId id="290" r:id="rId34"/>
   </p:sldIdLst>
   <p:sldSz cx="12192000" cy="6858000"/>
   <p:notesSz cx="6858000" cy="9144000"/>
@@ -260,7 +273,7 @@
           <a:p>
             <a:fld id="{2A29526C-FCA9-4192-994E-C57D3FD5424C}" type="datetimeFigureOut">
               <a:rPr lang="en-US" smtClean="0"/>
-              <a:t>11/23/2016</a:t>
+              <a:t>11/24/2016</a:t>
             </a:fld>
             <a:endParaRPr lang="en-US"/>
           </a:p>
@@ -428,7 +441,7 @@
           <a:p>
             <a:fld id="{2A29526C-FCA9-4192-994E-C57D3FD5424C}" type="datetimeFigureOut">
               <a:rPr lang="en-US" smtClean="0"/>
-              <a:t>11/23/2016</a:t>
+              <a:t>11/24/2016</a:t>
             </a:fld>
             <a:endParaRPr lang="en-US"/>
           </a:p>
@@ -606,7 +619,7 @@
           <a:p>
             <a:fld id="{2A29526C-FCA9-4192-994E-C57D3FD5424C}" type="datetimeFigureOut">
               <a:rPr lang="en-US" smtClean="0"/>
-              <a:t>11/23/2016</a:t>
+              <a:t>11/24/2016</a:t>
             </a:fld>
             <a:endParaRPr lang="en-US"/>
           </a:p>
@@ -774,7 +787,7 @@
           <a:p>
             <a:fld id="{2A29526C-FCA9-4192-994E-C57D3FD5424C}" type="datetimeFigureOut">
               <a:rPr lang="en-US" smtClean="0"/>
-              <a:t>11/23/2016</a:t>
+              <a:t>11/24/2016</a:t>
             </a:fld>
             <a:endParaRPr lang="en-US"/>
           </a:p>
@@ -1019,7 +1032,7 @@
           <a:p>
             <a:fld id="{2A29526C-FCA9-4192-994E-C57D3FD5424C}" type="datetimeFigureOut">
               <a:rPr lang="en-US" smtClean="0"/>
-              <a:t>11/23/2016</a:t>
+              <a:t>11/24/2016</a:t>
             </a:fld>
             <a:endParaRPr lang="en-US"/>
           </a:p>
@@ -1248,7 +1261,7 @@
           <a:p>
             <a:fld id="{2A29526C-FCA9-4192-994E-C57D3FD5424C}" type="datetimeFigureOut">
               <a:rPr lang="en-US" smtClean="0"/>
-              <a:t>11/23/2016</a:t>
+              <a:t>11/24/2016</a:t>
             </a:fld>
             <a:endParaRPr lang="en-US"/>
           </a:p>
@@ -1612,7 +1625,7 @@
           <a:p>
             <a:fld id="{2A29526C-FCA9-4192-994E-C57D3FD5424C}" type="datetimeFigureOut">
               <a:rPr lang="en-US" smtClean="0"/>
-              <a:t>11/23/2016</a:t>
+              <a:t>11/24/2016</a:t>
             </a:fld>
             <a:endParaRPr lang="en-US"/>
           </a:p>
@@ -1729,7 +1742,7 @@
           <a:p>
             <a:fld id="{2A29526C-FCA9-4192-994E-C57D3FD5424C}" type="datetimeFigureOut">
               <a:rPr lang="en-US" smtClean="0"/>
-              <a:t>11/23/2016</a:t>
+              <a:t>11/24/2016</a:t>
             </a:fld>
             <a:endParaRPr lang="en-US"/>
           </a:p>
@@ -1824,7 +1837,7 @@
           <a:p>
             <a:fld id="{2A29526C-FCA9-4192-994E-C57D3FD5424C}" type="datetimeFigureOut">
               <a:rPr lang="en-US" smtClean="0"/>
-              <a:t>11/23/2016</a:t>
+              <a:t>11/24/2016</a:t>
             </a:fld>
             <a:endParaRPr lang="en-US"/>
           </a:p>
@@ -2099,7 +2112,7 @@
           <a:p>
             <a:fld id="{2A29526C-FCA9-4192-994E-C57D3FD5424C}" type="datetimeFigureOut">
               <a:rPr lang="en-US" smtClean="0"/>
-              <a:t>11/23/2016</a:t>
+              <a:t>11/24/2016</a:t>
             </a:fld>
             <a:endParaRPr lang="en-US"/>
           </a:p>
@@ -2351,7 +2364,7 @@
           <a:p>
             <a:fld id="{2A29526C-FCA9-4192-994E-C57D3FD5424C}" type="datetimeFigureOut">
               <a:rPr lang="en-US" smtClean="0"/>
-              <a:t>11/23/2016</a:t>
+              <a:t>11/24/2016</a:t>
             </a:fld>
             <a:endParaRPr lang="en-US"/>
           </a:p>
@@ -2562,7 +2575,7 @@
           <a:p>
             <a:fld id="{2A29526C-FCA9-4192-994E-C57D3FD5424C}" type="datetimeFigureOut">
               <a:rPr lang="en-US" smtClean="0"/>
-              <a:t>11/23/2016</a:t>
+              <a:t>11/24/2016</a:t>
             </a:fld>
             <a:endParaRPr lang="en-US"/>
           </a:p>
@@ -2976,7 +2989,7 @@
         <p:spPr>
           <a:xfrm>
             <a:off x="403762" y="249384"/>
-            <a:ext cx="5233164" cy="646331"/>
+            <a:ext cx="5207516" cy="923330"/>
           </a:xfrm>
           <a:prstGeom prst="rect">
             <a:avLst/>
@@ -3004,6 +3017,15 @@
                 <a:cs typeface="Arial" panose="020B0604020202020204" pitchFamily="34" charset="0"/>
               </a:rPr>
               <a:t>Visually estimating variance via null permutations</a:t>
+            </a:r>
+          </a:p>
+          <a:p>
+            <a:r>
+              <a:rPr lang="en-US" dirty="0">
+                <a:latin typeface="Arial" panose="020B0604020202020204" pitchFamily="34" charset="0"/>
+                <a:cs typeface="Arial" panose="020B0604020202020204" pitchFamily="34" charset="0"/>
+              </a:rPr>
+              <a:t>Comparing classifiers </a:t>
             </a:r>
           </a:p>
         </p:txBody>
@@ -3473,40 +3495,66 @@
           <a:chExt cx="0" cy="0"/>
         </a:xfrm>
       </p:grpSpPr>
-      <p:pic>
-        <p:nvPicPr>
-          <p:cNvPr id="2" name="Picture 1"/>
-          <p:cNvPicPr>
-            <a:picLocks noChangeAspect="1"/>
-          </p:cNvPicPr>
-          <p:nvPr/>
-        </p:nvPicPr>
-        <p:blipFill>
-          <a:blip r:embed="rId2"/>
-          <a:stretch>
-            <a:fillRect/>
-          </a:stretch>
-        </p:blipFill>
-        <p:spPr>
-          <a:xfrm>
-            <a:off x="595622" y="697118"/>
-            <a:ext cx="8934450" cy="2257425"/>
-          </a:xfrm>
-          <a:prstGeom prst="rect">
-            <a:avLst/>
-          </a:prstGeom>
-        </p:spPr>
-      </p:pic>
+      <p:sp>
+        <p:nvSpPr>
+          <p:cNvPr id="2" name="TextBox 1"/>
+          <p:cNvSpPr txBox="1"/>
+          <p:nvPr/>
+        </p:nvSpPr>
+        <p:spPr>
+          <a:xfrm>
+            <a:off x="403762" y="249384"/>
+            <a:ext cx="5207516" cy="923330"/>
+          </a:xfrm>
+          <a:prstGeom prst="rect">
+            <a:avLst/>
+          </a:prstGeom>
+          <a:noFill/>
+        </p:spPr>
+        <p:txBody>
+          <a:bodyPr wrap="none" rtlCol="0">
+            <a:spAutoFit/>
+          </a:bodyPr>
+          <a:lstStyle/>
+          <a:p>
+            <a:r>
+              <a:rPr lang="en-US" dirty="0">
+                <a:latin typeface="Arial" panose="020B0604020202020204" pitchFamily="34" charset="0"/>
+                <a:cs typeface="Arial" panose="020B0604020202020204" pitchFamily="34" charset="0"/>
+              </a:rPr>
+              <a:t>ROC curves in WEKA</a:t>
+            </a:r>
+          </a:p>
+          <a:p>
+            <a:r>
+              <a:rPr lang="en-US" dirty="0">
+                <a:latin typeface="Arial" panose="020B0604020202020204" pitchFamily="34" charset="0"/>
+                <a:cs typeface="Arial" panose="020B0604020202020204" pitchFamily="34" charset="0"/>
+              </a:rPr>
+              <a:t>Visually estimating variance via null permutations</a:t>
+            </a:r>
+          </a:p>
+          <a:p>
+            <a:r>
+              <a:rPr lang="en-US" dirty="0">
+                <a:latin typeface="Arial" panose="020B0604020202020204" pitchFamily="34" charset="0"/>
+                <a:cs typeface="Arial" panose="020B0604020202020204" pitchFamily="34" charset="0"/>
+              </a:rPr>
+              <a:t>Comparing classifiers </a:t>
+            </a:r>
+          </a:p>
+        </p:txBody>
+      </p:sp>
       <p:cxnSp>
         <p:nvCxnSpPr>
-          <p:cNvPr id="4" name="Straight Arrow Connector 3"/>
+          <p:cNvPr id="3" name="Straight Arrow Connector 2"/>
           <p:cNvCxnSpPr/>
           <p:nvPr/>
         </p:nvCxnSpPr>
         <p:spPr>
-          <a:xfrm flipH="1" flipV="1">
-            <a:off x="5106390" y="2766951"/>
-            <a:ext cx="510639" cy="700644"/>
+          <a:xfrm flipH="1">
+            <a:off x="5545775" y="760021"/>
+            <a:ext cx="961902" cy="0"/>
           </a:xfrm>
           <a:prstGeom prst="straightConnector1">
             <a:avLst/>
@@ -3530,103 +3578,10 @@
           </a:fontRef>
         </p:style>
       </p:cxnSp>
-      <p:sp>
-        <p:nvSpPr>
-          <p:cNvPr id="5" name="TextBox 4"/>
-          <p:cNvSpPr txBox="1"/>
-          <p:nvPr/>
-        </p:nvSpPr>
-        <p:spPr>
-          <a:xfrm>
-            <a:off x="5510150" y="3360718"/>
-            <a:ext cx="5647700" cy="646331"/>
-          </a:xfrm>
-          <a:prstGeom prst="rect">
-            <a:avLst/>
-          </a:prstGeom>
-          <a:noFill/>
-        </p:spPr>
-        <p:txBody>
-          <a:bodyPr wrap="none" rtlCol="0">
-            <a:spAutoFit/>
-          </a:bodyPr>
-          <a:lstStyle/>
-          <a:p>
-            <a:r>
-              <a:rPr lang="en-US" dirty="0">
-                <a:latin typeface="Arial" panose="020B0604020202020204" pitchFamily="34" charset="0"/>
-                <a:cs typeface="Arial" panose="020B0604020202020204" pitchFamily="34" charset="0"/>
-              </a:rPr>
-              <a:t>We can compare our “true” classification to </a:t>
-            </a:r>
-          </a:p>
-          <a:p>
-            <a:r>
-              <a:rPr lang="en-US" dirty="0">
-                <a:latin typeface="Arial" panose="020B0604020202020204" pitchFamily="34" charset="0"/>
-                <a:cs typeface="Arial" panose="020B0604020202020204" pitchFamily="34" charset="0"/>
-              </a:rPr>
-              <a:t>a classification with the case/control labels scrambled</a:t>
-            </a:r>
-          </a:p>
-        </p:txBody>
-      </p:sp>
-      <p:pic>
-        <p:nvPicPr>
-          <p:cNvPr id="6" name="Picture 5"/>
-          <p:cNvPicPr>
-            <a:picLocks noChangeAspect="1"/>
-          </p:cNvPicPr>
-          <p:nvPr/>
-        </p:nvPicPr>
-        <p:blipFill>
-          <a:blip r:embed="rId3"/>
-          <a:stretch>
-            <a:fillRect/>
-          </a:stretch>
-        </p:blipFill>
-        <p:spPr>
-          <a:xfrm>
-            <a:off x="1127846" y="3683883"/>
-            <a:ext cx="3286125" cy="2257425"/>
-          </a:xfrm>
-          <a:prstGeom prst="rect">
-            <a:avLst/>
-          </a:prstGeom>
-        </p:spPr>
-      </p:pic>
-      <p:sp>
-        <p:nvSpPr>
-          <p:cNvPr id="7" name="Rectangle 6"/>
-          <p:cNvSpPr/>
-          <p:nvPr/>
-        </p:nvSpPr>
-        <p:spPr>
-          <a:xfrm>
-            <a:off x="5601191" y="6489902"/>
-            <a:ext cx="6096000" cy="276999"/>
-          </a:xfrm>
-          <a:prstGeom prst="rect">
-            <a:avLst/>
-          </a:prstGeom>
-        </p:spPr>
-        <p:txBody>
-          <a:bodyPr>
-            <a:spAutoFit/>
-          </a:bodyPr>
-          <a:lstStyle/>
-          <a:p>
-            <a:r>
-              <a:rPr lang="en-US" sz="1200" dirty="0"/>
-              <a:t>https://github.com/afodor/WekaExamples/blob/master/src/examples/RunOneROCCurve.java</a:t>
-            </a:r>
-          </a:p>
-        </p:txBody>
-      </p:sp>
     </p:spTree>
     <p:extLst>
       <p:ext uri="{BB962C8B-B14F-4D97-AF65-F5344CB8AC3E}">
-        <p14:creationId xmlns:p14="http://schemas.microsoft.com/office/powerpoint/2010/main" val="3309747914"/>
+        <p14:creationId xmlns:p14="http://schemas.microsoft.com/office/powerpoint/2010/main" val="4017554472"/>
       </p:ext>
     </p:extLst>
   </p:cSld>
@@ -3669,8 +3624,8 @@
         </p:blipFill>
         <p:spPr>
           <a:xfrm>
-            <a:off x="110834" y="348280"/>
-            <a:ext cx="7480620" cy="5815013"/>
+            <a:off x="595622" y="697118"/>
+            <a:ext cx="8934450" cy="2257425"/>
           </a:xfrm>
           <a:prstGeom prst="rect">
             <a:avLst/>
@@ -3685,8 +3640,8 @@
         </p:nvCxnSpPr>
         <p:spPr>
           <a:xfrm flipH="1" flipV="1">
-            <a:off x="3859479" y="2719448"/>
-            <a:ext cx="1104405" cy="11875"/>
+            <a:off x="5106390" y="2766951"/>
+            <a:ext cx="510639" cy="700644"/>
           </a:xfrm>
           <a:prstGeom prst="straightConnector1">
             <a:avLst/>
@@ -3710,49 +3665,16 @@
           </a:fontRef>
         </p:style>
       </p:cxnSp>
-      <p:cxnSp>
-        <p:nvCxnSpPr>
-          <p:cNvPr id="6" name="Straight Arrow Connector 5"/>
-          <p:cNvCxnSpPr/>
-          <p:nvPr/>
-        </p:nvCxnSpPr>
-        <p:spPr>
-          <a:xfrm flipH="1">
-            <a:off x="5225141" y="5189515"/>
-            <a:ext cx="795647" cy="0"/>
-          </a:xfrm>
-          <a:prstGeom prst="straightConnector1">
-            <a:avLst/>
-          </a:prstGeom>
-          <a:ln>
-            <a:tailEnd type="triangle"/>
-          </a:ln>
-        </p:spPr>
-        <p:style>
-          <a:lnRef idx="1">
-            <a:schemeClr val="accent1"/>
-          </a:lnRef>
-          <a:fillRef idx="0">
-            <a:schemeClr val="accent1"/>
-          </a:fillRef>
-          <a:effectRef idx="0">
-            <a:schemeClr val="accent1"/>
-          </a:effectRef>
-          <a:fontRef idx="minor">
-            <a:schemeClr val="tx1"/>
-          </a:fontRef>
-        </p:style>
-      </p:cxnSp>
-      <p:sp>
-        <p:nvSpPr>
-          <p:cNvPr id="7" name="TextBox 6"/>
+      <p:sp>
+        <p:nvSpPr>
+          <p:cNvPr id="5" name="TextBox 4"/>
           <p:cNvSpPr txBox="1"/>
           <p:nvPr/>
         </p:nvSpPr>
         <p:spPr>
           <a:xfrm>
-            <a:off x="4560125" y="2386938"/>
-            <a:ext cx="2710999" cy="369332"/>
+            <a:off x="5510150" y="3360718"/>
+            <a:ext cx="5647700" cy="646331"/>
           </a:xfrm>
           <a:prstGeom prst="rect">
             <a:avLst/>
@@ -3770,46 +3692,23 @@
                 <a:latin typeface="Arial" panose="020B0604020202020204" pitchFamily="34" charset="0"/>
                 <a:cs typeface="Arial" panose="020B0604020202020204" pitchFamily="34" charset="0"/>
               </a:rPr>
-              <a:t>Our data gets scrambled</a:t>
-            </a:r>
-          </a:p>
-        </p:txBody>
-      </p:sp>
-      <p:sp>
-        <p:nvSpPr>
-          <p:cNvPr id="8" name="TextBox 7"/>
-          <p:cNvSpPr txBox="1"/>
-          <p:nvPr/>
-        </p:nvSpPr>
-        <p:spPr>
-          <a:xfrm>
-            <a:off x="5367645" y="4833255"/>
-            <a:ext cx="2108269" cy="369332"/>
-          </a:xfrm>
-          <a:prstGeom prst="rect">
-            <a:avLst/>
-          </a:prstGeom>
-          <a:noFill/>
-        </p:spPr>
-        <p:txBody>
-          <a:bodyPr wrap="none" rtlCol="0">
-            <a:spAutoFit/>
-          </a:bodyPr>
-          <a:lstStyle/>
+              <a:t>We can compare our “true” classification to </a:t>
+            </a:r>
+          </a:p>
           <a:p>
             <a:r>
               <a:rPr lang="en-US" dirty="0">
                 <a:latin typeface="Arial" panose="020B0604020202020204" pitchFamily="34" charset="0"/>
                 <a:cs typeface="Arial" panose="020B0604020202020204" pitchFamily="34" charset="0"/>
               </a:rPr>
-              <a:t>Our color turns red</a:t>
+              <a:t>a classification with the case/control labels scrambled</a:t>
             </a:r>
           </a:p>
         </p:txBody>
       </p:sp>
       <p:pic>
         <p:nvPicPr>
-          <p:cNvPr id="9" name="Picture 8"/>
+          <p:cNvPr id="6" name="Picture 5"/>
           <p:cNvPicPr>
             <a:picLocks noChangeAspect="1"/>
           </p:cNvPicPr>
@@ -3823,7 +3722,7 @@
         </p:blipFill>
         <p:spPr>
           <a:xfrm>
-            <a:off x="7971770" y="998361"/>
+            <a:off x="1127846" y="3683883"/>
             <a:ext cx="3286125" cy="2257425"/>
           </a:xfrm>
           <a:prstGeom prst="rect">
@@ -3833,32 +3732,28 @@
       </p:pic>
       <p:sp>
         <p:nvSpPr>
-          <p:cNvPr id="10" name="Rectangle 9"/>
+          <p:cNvPr id="7" name="Rectangle 6"/>
           <p:cNvSpPr/>
           <p:nvPr/>
         </p:nvSpPr>
         <p:spPr>
           <a:xfrm>
-            <a:off x="5320859" y="6575959"/>
-            <a:ext cx="8880048" cy="292388"/>
-          </a:xfrm>
-          <a:prstGeom prst="rect">
-            <a:avLst/>
-          </a:prstGeom>
-        </p:spPr>
-        <p:txBody>
-          <a:bodyPr wrap="square">
+            <a:off x="5601191" y="6489902"/>
+            <a:ext cx="6096000" cy="276999"/>
+          </a:xfrm>
+          <a:prstGeom prst="rect">
+            <a:avLst/>
+          </a:prstGeom>
+        </p:spPr>
+        <p:txBody>
+          <a:bodyPr>
             <a:spAutoFit/>
           </a:bodyPr>
           <a:lstStyle/>
           <a:p>
             <a:r>
-              <a:rPr lang="en-US" sz="1300" dirty="0">
-                <a:solidFill>
-                  <a:srgbClr val="FF0000"/>
-                </a:solidFill>
-              </a:rPr>
-              <a:t>https://github.com/afodor/WekaExamples/blob/master/src/examples/TestClassify.java</a:t>
+              <a:rPr lang="en-US" sz="1200" dirty="0"/>
+              <a:t>https://github.com/afodor/WekaExamples/blob/master/src/examples/RunOneROCCurve.java</a:t>
             </a:r>
           </a:p>
         </p:txBody>
@@ -3866,7 +3761,7 @@
     </p:spTree>
     <p:extLst>
       <p:ext uri="{BB962C8B-B14F-4D97-AF65-F5344CB8AC3E}">
-        <p14:creationId xmlns:p14="http://schemas.microsoft.com/office/powerpoint/2010/main" val="3685542050"/>
+        <p14:creationId xmlns:p14="http://schemas.microsoft.com/office/powerpoint/2010/main" val="3309747914"/>
       </p:ext>
     </p:extLst>
   </p:cSld>
@@ -3909,24 +3804,90 @@
         </p:blipFill>
         <p:spPr>
           <a:xfrm>
-            <a:off x="1861001" y="1677760"/>
-            <a:ext cx="7609128" cy="2965491"/>
+            <a:off x="110834" y="348280"/>
+            <a:ext cx="7480620" cy="5815013"/>
           </a:xfrm>
           <a:prstGeom prst="rect">
             <a:avLst/>
           </a:prstGeom>
         </p:spPr>
       </p:pic>
-      <p:sp>
-        <p:nvSpPr>
-          <p:cNvPr id="3" name="TextBox 2"/>
+      <p:cxnSp>
+        <p:nvCxnSpPr>
+          <p:cNvPr id="4" name="Straight Arrow Connector 3"/>
+          <p:cNvCxnSpPr/>
+          <p:nvPr/>
+        </p:nvCxnSpPr>
+        <p:spPr>
+          <a:xfrm flipH="1" flipV="1">
+            <a:off x="3859479" y="2719448"/>
+            <a:ext cx="1104405" cy="11875"/>
+          </a:xfrm>
+          <a:prstGeom prst="straightConnector1">
+            <a:avLst/>
+          </a:prstGeom>
+          <a:ln>
+            <a:tailEnd type="triangle"/>
+          </a:ln>
+        </p:spPr>
+        <p:style>
+          <a:lnRef idx="1">
+            <a:schemeClr val="accent1"/>
+          </a:lnRef>
+          <a:fillRef idx="0">
+            <a:schemeClr val="accent1"/>
+          </a:fillRef>
+          <a:effectRef idx="0">
+            <a:schemeClr val="accent1"/>
+          </a:effectRef>
+          <a:fontRef idx="minor">
+            <a:schemeClr val="tx1"/>
+          </a:fontRef>
+        </p:style>
+      </p:cxnSp>
+      <p:cxnSp>
+        <p:nvCxnSpPr>
+          <p:cNvPr id="6" name="Straight Arrow Connector 5"/>
+          <p:cNvCxnSpPr/>
+          <p:nvPr/>
+        </p:nvCxnSpPr>
+        <p:spPr>
+          <a:xfrm flipH="1">
+            <a:off x="5225141" y="5189515"/>
+            <a:ext cx="795647" cy="0"/>
+          </a:xfrm>
+          <a:prstGeom prst="straightConnector1">
+            <a:avLst/>
+          </a:prstGeom>
+          <a:ln>
+            <a:tailEnd type="triangle"/>
+          </a:ln>
+        </p:spPr>
+        <p:style>
+          <a:lnRef idx="1">
+            <a:schemeClr val="accent1"/>
+          </a:lnRef>
+          <a:fillRef idx="0">
+            <a:schemeClr val="accent1"/>
+          </a:fillRef>
+          <a:effectRef idx="0">
+            <a:schemeClr val="accent1"/>
+          </a:effectRef>
+          <a:fontRef idx="minor">
+            <a:schemeClr val="tx1"/>
+          </a:fontRef>
+        </p:style>
+      </p:cxnSp>
+      <p:sp>
+        <p:nvSpPr>
+          <p:cNvPr id="7" name="TextBox 6"/>
           <p:cNvSpPr txBox="1"/>
           <p:nvPr/>
         </p:nvSpPr>
         <p:spPr>
           <a:xfrm>
-            <a:off x="1698171" y="237506"/>
-            <a:ext cx="3711272" cy="369332"/>
+            <a:off x="4560125" y="2386938"/>
+            <a:ext cx="2710999" cy="369332"/>
           </a:xfrm>
           <a:prstGeom prst="rect">
             <a:avLst/>
@@ -3944,14 +3905,70 @@
                 <a:latin typeface="Arial" panose="020B0604020202020204" pitchFamily="34" charset="0"/>
                 <a:cs typeface="Arial" panose="020B0604020202020204" pitchFamily="34" charset="0"/>
               </a:rPr>
-              <a:t>Scrambling the columns is trivial…</a:t>
-            </a:r>
-          </a:p>
-        </p:txBody>
-      </p:sp>
-      <p:sp>
-        <p:nvSpPr>
-          <p:cNvPr id="4" name="Rectangle 3"/>
+              <a:t>Our data gets scrambled</a:t>
+            </a:r>
+          </a:p>
+        </p:txBody>
+      </p:sp>
+      <p:sp>
+        <p:nvSpPr>
+          <p:cNvPr id="8" name="TextBox 7"/>
+          <p:cNvSpPr txBox="1"/>
+          <p:nvPr/>
+        </p:nvSpPr>
+        <p:spPr>
+          <a:xfrm>
+            <a:off x="5367645" y="4833255"/>
+            <a:ext cx="2108269" cy="369332"/>
+          </a:xfrm>
+          <a:prstGeom prst="rect">
+            <a:avLst/>
+          </a:prstGeom>
+          <a:noFill/>
+        </p:spPr>
+        <p:txBody>
+          <a:bodyPr wrap="none" rtlCol="0">
+            <a:spAutoFit/>
+          </a:bodyPr>
+          <a:lstStyle/>
+          <a:p>
+            <a:r>
+              <a:rPr lang="en-US" dirty="0">
+                <a:latin typeface="Arial" panose="020B0604020202020204" pitchFamily="34" charset="0"/>
+                <a:cs typeface="Arial" panose="020B0604020202020204" pitchFamily="34" charset="0"/>
+              </a:rPr>
+              <a:t>Our color turns red</a:t>
+            </a:r>
+          </a:p>
+        </p:txBody>
+      </p:sp>
+      <p:pic>
+        <p:nvPicPr>
+          <p:cNvPr id="9" name="Picture 8"/>
+          <p:cNvPicPr>
+            <a:picLocks noChangeAspect="1"/>
+          </p:cNvPicPr>
+          <p:nvPr/>
+        </p:nvPicPr>
+        <p:blipFill>
+          <a:blip r:embed="rId3"/>
+          <a:stretch>
+            <a:fillRect/>
+          </a:stretch>
+        </p:blipFill>
+        <p:spPr>
+          <a:xfrm>
+            <a:off x="7971770" y="998361"/>
+            <a:ext cx="3286125" cy="2257425"/>
+          </a:xfrm>
+          <a:prstGeom prst="rect">
+            <a:avLst/>
+          </a:prstGeom>
+        </p:spPr>
+      </p:pic>
+      <p:sp>
+        <p:nvSpPr>
+          <p:cNvPr id="10" name="Rectangle 9"/>
           <p:cNvSpPr/>
           <p:nvPr/>
         </p:nvSpPr>
@@ -3984,7 +4001,7 @@
     </p:spTree>
     <p:extLst>
       <p:ext uri="{BB962C8B-B14F-4D97-AF65-F5344CB8AC3E}">
-        <p14:creationId xmlns:p14="http://schemas.microsoft.com/office/powerpoint/2010/main" val="3001491808"/>
+        <p14:creationId xmlns:p14="http://schemas.microsoft.com/office/powerpoint/2010/main" val="3685542050"/>
       </p:ext>
     </p:extLst>
   </p:cSld>
@@ -4027,57 +4044,24 @@
         </p:blipFill>
         <p:spPr>
           <a:xfrm>
-            <a:off x="573975" y="467033"/>
-            <a:ext cx="7480620" cy="5815013"/>
+            <a:off x="1861001" y="1677760"/>
+            <a:ext cx="7609128" cy="2965491"/>
           </a:xfrm>
           <a:prstGeom prst="rect">
             <a:avLst/>
           </a:prstGeom>
         </p:spPr>
       </p:pic>
-      <p:cxnSp>
-        <p:nvCxnSpPr>
-          <p:cNvPr id="4" name="Straight Arrow Connector 3"/>
-          <p:cNvCxnSpPr/>
-          <p:nvPr/>
-        </p:nvCxnSpPr>
-        <p:spPr>
-          <a:xfrm flipH="1">
-            <a:off x="4096987" y="1983179"/>
-            <a:ext cx="1140031" cy="23751"/>
-          </a:xfrm>
-          <a:prstGeom prst="straightConnector1">
-            <a:avLst/>
-          </a:prstGeom>
-          <a:ln>
-            <a:tailEnd type="triangle"/>
-          </a:ln>
-        </p:spPr>
-        <p:style>
-          <a:lnRef idx="1">
-            <a:schemeClr val="accent1"/>
-          </a:lnRef>
-          <a:fillRef idx="0">
-            <a:schemeClr val="accent1"/>
-          </a:fillRef>
-          <a:effectRef idx="0">
-            <a:schemeClr val="accent1"/>
-          </a:effectRef>
-          <a:fontRef idx="minor">
-            <a:schemeClr val="tx1"/>
-          </a:fontRef>
-        </p:style>
-      </p:cxnSp>
-      <p:sp>
-        <p:nvSpPr>
-          <p:cNvPr id="5" name="TextBox 4"/>
+      <p:sp>
+        <p:nvSpPr>
+          <p:cNvPr id="3" name="TextBox 2"/>
           <p:cNvSpPr txBox="1"/>
           <p:nvPr/>
         </p:nvSpPr>
         <p:spPr>
           <a:xfrm>
-            <a:off x="5379524" y="1793174"/>
-            <a:ext cx="5143396" cy="369332"/>
+            <a:off x="1698171" y="237506"/>
+            <a:ext cx="3711272" cy="369332"/>
           </a:xfrm>
           <a:prstGeom prst="rect">
             <a:avLst/>
@@ -4095,14 +4079,14 @@
                 <a:latin typeface="Arial" panose="020B0604020202020204" pitchFamily="34" charset="0"/>
                 <a:cs typeface="Arial" panose="020B0604020202020204" pitchFamily="34" charset="0"/>
               </a:rPr>
-              <a:t>We can easily do this for multiple permutations…</a:t>
-            </a:r>
-          </a:p>
-        </p:txBody>
-      </p:sp>
-      <p:sp>
-        <p:nvSpPr>
-          <p:cNvPr id="6" name="Rectangle 5"/>
+              <a:t>Scrambling the columns is trivial…</a:t>
+            </a:r>
+          </a:p>
+        </p:txBody>
+      </p:sp>
+      <p:sp>
+        <p:nvSpPr>
+          <p:cNvPr id="4" name="Rectangle 3"/>
           <p:cNvSpPr/>
           <p:nvPr/>
         </p:nvSpPr>
@@ -4135,7 +4119,7 @@
     </p:spTree>
     <p:extLst>
       <p:ext uri="{BB962C8B-B14F-4D97-AF65-F5344CB8AC3E}">
-        <p14:creationId xmlns:p14="http://schemas.microsoft.com/office/powerpoint/2010/main" val="4046732664"/>
+        <p14:creationId xmlns:p14="http://schemas.microsoft.com/office/powerpoint/2010/main" val="3001491808"/>
       </p:ext>
     </p:extLst>
   </p:cSld>
@@ -4178,86 +4162,107 @@
         </p:blipFill>
         <p:spPr>
           <a:xfrm>
-            <a:off x="8091548" y="3796520"/>
-            <a:ext cx="3276600" cy="2305050"/>
+            <a:off x="573975" y="467033"/>
+            <a:ext cx="7480620" cy="5815013"/>
           </a:xfrm>
           <a:prstGeom prst="rect">
             <a:avLst/>
           </a:prstGeom>
         </p:spPr>
       </p:pic>
-      <p:pic>
-        <p:nvPicPr>
-          <p:cNvPr id="3" name="Picture 2"/>
-          <p:cNvPicPr>
-            <a:picLocks noChangeAspect="1"/>
-          </p:cNvPicPr>
-          <p:nvPr/>
-        </p:nvPicPr>
-        <p:blipFill>
-          <a:blip r:embed="rId3"/>
-          <a:stretch>
-            <a:fillRect/>
-          </a:stretch>
-        </p:blipFill>
-        <p:spPr>
-          <a:xfrm>
-            <a:off x="8624948" y="6259723"/>
-            <a:ext cx="2209800" cy="276225"/>
-          </a:xfrm>
-          <a:prstGeom prst="rect">
-            <a:avLst/>
-          </a:prstGeom>
-        </p:spPr>
-      </p:pic>
-      <p:pic>
-        <p:nvPicPr>
-          <p:cNvPr id="4" name="Picture 3"/>
-          <p:cNvPicPr>
-            <a:picLocks noChangeAspect="1"/>
-          </p:cNvPicPr>
-          <p:nvPr/>
-        </p:nvPicPr>
-        <p:blipFill>
-          <a:blip r:embed="rId4"/>
-          <a:stretch>
-            <a:fillRect/>
-          </a:stretch>
-        </p:blipFill>
-        <p:spPr>
-          <a:xfrm>
-            <a:off x="209054" y="615416"/>
-            <a:ext cx="8820150" cy="3095625"/>
-          </a:xfrm>
-          <a:prstGeom prst="rect">
-            <a:avLst/>
-          </a:prstGeom>
-        </p:spPr>
-      </p:pic>
-      <p:sp>
-        <p:nvSpPr>
-          <p:cNvPr id="5" name="Rectangle 4"/>
-          <p:cNvSpPr/>
-          <p:nvPr/>
-        </p:nvSpPr>
-        <p:spPr>
-          <a:xfrm>
-            <a:off x="5601191" y="6489902"/>
-            <a:ext cx="6096000" cy="276999"/>
-          </a:xfrm>
-          <a:prstGeom prst="rect">
-            <a:avLst/>
-          </a:prstGeom>
-        </p:spPr>
-        <p:txBody>
-          <a:bodyPr>
+      <p:cxnSp>
+        <p:nvCxnSpPr>
+          <p:cNvPr id="4" name="Straight Arrow Connector 3"/>
+          <p:cNvCxnSpPr/>
+          <p:nvPr/>
+        </p:nvCxnSpPr>
+        <p:spPr>
+          <a:xfrm flipH="1">
+            <a:off x="4096987" y="1983179"/>
+            <a:ext cx="1140031" cy="23751"/>
+          </a:xfrm>
+          <a:prstGeom prst="straightConnector1">
+            <a:avLst/>
+          </a:prstGeom>
+          <a:ln>
+            <a:tailEnd type="triangle"/>
+          </a:ln>
+        </p:spPr>
+        <p:style>
+          <a:lnRef idx="1">
+            <a:schemeClr val="accent1"/>
+          </a:lnRef>
+          <a:fillRef idx="0">
+            <a:schemeClr val="accent1"/>
+          </a:fillRef>
+          <a:effectRef idx="0">
+            <a:schemeClr val="accent1"/>
+          </a:effectRef>
+          <a:fontRef idx="minor">
+            <a:schemeClr val="tx1"/>
+          </a:fontRef>
+        </p:style>
+      </p:cxnSp>
+      <p:sp>
+        <p:nvSpPr>
+          <p:cNvPr id="5" name="TextBox 4"/>
+          <p:cNvSpPr txBox="1"/>
+          <p:nvPr/>
+        </p:nvSpPr>
+        <p:spPr>
+          <a:xfrm>
+            <a:off x="5379524" y="1793174"/>
+            <a:ext cx="5143396" cy="369332"/>
+          </a:xfrm>
+          <a:prstGeom prst="rect">
+            <a:avLst/>
+          </a:prstGeom>
+          <a:noFill/>
+        </p:spPr>
+        <p:txBody>
+          <a:bodyPr wrap="none" rtlCol="0">
             <a:spAutoFit/>
           </a:bodyPr>
           <a:lstStyle/>
           <a:p>
             <a:r>
-              <a:rPr lang="en-US" sz="1200" dirty="0"/>
-              <a:t>https://github.com/afodor/WekaExamples/blob/master/src/examples/RunOneROCCurve.java</a:t>
+              <a:rPr lang="en-US" dirty="0">
+                <a:latin typeface="Arial" panose="020B0604020202020204" pitchFamily="34" charset="0"/>
+                <a:cs typeface="Arial" panose="020B0604020202020204" pitchFamily="34" charset="0"/>
+              </a:rPr>
+              <a:t>We can easily do this for multiple permutations…</a:t>
+            </a:r>
+          </a:p>
+        </p:txBody>
+      </p:sp>
+      <p:sp>
+        <p:nvSpPr>
+          <p:cNvPr id="6" name="Rectangle 5"/>
+          <p:cNvSpPr/>
+          <p:nvPr/>
+        </p:nvSpPr>
+        <p:spPr>
+          <a:xfrm>
+            <a:off x="5320859" y="6575959"/>
+            <a:ext cx="8880048" cy="292388"/>
+          </a:xfrm>
+          <a:prstGeom prst="rect">
+            <a:avLst/>
+          </a:prstGeom>
+        </p:spPr>
+        <p:txBody>
+          <a:bodyPr wrap="square">
+            <a:spAutoFit/>
+          </a:bodyPr>
+          <a:lstStyle/>
+          <a:p>
+            <a:r>
+              <a:rPr lang="en-US" sz="1300" dirty="0">
+                <a:solidFill>
+                  <a:srgbClr val="FF0000"/>
+                </a:solidFill>
+              </a:rPr>
+              <a:t>https://github.com/afodor/WekaExamples/blob/master/src/examples/TestClassify.java</a:t>
             </a:r>
           </a:p>
         </p:txBody>
@@ -4265,7 +4270,7 @@
     </p:spTree>
     <p:extLst>
       <p:ext uri="{BB962C8B-B14F-4D97-AF65-F5344CB8AC3E}">
-        <p14:creationId xmlns:p14="http://schemas.microsoft.com/office/powerpoint/2010/main" val="2532425023"/>
+        <p14:creationId xmlns:p14="http://schemas.microsoft.com/office/powerpoint/2010/main" val="4046732664"/>
       </p:ext>
     </p:extLst>
   </p:cSld>
@@ -4292,41 +4297,9 @@
           <a:chExt cx="0" cy="0"/>
         </a:xfrm>
       </p:grpSpPr>
-      <p:sp>
-        <p:nvSpPr>
-          <p:cNvPr id="2" name="TextBox 1"/>
-          <p:cNvSpPr txBox="1"/>
-          <p:nvPr/>
-        </p:nvSpPr>
-        <p:spPr>
-          <a:xfrm>
-            <a:off x="676894" y="213756"/>
-            <a:ext cx="5429692" cy="369332"/>
-          </a:xfrm>
-          <a:prstGeom prst="rect">
-            <a:avLst/>
-          </a:prstGeom>
-          <a:noFill/>
-        </p:spPr>
-        <p:txBody>
-          <a:bodyPr wrap="none" rtlCol="0">
-            <a:spAutoFit/>
-          </a:bodyPr>
-          <a:lstStyle/>
-          <a:p>
-            <a:r>
-              <a:rPr lang="en-US" dirty="0">
-                <a:latin typeface="Arial" panose="020B0604020202020204" pitchFamily="34" charset="0"/>
-                <a:cs typeface="Arial" panose="020B0604020202020204" pitchFamily="34" charset="0"/>
-              </a:rPr>
-              <a:t>Multi-threaded application seems straight-forward…</a:t>
-            </a:r>
-          </a:p>
-        </p:txBody>
-      </p:sp>
       <p:pic>
         <p:nvPicPr>
-          <p:cNvPr id="3" name="Picture 2"/>
+          <p:cNvPr id="2" name="Picture 1"/>
           <p:cNvPicPr>
             <a:picLocks noChangeAspect="1"/>
           </p:cNvPicPr>
@@ -4340,8 +4313,32 @@
         </p:blipFill>
         <p:spPr>
           <a:xfrm>
-            <a:off x="7818540" y="398422"/>
-            <a:ext cx="3181350" cy="2219325"/>
+            <a:off x="8091548" y="3796520"/>
+            <a:ext cx="3276600" cy="2305050"/>
+          </a:xfrm>
+          <a:prstGeom prst="rect">
+            <a:avLst/>
+          </a:prstGeom>
+        </p:spPr>
+      </p:pic>
+      <p:pic>
+        <p:nvPicPr>
+          <p:cNvPr id="3" name="Picture 2"/>
+          <p:cNvPicPr>
+            <a:picLocks noChangeAspect="1"/>
+          </p:cNvPicPr>
+          <p:nvPr/>
+        </p:nvPicPr>
+        <p:blipFill>
+          <a:blip r:embed="rId3"/>
+          <a:stretch>
+            <a:fillRect/>
+          </a:stretch>
+        </p:blipFill>
+        <p:spPr>
+          <a:xfrm>
+            <a:off x="8624948" y="6259723"/>
+            <a:ext cx="2209800" cy="276225"/>
           </a:xfrm>
           <a:prstGeom prst="rect">
             <a:avLst/>
@@ -4357,30 +4354,6 @@
           <p:nvPr/>
         </p:nvPicPr>
         <p:blipFill>
-          <a:blip r:embed="rId3"/>
-          <a:stretch>
-            <a:fillRect/>
-          </a:stretch>
-        </p:blipFill>
-        <p:spPr>
-          <a:xfrm>
-            <a:off x="8185252" y="2703048"/>
-            <a:ext cx="2447925" cy="323850"/>
-          </a:xfrm>
-          <a:prstGeom prst="rect">
-            <a:avLst/>
-          </a:prstGeom>
-        </p:spPr>
-      </p:pic>
-      <p:pic>
-        <p:nvPicPr>
-          <p:cNvPr id="5" name="Picture 4"/>
-          <p:cNvPicPr>
-            <a:picLocks noChangeAspect="1"/>
-          </p:cNvPicPr>
-          <p:nvPr/>
-        </p:nvPicPr>
-        <p:blipFill>
           <a:blip r:embed="rId4"/>
           <a:stretch>
             <a:fillRect/>
@@ -4388,8 +4361,8 @@
         </p:blipFill>
         <p:spPr>
           <a:xfrm>
-            <a:off x="274739" y="3112199"/>
-            <a:ext cx="9134475" cy="3562350"/>
+            <a:off x="209054" y="615416"/>
+            <a:ext cx="8820150" cy="3095625"/>
           </a:xfrm>
           <a:prstGeom prst="rect">
             <a:avLst/>
@@ -4398,7 +4371,7 @@
       </p:pic>
       <p:sp>
         <p:nvSpPr>
-          <p:cNvPr id="6" name="Rectangle 5"/>
+          <p:cNvPr id="5" name="Rectangle 4"/>
           <p:cNvSpPr/>
           <p:nvPr/>
         </p:nvSpPr>
@@ -4426,14 +4399,14 @@
       </p:sp>
       <p:sp>
         <p:nvSpPr>
-          <p:cNvPr id="7" name="TextBox 6"/>
+          <p:cNvPr id="6" name="TextBox 5"/>
           <p:cNvSpPr txBox="1"/>
           <p:nvPr/>
         </p:nvSpPr>
         <p:spPr>
           <a:xfrm>
-            <a:off x="1056904" y="819397"/>
-            <a:ext cx="4851777" cy="369332"/>
+            <a:off x="914400" y="130629"/>
+            <a:ext cx="8840882" cy="369332"/>
           </a:xfrm>
           <a:prstGeom prst="rect">
             <a:avLst/>
@@ -4447,8 +4420,11 @@
           <a:lstStyle/>
           <a:p>
             <a:r>
-              <a:rPr lang="en-US" dirty="0"/>
-              <a:t>A very robust 7.87 fold speedup on an 8 core box!</a:t>
+              <a:rPr lang="en-US" dirty="0">
+                <a:latin typeface="Arial" panose="020B0604020202020204" pitchFamily="34" charset="0"/>
+                <a:cs typeface="Arial" panose="020B0604020202020204" pitchFamily="34" charset="0"/>
+              </a:rPr>
+              <a:t>This makes a very compelling and informative visualization (here for 20 permutations)</a:t>
             </a:r>
           </a:p>
         </p:txBody>
@@ -4456,7 +4432,7 @@
     </p:spTree>
     <p:extLst>
       <p:ext uri="{BB962C8B-B14F-4D97-AF65-F5344CB8AC3E}">
-        <p14:creationId xmlns:p14="http://schemas.microsoft.com/office/powerpoint/2010/main" val="1309905470"/>
+        <p14:creationId xmlns:p14="http://schemas.microsoft.com/office/powerpoint/2010/main" val="2532425023"/>
       </p:ext>
     </p:extLst>
   </p:cSld>
@@ -4485,14 +4461,14 @@
       </p:grpSpPr>
       <p:sp>
         <p:nvSpPr>
-          <p:cNvPr id="2" name="TextBox 1"/>
+          <p:cNvPr id="4" name="TextBox 3"/>
           <p:cNvSpPr txBox="1"/>
           <p:nvPr/>
         </p:nvSpPr>
         <p:spPr>
           <a:xfrm>
-            <a:off x="-35627" y="-59377"/>
-            <a:ext cx="11555856" cy="338554"/>
+            <a:off x="32083" y="1428577"/>
+            <a:ext cx="928459" cy="369332"/>
           </a:xfrm>
           <a:prstGeom prst="rect">
             <a:avLst/>
@@ -4506,18 +4482,204 @@
           <a:lstStyle/>
           <a:p>
             <a:r>
-              <a:rPr lang="en-US" sz="1600" dirty="0">
+              <a:rPr lang="en-US" dirty="0">
                 <a:latin typeface="Arial" panose="020B0604020202020204" pitchFamily="34" charset="0"/>
                 <a:cs typeface="Arial" panose="020B0604020202020204" pitchFamily="34" charset="0"/>
               </a:rPr>
-              <a:t>How do we make this multi-threaded?  Start (as usual) by making a Worker class. Not much will be shared between workers..</a:t>
+              <a:t>phylum</a:t>
+            </a:r>
+          </a:p>
+        </p:txBody>
+      </p:sp>
+      <p:sp>
+        <p:nvSpPr>
+          <p:cNvPr id="5" name="TextBox 4"/>
+          <p:cNvSpPr txBox="1"/>
+          <p:nvPr/>
+        </p:nvSpPr>
+        <p:spPr>
+          <a:xfrm>
+            <a:off x="88234" y="3072889"/>
+            <a:ext cx="710451" cy="369332"/>
+          </a:xfrm>
+          <a:prstGeom prst="rect">
+            <a:avLst/>
+          </a:prstGeom>
+          <a:noFill/>
+        </p:spPr>
+        <p:txBody>
+          <a:bodyPr wrap="none" rtlCol="0">
+            <a:spAutoFit/>
+          </a:bodyPr>
+          <a:lstStyle/>
+          <a:p>
+            <a:r>
+              <a:rPr lang="en-US" dirty="0">
+                <a:latin typeface="Arial" panose="020B0604020202020204" pitchFamily="34" charset="0"/>
+                <a:cs typeface="Arial" panose="020B0604020202020204" pitchFamily="34" charset="0"/>
+              </a:rPr>
+              <a:t>class</a:t>
+            </a:r>
+          </a:p>
+        </p:txBody>
+      </p:sp>
+      <p:sp>
+        <p:nvSpPr>
+          <p:cNvPr id="6" name="TextBox 5"/>
+          <p:cNvSpPr txBox="1"/>
+          <p:nvPr/>
+        </p:nvSpPr>
+        <p:spPr>
+          <a:xfrm>
+            <a:off x="176464" y="5182427"/>
+            <a:ext cx="723275" cy="369332"/>
+          </a:xfrm>
+          <a:prstGeom prst="rect">
+            <a:avLst/>
+          </a:prstGeom>
+          <a:noFill/>
+        </p:spPr>
+        <p:txBody>
+          <a:bodyPr wrap="none" rtlCol="0">
+            <a:spAutoFit/>
+          </a:bodyPr>
+          <a:lstStyle/>
+          <a:p>
+            <a:r>
+              <a:rPr lang="en-US" dirty="0">
+                <a:latin typeface="Arial" panose="020B0604020202020204" pitchFamily="34" charset="0"/>
+                <a:cs typeface="Arial" panose="020B0604020202020204" pitchFamily="34" charset="0"/>
+              </a:rPr>
+              <a:t>order</a:t>
+            </a:r>
+          </a:p>
+        </p:txBody>
+      </p:sp>
+      <p:sp>
+        <p:nvSpPr>
+          <p:cNvPr id="7" name="TextBox 6"/>
+          <p:cNvSpPr txBox="1"/>
+          <p:nvPr/>
+        </p:nvSpPr>
+        <p:spPr>
+          <a:xfrm>
+            <a:off x="6059662" y="1299876"/>
+            <a:ext cx="787395" cy="369332"/>
+          </a:xfrm>
+          <a:prstGeom prst="rect">
+            <a:avLst/>
+          </a:prstGeom>
+          <a:noFill/>
+        </p:spPr>
+        <p:txBody>
+          <a:bodyPr wrap="none" rtlCol="0">
+            <a:spAutoFit/>
+          </a:bodyPr>
+          <a:lstStyle/>
+          <a:p>
+            <a:r>
+              <a:rPr lang="en-US" dirty="0">
+                <a:latin typeface="Arial" panose="020B0604020202020204" pitchFamily="34" charset="0"/>
+                <a:cs typeface="Arial" panose="020B0604020202020204" pitchFamily="34" charset="0"/>
+              </a:rPr>
+              <a:t>family</a:t>
+            </a:r>
+          </a:p>
+        </p:txBody>
+      </p:sp>
+      <p:sp>
+        <p:nvSpPr>
+          <p:cNvPr id="8" name="TextBox 7"/>
+          <p:cNvSpPr txBox="1"/>
+          <p:nvPr/>
+        </p:nvSpPr>
+        <p:spPr>
+          <a:xfrm>
+            <a:off x="6100431" y="3340357"/>
+            <a:ext cx="813043" cy="369332"/>
+          </a:xfrm>
+          <a:prstGeom prst="rect">
+            <a:avLst/>
+          </a:prstGeom>
+          <a:noFill/>
+        </p:spPr>
+        <p:txBody>
+          <a:bodyPr wrap="none" rtlCol="0">
+            <a:spAutoFit/>
+          </a:bodyPr>
+          <a:lstStyle/>
+          <a:p>
+            <a:r>
+              <a:rPr lang="en-US" dirty="0">
+                <a:latin typeface="Arial" panose="020B0604020202020204" pitchFamily="34" charset="0"/>
+                <a:cs typeface="Arial" panose="020B0604020202020204" pitchFamily="34" charset="0"/>
+              </a:rPr>
+              <a:t>genus</a:t>
+            </a:r>
+          </a:p>
+        </p:txBody>
+      </p:sp>
+      <p:sp>
+        <p:nvSpPr>
+          <p:cNvPr id="9" name="TextBox 8"/>
+          <p:cNvSpPr txBox="1"/>
+          <p:nvPr/>
+        </p:nvSpPr>
+        <p:spPr>
+          <a:xfrm>
+            <a:off x="1684421" y="514179"/>
+            <a:ext cx="652743" cy="369332"/>
+          </a:xfrm>
+          <a:prstGeom prst="rect">
+            <a:avLst/>
+          </a:prstGeom>
+          <a:noFill/>
+        </p:spPr>
+        <p:txBody>
+          <a:bodyPr wrap="none" rtlCol="0">
+            <a:spAutoFit/>
+          </a:bodyPr>
+          <a:lstStyle/>
+          <a:p>
+            <a:r>
+              <a:rPr lang="en-US" dirty="0"/>
+              <a:t>2012</a:t>
+            </a:r>
+          </a:p>
+        </p:txBody>
+      </p:sp>
+      <p:sp>
+        <p:nvSpPr>
+          <p:cNvPr id="10" name="TextBox 9"/>
+          <p:cNvSpPr txBox="1"/>
+          <p:nvPr/>
+        </p:nvSpPr>
+        <p:spPr>
+          <a:xfrm>
+            <a:off x="4387516" y="490116"/>
+            <a:ext cx="652743" cy="369332"/>
+          </a:xfrm>
+          <a:prstGeom prst="rect">
+            <a:avLst/>
+          </a:prstGeom>
+          <a:noFill/>
+        </p:spPr>
+        <p:txBody>
+          <a:bodyPr wrap="none" rtlCol="0">
+            <a:spAutoFit/>
+          </a:bodyPr>
+          <a:lstStyle/>
+          <a:p>
+            <a:r>
+              <a:rPr lang="en-US" dirty="0"/>
+              <a:t>2015</a:t>
             </a:r>
           </a:p>
         </p:txBody>
       </p:sp>
       <p:pic>
         <p:nvPicPr>
-          <p:cNvPr id="3" name="Picture 2"/>
+          <p:cNvPr id="11" name="Picture 10"/>
           <p:cNvPicPr>
             <a:picLocks noChangeAspect="1"/>
           </p:cNvPicPr>
@@ -4531,8 +4693,8 @@
         </p:blipFill>
         <p:spPr>
           <a:xfrm>
-            <a:off x="204848" y="279177"/>
-            <a:ext cx="8610600" cy="3448050"/>
+            <a:off x="982581" y="891532"/>
+            <a:ext cx="2442410" cy="1708233"/>
           </a:xfrm>
           <a:prstGeom prst="rect">
             <a:avLst/>
@@ -4541,7 +4703,7 @@
       </p:pic>
       <p:pic>
         <p:nvPicPr>
-          <p:cNvPr id="4" name="Picture 3"/>
+          <p:cNvPr id="12" name="Picture 11"/>
           <p:cNvPicPr>
             <a:picLocks noChangeAspect="1"/>
           </p:cNvPicPr>
@@ -4555,117 +4717,216 @@
         </p:blipFill>
         <p:spPr>
           <a:xfrm>
-            <a:off x="5754275" y="2288379"/>
-            <a:ext cx="4897891" cy="4262225"/>
+            <a:off x="3685424" y="907574"/>
+            <a:ext cx="2418598" cy="1695211"/>
           </a:xfrm>
           <a:prstGeom prst="rect">
             <a:avLst/>
           </a:prstGeom>
         </p:spPr>
       </p:pic>
-      <p:cxnSp>
-        <p:nvCxnSpPr>
-          <p:cNvPr id="6" name="Straight Connector 5"/>
-          <p:cNvCxnSpPr/>
-          <p:nvPr/>
-        </p:nvCxnSpPr>
-        <p:spPr>
-          <a:xfrm>
-            <a:off x="5438899" y="2208810"/>
-            <a:ext cx="0" cy="4476998"/>
-          </a:xfrm>
-          <a:prstGeom prst="line">
-            <a:avLst/>
-          </a:prstGeom>
-        </p:spPr>
-        <p:style>
-          <a:lnRef idx="1">
-            <a:schemeClr val="accent1"/>
-          </a:lnRef>
-          <a:fillRef idx="0">
-            <a:schemeClr val="accent1"/>
-          </a:fillRef>
-          <a:effectRef idx="0">
-            <a:schemeClr val="accent1"/>
-          </a:effectRef>
-          <a:fontRef idx="minor">
-            <a:schemeClr val="tx1"/>
-          </a:fontRef>
-        </p:style>
-      </p:cxnSp>
-      <p:cxnSp>
-        <p:nvCxnSpPr>
-          <p:cNvPr id="8" name="Straight Connector 7"/>
-          <p:cNvCxnSpPr/>
-          <p:nvPr/>
-        </p:nvCxnSpPr>
-        <p:spPr>
-          <a:xfrm>
-            <a:off x="5474525" y="2196935"/>
-            <a:ext cx="6187044" cy="0"/>
-          </a:xfrm>
-          <a:prstGeom prst="line">
-            <a:avLst/>
-          </a:prstGeom>
-        </p:spPr>
-        <p:style>
-          <a:lnRef idx="1">
-            <a:schemeClr val="accent1"/>
-          </a:lnRef>
-          <a:fillRef idx="0">
-            <a:schemeClr val="accent1"/>
-          </a:fillRef>
-          <a:effectRef idx="0">
-            <a:schemeClr val="accent1"/>
-          </a:effectRef>
-          <a:fontRef idx="minor">
-            <a:schemeClr val="tx1"/>
-          </a:fontRef>
-        </p:style>
-      </p:cxnSp>
-      <p:cxnSp>
-        <p:nvCxnSpPr>
-          <p:cNvPr id="12" name="Straight Arrow Connector 11"/>
-          <p:cNvCxnSpPr/>
-          <p:nvPr/>
-        </p:nvCxnSpPr>
-        <p:spPr>
-          <a:xfrm>
-            <a:off x="4510148" y="4892634"/>
-            <a:ext cx="2092533" cy="59376"/>
-          </a:xfrm>
-          <a:prstGeom prst="straightConnector1">
-            <a:avLst/>
-          </a:prstGeom>
-          <a:ln>
-            <a:tailEnd type="triangle"/>
-          </a:ln>
-        </p:spPr>
-        <p:style>
-          <a:lnRef idx="1">
-            <a:schemeClr val="accent1"/>
-          </a:lnRef>
-          <a:fillRef idx="0">
-            <a:schemeClr val="accent1"/>
-          </a:fillRef>
-          <a:effectRef idx="0">
-            <a:schemeClr val="accent1"/>
-          </a:effectRef>
-          <a:fontRef idx="minor">
-            <a:schemeClr val="tx1"/>
-          </a:fontRef>
-        </p:style>
-      </p:cxnSp>
-      <p:sp>
-        <p:nvSpPr>
-          <p:cNvPr id="13" name="TextBox 12"/>
+      <p:pic>
+        <p:nvPicPr>
+          <p:cNvPr id="13" name="Picture 12"/>
+          <p:cNvPicPr>
+            <a:picLocks noChangeAspect="1"/>
+          </p:cNvPicPr>
+          <p:nvPr/>
+        </p:nvPicPr>
+        <p:blipFill>
+          <a:blip r:embed="rId4"/>
+          <a:stretch>
+            <a:fillRect/>
+          </a:stretch>
+        </p:blipFill>
+        <p:spPr>
+          <a:xfrm>
+            <a:off x="3632891" y="2666953"/>
+            <a:ext cx="2223266" cy="1537648"/>
+          </a:xfrm>
+          <a:prstGeom prst="rect">
+            <a:avLst/>
+          </a:prstGeom>
+        </p:spPr>
+      </p:pic>
+      <p:pic>
+        <p:nvPicPr>
+          <p:cNvPr id="14" name="Picture 13"/>
+          <p:cNvPicPr>
+            <a:picLocks noChangeAspect="1"/>
+          </p:cNvPicPr>
+          <p:nvPr/>
+        </p:nvPicPr>
+        <p:blipFill>
+          <a:blip r:embed="rId5"/>
+          <a:stretch>
+            <a:fillRect/>
+          </a:stretch>
+        </p:blipFill>
+        <p:spPr>
+          <a:xfrm>
+            <a:off x="855010" y="2570701"/>
+            <a:ext cx="2618107" cy="1817914"/>
+          </a:xfrm>
+          <a:prstGeom prst="rect">
+            <a:avLst/>
+          </a:prstGeom>
+        </p:spPr>
+      </p:pic>
+      <p:pic>
+        <p:nvPicPr>
+          <p:cNvPr id="15" name="Picture 14"/>
+          <p:cNvPicPr>
+            <a:picLocks noChangeAspect="1"/>
+          </p:cNvPicPr>
+          <p:nvPr/>
+        </p:nvPicPr>
+        <p:blipFill>
+          <a:blip r:embed="rId6"/>
+          <a:stretch>
+            <a:fillRect/>
+          </a:stretch>
+        </p:blipFill>
+        <p:spPr>
+          <a:xfrm>
+            <a:off x="3687180" y="4637735"/>
+            <a:ext cx="2233145" cy="1551167"/>
+          </a:xfrm>
+          <a:prstGeom prst="rect">
+            <a:avLst/>
+          </a:prstGeom>
+        </p:spPr>
+      </p:pic>
+      <p:pic>
+        <p:nvPicPr>
+          <p:cNvPr id="16" name="Picture 15"/>
+          <p:cNvPicPr>
+            <a:picLocks noChangeAspect="1"/>
+          </p:cNvPicPr>
+          <p:nvPr/>
+        </p:nvPicPr>
+        <p:blipFill>
+          <a:blip r:embed="rId7"/>
+          <a:stretch>
+            <a:fillRect/>
+          </a:stretch>
+        </p:blipFill>
+        <p:spPr>
+          <a:xfrm>
+            <a:off x="931823" y="4557525"/>
+            <a:ext cx="2557336" cy="1747765"/>
+          </a:xfrm>
+          <a:prstGeom prst="rect">
+            <a:avLst/>
+          </a:prstGeom>
+        </p:spPr>
+      </p:pic>
+      <p:pic>
+        <p:nvPicPr>
+          <p:cNvPr id="17" name="Picture 16"/>
+          <p:cNvPicPr>
+            <a:picLocks noChangeAspect="1"/>
+          </p:cNvPicPr>
+          <p:nvPr/>
+        </p:nvPicPr>
+        <p:blipFill>
+          <a:blip r:embed="rId8"/>
+          <a:stretch>
+            <a:fillRect/>
+          </a:stretch>
+        </p:blipFill>
+        <p:spPr>
+          <a:xfrm>
+            <a:off x="6847057" y="786293"/>
+            <a:ext cx="2512846" cy="1734531"/>
+          </a:xfrm>
+          <a:prstGeom prst="rect">
+            <a:avLst/>
+          </a:prstGeom>
+        </p:spPr>
+      </p:pic>
+      <p:pic>
+        <p:nvPicPr>
+          <p:cNvPr id="18" name="Picture 17"/>
+          <p:cNvPicPr>
+            <a:picLocks noChangeAspect="1"/>
+          </p:cNvPicPr>
+          <p:nvPr/>
+        </p:nvPicPr>
+        <p:blipFill>
+          <a:blip r:embed="rId9"/>
+          <a:stretch>
+            <a:fillRect/>
+          </a:stretch>
+        </p:blipFill>
+        <p:spPr>
+          <a:xfrm>
+            <a:off x="9369597" y="2854562"/>
+            <a:ext cx="2653417" cy="1815908"/>
+          </a:xfrm>
+          <a:prstGeom prst="rect">
+            <a:avLst/>
+          </a:prstGeom>
+        </p:spPr>
+      </p:pic>
+      <p:pic>
+        <p:nvPicPr>
+          <p:cNvPr id="19" name="Picture 18"/>
+          <p:cNvPicPr>
+            <a:picLocks noChangeAspect="1"/>
+          </p:cNvPicPr>
+          <p:nvPr/>
+        </p:nvPicPr>
+        <p:blipFill>
+          <a:blip r:embed="rId10"/>
+          <a:stretch>
+            <a:fillRect/>
+          </a:stretch>
+        </p:blipFill>
+        <p:spPr>
+          <a:xfrm>
+            <a:off x="9431840" y="738167"/>
+            <a:ext cx="2783708" cy="1880660"/>
+          </a:xfrm>
+          <a:prstGeom prst="rect">
+            <a:avLst/>
+          </a:prstGeom>
+        </p:spPr>
+      </p:pic>
+      <p:pic>
+        <p:nvPicPr>
+          <p:cNvPr id="20" name="Picture 19"/>
+          <p:cNvPicPr>
+            <a:picLocks noChangeAspect="1"/>
+          </p:cNvPicPr>
+          <p:nvPr/>
+        </p:nvPicPr>
+        <p:blipFill>
+          <a:blip r:embed="rId11"/>
+          <a:stretch>
+            <a:fillRect/>
+          </a:stretch>
+        </p:blipFill>
+        <p:spPr>
+          <a:xfrm>
+            <a:off x="6878458" y="2854562"/>
+            <a:ext cx="2526156" cy="1724083"/>
+          </a:xfrm>
+          <a:prstGeom prst="rect">
+            <a:avLst/>
+          </a:prstGeom>
+        </p:spPr>
+      </p:pic>
+      <p:sp>
+        <p:nvSpPr>
+          <p:cNvPr id="21" name="TextBox 20"/>
           <p:cNvSpPr txBox="1"/>
           <p:nvPr/>
         </p:nvSpPr>
         <p:spPr>
           <a:xfrm>
-            <a:off x="1769423" y="4447309"/>
-            <a:ext cx="3350917" cy="1477328"/>
+            <a:off x="7852610" y="490116"/>
+            <a:ext cx="652743" cy="369332"/>
           </a:xfrm>
           <a:prstGeom prst="rect">
             <a:avLst/>
@@ -4680,63 +4941,68 @@
           <a:p>
             <a:r>
               <a:rPr lang="en-US" dirty="0"/>
-              <a:t>Remember that everything here </a:t>
-            </a:r>
-          </a:p>
-          <a:p>
-            <a:r>
-              <a:rPr lang="en-US" dirty="0"/>
-              <a:t>is stack-confined up until the </a:t>
-            </a:r>
-          </a:p>
-          <a:p>
-            <a:r>
-              <a:rPr lang="en-US" dirty="0"/>
-              <a:t>drawing, which is confined to the </a:t>
-            </a:r>
-          </a:p>
-          <a:p>
-            <a:r>
-              <a:rPr lang="en-US" dirty="0"/>
-              <a:t>AWT thread and hence is single-</a:t>
-            </a:r>
-          </a:p>
-          <a:p>
-            <a:r>
-              <a:rPr lang="en-US" dirty="0"/>
-              <a:t>threaded!</a:t>
-            </a:r>
-          </a:p>
-        </p:txBody>
-      </p:sp>
-      <p:sp>
-        <p:nvSpPr>
-          <p:cNvPr id="14" name="Rectangle 13"/>
-          <p:cNvSpPr/>
-          <p:nvPr/>
-        </p:nvSpPr>
-        <p:spPr>
-          <a:xfrm>
-            <a:off x="5320859" y="6575959"/>
-            <a:ext cx="8880048" cy="292388"/>
-          </a:xfrm>
-          <a:prstGeom prst="rect">
-            <a:avLst/>
-          </a:prstGeom>
-        </p:spPr>
-        <p:txBody>
-          <a:bodyPr wrap="square">
+              <a:t>2012</a:t>
+            </a:r>
+          </a:p>
+        </p:txBody>
+      </p:sp>
+      <p:sp>
+        <p:nvSpPr>
+          <p:cNvPr id="22" name="TextBox 21"/>
+          <p:cNvSpPr txBox="1"/>
+          <p:nvPr/>
+        </p:nvSpPr>
+        <p:spPr>
+          <a:xfrm>
+            <a:off x="10555705" y="466053"/>
+            <a:ext cx="652743" cy="369332"/>
+          </a:xfrm>
+          <a:prstGeom prst="rect">
+            <a:avLst/>
+          </a:prstGeom>
+          <a:noFill/>
+        </p:spPr>
+        <p:txBody>
+          <a:bodyPr wrap="none" rtlCol="0">
             <a:spAutoFit/>
           </a:bodyPr>
           <a:lstStyle/>
           <a:p>
             <a:r>
-              <a:rPr lang="en-US" sz="1300" dirty="0">
-                <a:solidFill>
-                  <a:srgbClr val="FF0000"/>
-                </a:solidFill>
+              <a:rPr lang="en-US" dirty="0"/>
+              <a:t>2015</a:t>
+            </a:r>
+          </a:p>
+        </p:txBody>
+      </p:sp>
+      <p:sp>
+        <p:nvSpPr>
+          <p:cNvPr id="2" name="TextBox 1"/>
+          <p:cNvSpPr txBox="1"/>
+          <p:nvPr/>
+        </p:nvSpPr>
+        <p:spPr>
+          <a:xfrm>
+            <a:off x="783771" y="-11876"/>
+            <a:ext cx="8802410" cy="369332"/>
+          </a:xfrm>
+          <a:prstGeom prst="rect">
+            <a:avLst/>
+          </a:prstGeom>
+          <a:noFill/>
+        </p:spPr>
+        <p:txBody>
+          <a:bodyPr wrap="none" rtlCol="0">
+            <a:spAutoFit/>
+          </a:bodyPr>
+          <a:lstStyle/>
+          <a:p>
+            <a:r>
+              <a:rPr lang="en-US" dirty="0">
+                <a:latin typeface="Arial" panose="020B0604020202020204" pitchFamily="34" charset="0"/>
+                <a:cs typeface="Arial" panose="020B0604020202020204" pitchFamily="34" charset="0"/>
               </a:rPr>
-              <a:t>https://github.com/afodor/WekaExamples/blob/master/src/examples/TestClassify.java</a:t>
+              <a:t>Comparison of two 16S microbiome datasets for colorectal adenomas from my lab…</a:t>
             </a:r>
           </a:p>
         </p:txBody>
@@ -4744,7 +5010,7 @@
     </p:spTree>
     <p:extLst>
       <p:ext uri="{BB962C8B-B14F-4D97-AF65-F5344CB8AC3E}">
-        <p14:creationId xmlns:p14="http://schemas.microsoft.com/office/powerpoint/2010/main" val="194292275"/>
+        <p14:creationId xmlns:p14="http://schemas.microsoft.com/office/powerpoint/2010/main" val="4102081979"/>
       </p:ext>
     </p:extLst>
   </p:cSld>
@@ -5378,9 +5644,41 @@
           <a:chExt cx="0" cy="0"/>
         </a:xfrm>
       </p:grpSpPr>
+      <p:sp>
+        <p:nvSpPr>
+          <p:cNvPr id="2" name="TextBox 1"/>
+          <p:cNvSpPr txBox="1"/>
+          <p:nvPr/>
+        </p:nvSpPr>
+        <p:spPr>
+          <a:xfrm>
+            <a:off x="676894" y="213756"/>
+            <a:ext cx="5429692" cy="369332"/>
+          </a:xfrm>
+          <a:prstGeom prst="rect">
+            <a:avLst/>
+          </a:prstGeom>
+          <a:noFill/>
+        </p:spPr>
+        <p:txBody>
+          <a:bodyPr wrap="none" rtlCol="0">
+            <a:spAutoFit/>
+          </a:bodyPr>
+          <a:lstStyle/>
+          <a:p>
+            <a:r>
+              <a:rPr lang="en-US" dirty="0">
+                <a:latin typeface="Arial" panose="020B0604020202020204" pitchFamily="34" charset="0"/>
+                <a:cs typeface="Arial" panose="020B0604020202020204" pitchFamily="34" charset="0"/>
+              </a:rPr>
+              <a:t>Multi-threaded application seems straight-forward…</a:t>
+            </a:r>
+          </a:p>
+        </p:txBody>
+      </p:sp>
       <p:pic>
         <p:nvPicPr>
-          <p:cNvPr id="2" name="Picture 1"/>
+          <p:cNvPr id="3" name="Picture 2"/>
           <p:cNvPicPr>
             <a:picLocks noChangeAspect="1"/>
           </p:cNvPicPr>
@@ -5394,17 +5692,378 @@
         </p:blipFill>
         <p:spPr>
           <a:xfrm>
-            <a:off x="1397144" y="1060799"/>
-            <a:ext cx="9156172" cy="4378099"/>
+            <a:off x="7818540" y="398422"/>
+            <a:ext cx="3181350" cy="2219325"/>
           </a:xfrm>
           <a:prstGeom prst="rect">
             <a:avLst/>
           </a:prstGeom>
         </p:spPr>
       </p:pic>
-      <p:sp>
-        <p:nvSpPr>
-          <p:cNvPr id="4" name="Rectangle 3"/>
+      <p:pic>
+        <p:nvPicPr>
+          <p:cNvPr id="4" name="Picture 3"/>
+          <p:cNvPicPr>
+            <a:picLocks noChangeAspect="1"/>
+          </p:cNvPicPr>
+          <p:nvPr/>
+        </p:nvPicPr>
+        <p:blipFill>
+          <a:blip r:embed="rId3"/>
+          <a:stretch>
+            <a:fillRect/>
+          </a:stretch>
+        </p:blipFill>
+        <p:spPr>
+          <a:xfrm>
+            <a:off x="8185252" y="2703048"/>
+            <a:ext cx="2447925" cy="323850"/>
+          </a:xfrm>
+          <a:prstGeom prst="rect">
+            <a:avLst/>
+          </a:prstGeom>
+        </p:spPr>
+      </p:pic>
+      <p:pic>
+        <p:nvPicPr>
+          <p:cNvPr id="5" name="Picture 4"/>
+          <p:cNvPicPr>
+            <a:picLocks noChangeAspect="1"/>
+          </p:cNvPicPr>
+          <p:nvPr/>
+        </p:nvPicPr>
+        <p:blipFill>
+          <a:blip r:embed="rId4"/>
+          <a:stretch>
+            <a:fillRect/>
+          </a:stretch>
+        </p:blipFill>
+        <p:spPr>
+          <a:xfrm>
+            <a:off x="274739" y="3112199"/>
+            <a:ext cx="9134475" cy="3562350"/>
+          </a:xfrm>
+          <a:prstGeom prst="rect">
+            <a:avLst/>
+          </a:prstGeom>
+        </p:spPr>
+      </p:pic>
+      <p:sp>
+        <p:nvSpPr>
+          <p:cNvPr id="6" name="Rectangle 5"/>
+          <p:cNvSpPr/>
+          <p:nvPr/>
+        </p:nvSpPr>
+        <p:spPr>
+          <a:xfrm>
+            <a:off x="5601191" y="6489902"/>
+            <a:ext cx="6096000" cy="276999"/>
+          </a:xfrm>
+          <a:prstGeom prst="rect">
+            <a:avLst/>
+          </a:prstGeom>
+        </p:spPr>
+        <p:txBody>
+          <a:bodyPr>
+            <a:spAutoFit/>
+          </a:bodyPr>
+          <a:lstStyle/>
+          <a:p>
+            <a:r>
+              <a:rPr lang="en-US" sz="1200" dirty="0"/>
+              <a:t>https://github.com/afodor/WekaExamples/blob/master/src/examples/RunOneROCCurve.java</a:t>
+            </a:r>
+          </a:p>
+        </p:txBody>
+      </p:sp>
+      <p:sp>
+        <p:nvSpPr>
+          <p:cNvPr id="7" name="TextBox 6"/>
+          <p:cNvSpPr txBox="1"/>
+          <p:nvPr/>
+        </p:nvSpPr>
+        <p:spPr>
+          <a:xfrm>
+            <a:off x="1056904" y="819397"/>
+            <a:ext cx="4851777" cy="369332"/>
+          </a:xfrm>
+          <a:prstGeom prst="rect">
+            <a:avLst/>
+          </a:prstGeom>
+          <a:noFill/>
+        </p:spPr>
+        <p:txBody>
+          <a:bodyPr wrap="none" rtlCol="0">
+            <a:spAutoFit/>
+          </a:bodyPr>
+          <a:lstStyle/>
+          <a:p>
+            <a:r>
+              <a:rPr lang="en-US" dirty="0"/>
+              <a:t>A very robust 7.87 fold speedup on an 8 core box!</a:t>
+            </a:r>
+          </a:p>
+        </p:txBody>
+      </p:sp>
+    </p:spTree>
+    <p:extLst>
+      <p:ext uri="{BB962C8B-B14F-4D97-AF65-F5344CB8AC3E}">
+        <p14:creationId xmlns:p14="http://schemas.microsoft.com/office/powerpoint/2010/main" val="1309905470"/>
+      </p:ext>
+    </p:extLst>
+  </p:cSld>
+  <p:clrMapOvr>
+    <a:masterClrMapping/>
+  </p:clrMapOvr>
+</p:sld>
+</file>
+
+<file path=ppt/slides/slide21.xml><?xml version="1.0" encoding="utf-8"?>
+<p:sld xmlns:a="http://schemas.openxmlformats.org/drawingml/2006/main" xmlns:r="http://schemas.openxmlformats.org/officeDocument/2006/relationships" xmlns:p="http://schemas.openxmlformats.org/presentationml/2006/main">
+  <p:cSld>
+    <p:spTree>
+      <p:nvGrpSpPr>
+        <p:cNvPr id="1" name=""/>
+        <p:cNvGrpSpPr/>
+        <p:nvPr/>
+      </p:nvGrpSpPr>
+      <p:grpSpPr>
+        <a:xfrm>
+          <a:off x="0" y="0"/>
+          <a:ext cx="0" cy="0"/>
+          <a:chOff x="0" y="0"/>
+          <a:chExt cx="0" cy="0"/>
+        </a:xfrm>
+      </p:grpSpPr>
+      <p:sp>
+        <p:nvSpPr>
+          <p:cNvPr id="2" name="TextBox 1"/>
+          <p:cNvSpPr txBox="1"/>
+          <p:nvPr/>
+        </p:nvSpPr>
+        <p:spPr>
+          <a:xfrm>
+            <a:off x="-35627" y="-59377"/>
+            <a:ext cx="11555856" cy="338554"/>
+          </a:xfrm>
+          <a:prstGeom prst="rect">
+            <a:avLst/>
+          </a:prstGeom>
+          <a:noFill/>
+        </p:spPr>
+        <p:txBody>
+          <a:bodyPr wrap="none" rtlCol="0">
+            <a:spAutoFit/>
+          </a:bodyPr>
+          <a:lstStyle/>
+          <a:p>
+            <a:r>
+              <a:rPr lang="en-US" sz="1600" dirty="0">
+                <a:latin typeface="Arial" panose="020B0604020202020204" pitchFamily="34" charset="0"/>
+                <a:cs typeface="Arial" panose="020B0604020202020204" pitchFamily="34" charset="0"/>
+              </a:rPr>
+              <a:t>How do we make this multi-threaded?  Start (as usual) by making a Worker class. Not much will be shared between workers..</a:t>
+            </a:r>
+          </a:p>
+        </p:txBody>
+      </p:sp>
+      <p:pic>
+        <p:nvPicPr>
+          <p:cNvPr id="3" name="Picture 2"/>
+          <p:cNvPicPr>
+            <a:picLocks noChangeAspect="1"/>
+          </p:cNvPicPr>
+          <p:nvPr/>
+        </p:nvPicPr>
+        <p:blipFill>
+          <a:blip r:embed="rId2"/>
+          <a:stretch>
+            <a:fillRect/>
+          </a:stretch>
+        </p:blipFill>
+        <p:spPr>
+          <a:xfrm>
+            <a:off x="204848" y="279177"/>
+            <a:ext cx="8610600" cy="3448050"/>
+          </a:xfrm>
+          <a:prstGeom prst="rect">
+            <a:avLst/>
+          </a:prstGeom>
+        </p:spPr>
+      </p:pic>
+      <p:pic>
+        <p:nvPicPr>
+          <p:cNvPr id="4" name="Picture 3"/>
+          <p:cNvPicPr>
+            <a:picLocks noChangeAspect="1"/>
+          </p:cNvPicPr>
+          <p:nvPr/>
+        </p:nvPicPr>
+        <p:blipFill>
+          <a:blip r:embed="rId3"/>
+          <a:stretch>
+            <a:fillRect/>
+          </a:stretch>
+        </p:blipFill>
+        <p:spPr>
+          <a:xfrm>
+            <a:off x="5754275" y="2288379"/>
+            <a:ext cx="4897891" cy="4262225"/>
+          </a:xfrm>
+          <a:prstGeom prst="rect">
+            <a:avLst/>
+          </a:prstGeom>
+        </p:spPr>
+      </p:pic>
+      <p:cxnSp>
+        <p:nvCxnSpPr>
+          <p:cNvPr id="6" name="Straight Connector 5"/>
+          <p:cNvCxnSpPr/>
+          <p:nvPr/>
+        </p:nvCxnSpPr>
+        <p:spPr>
+          <a:xfrm>
+            <a:off x="5438899" y="2208810"/>
+            <a:ext cx="0" cy="4476998"/>
+          </a:xfrm>
+          <a:prstGeom prst="line">
+            <a:avLst/>
+          </a:prstGeom>
+        </p:spPr>
+        <p:style>
+          <a:lnRef idx="1">
+            <a:schemeClr val="accent1"/>
+          </a:lnRef>
+          <a:fillRef idx="0">
+            <a:schemeClr val="accent1"/>
+          </a:fillRef>
+          <a:effectRef idx="0">
+            <a:schemeClr val="accent1"/>
+          </a:effectRef>
+          <a:fontRef idx="minor">
+            <a:schemeClr val="tx1"/>
+          </a:fontRef>
+        </p:style>
+      </p:cxnSp>
+      <p:cxnSp>
+        <p:nvCxnSpPr>
+          <p:cNvPr id="8" name="Straight Connector 7"/>
+          <p:cNvCxnSpPr/>
+          <p:nvPr/>
+        </p:nvCxnSpPr>
+        <p:spPr>
+          <a:xfrm>
+            <a:off x="5474525" y="2196935"/>
+            <a:ext cx="6187044" cy="0"/>
+          </a:xfrm>
+          <a:prstGeom prst="line">
+            <a:avLst/>
+          </a:prstGeom>
+        </p:spPr>
+        <p:style>
+          <a:lnRef idx="1">
+            <a:schemeClr val="accent1"/>
+          </a:lnRef>
+          <a:fillRef idx="0">
+            <a:schemeClr val="accent1"/>
+          </a:fillRef>
+          <a:effectRef idx="0">
+            <a:schemeClr val="accent1"/>
+          </a:effectRef>
+          <a:fontRef idx="minor">
+            <a:schemeClr val="tx1"/>
+          </a:fontRef>
+        </p:style>
+      </p:cxnSp>
+      <p:cxnSp>
+        <p:nvCxnSpPr>
+          <p:cNvPr id="12" name="Straight Arrow Connector 11"/>
+          <p:cNvCxnSpPr/>
+          <p:nvPr/>
+        </p:nvCxnSpPr>
+        <p:spPr>
+          <a:xfrm>
+            <a:off x="4510148" y="4892634"/>
+            <a:ext cx="2092533" cy="59376"/>
+          </a:xfrm>
+          <a:prstGeom prst="straightConnector1">
+            <a:avLst/>
+          </a:prstGeom>
+          <a:ln>
+            <a:tailEnd type="triangle"/>
+          </a:ln>
+        </p:spPr>
+        <p:style>
+          <a:lnRef idx="1">
+            <a:schemeClr val="accent1"/>
+          </a:lnRef>
+          <a:fillRef idx="0">
+            <a:schemeClr val="accent1"/>
+          </a:fillRef>
+          <a:effectRef idx="0">
+            <a:schemeClr val="accent1"/>
+          </a:effectRef>
+          <a:fontRef idx="minor">
+            <a:schemeClr val="tx1"/>
+          </a:fontRef>
+        </p:style>
+      </p:cxnSp>
+      <p:sp>
+        <p:nvSpPr>
+          <p:cNvPr id="13" name="TextBox 12"/>
+          <p:cNvSpPr txBox="1"/>
+          <p:nvPr/>
+        </p:nvSpPr>
+        <p:spPr>
+          <a:xfrm>
+            <a:off x="1769423" y="4447309"/>
+            <a:ext cx="3350917" cy="1477328"/>
+          </a:xfrm>
+          <a:prstGeom prst="rect">
+            <a:avLst/>
+          </a:prstGeom>
+          <a:noFill/>
+        </p:spPr>
+        <p:txBody>
+          <a:bodyPr wrap="none" rtlCol="0">
+            <a:spAutoFit/>
+          </a:bodyPr>
+          <a:lstStyle/>
+          <a:p>
+            <a:r>
+              <a:rPr lang="en-US" dirty="0"/>
+              <a:t>Remember that everything here </a:t>
+            </a:r>
+          </a:p>
+          <a:p>
+            <a:r>
+              <a:rPr lang="en-US" dirty="0"/>
+              <a:t>is stack-confined up until the </a:t>
+            </a:r>
+          </a:p>
+          <a:p>
+            <a:r>
+              <a:rPr lang="en-US" dirty="0"/>
+              <a:t>drawing, which is confined to the </a:t>
+            </a:r>
+          </a:p>
+          <a:p>
+            <a:r>
+              <a:rPr lang="en-US" dirty="0"/>
+              <a:t>AWT thread and hence is single-</a:t>
+            </a:r>
+          </a:p>
+          <a:p>
+            <a:r>
+              <a:rPr lang="en-US" dirty="0"/>
+              <a:t>threaded!</a:t>
+            </a:r>
+          </a:p>
+        </p:txBody>
+      </p:sp>
+      <p:sp>
+        <p:nvSpPr>
+          <p:cNvPr id="14" name="Rectangle 13"/>
           <p:cNvSpPr/>
           <p:nvPr/>
         </p:nvSpPr>
@@ -5434,6 +6093,92 @@
           </a:p>
         </p:txBody>
       </p:sp>
+    </p:spTree>
+    <p:extLst>
+      <p:ext uri="{BB962C8B-B14F-4D97-AF65-F5344CB8AC3E}">
+        <p14:creationId xmlns:p14="http://schemas.microsoft.com/office/powerpoint/2010/main" val="194292275"/>
+      </p:ext>
+    </p:extLst>
+  </p:cSld>
+  <p:clrMapOvr>
+    <a:masterClrMapping/>
+  </p:clrMapOvr>
+</p:sld>
+</file>
+
+<file path=ppt/slides/slide22.xml><?xml version="1.0" encoding="utf-8"?>
+<p:sld xmlns:a="http://schemas.openxmlformats.org/drawingml/2006/main" xmlns:r="http://schemas.openxmlformats.org/officeDocument/2006/relationships" xmlns:p="http://schemas.openxmlformats.org/presentationml/2006/main">
+  <p:cSld>
+    <p:spTree>
+      <p:nvGrpSpPr>
+        <p:cNvPr id="1" name=""/>
+        <p:cNvGrpSpPr/>
+        <p:nvPr/>
+      </p:nvGrpSpPr>
+      <p:grpSpPr>
+        <a:xfrm>
+          <a:off x="0" y="0"/>
+          <a:ext cx="0" cy="0"/>
+          <a:chOff x="0" y="0"/>
+          <a:chExt cx="0" cy="0"/>
+        </a:xfrm>
+      </p:grpSpPr>
+      <p:pic>
+        <p:nvPicPr>
+          <p:cNvPr id="2" name="Picture 1"/>
+          <p:cNvPicPr>
+            <a:picLocks noChangeAspect="1"/>
+          </p:cNvPicPr>
+          <p:nvPr/>
+        </p:nvPicPr>
+        <p:blipFill>
+          <a:blip r:embed="rId2"/>
+          <a:stretch>
+            <a:fillRect/>
+          </a:stretch>
+        </p:blipFill>
+        <p:spPr>
+          <a:xfrm>
+            <a:off x="1397144" y="1060799"/>
+            <a:ext cx="9156172" cy="4378099"/>
+          </a:xfrm>
+          <a:prstGeom prst="rect">
+            <a:avLst/>
+          </a:prstGeom>
+        </p:spPr>
+      </p:pic>
+      <p:sp>
+        <p:nvSpPr>
+          <p:cNvPr id="4" name="Rectangle 3"/>
+          <p:cNvSpPr/>
+          <p:nvPr/>
+        </p:nvSpPr>
+        <p:spPr>
+          <a:xfrm>
+            <a:off x="5320859" y="6575959"/>
+            <a:ext cx="8880048" cy="292388"/>
+          </a:xfrm>
+          <a:prstGeom prst="rect">
+            <a:avLst/>
+          </a:prstGeom>
+        </p:spPr>
+        <p:txBody>
+          <a:bodyPr wrap="square">
+            <a:spAutoFit/>
+          </a:bodyPr>
+          <a:lstStyle/>
+          <a:p>
+            <a:r>
+              <a:rPr lang="en-US" sz="1300" dirty="0">
+                <a:solidFill>
+                  <a:srgbClr val="FF0000"/>
+                </a:solidFill>
+              </a:rPr>
+              <a:t>https://github.com/afodor/WekaExamples/blob/master/src/examples/TestClassify.java</a:t>
+            </a:r>
+          </a:p>
+        </p:txBody>
+      </p:sp>
       <p:sp>
         <p:nvSpPr>
           <p:cNvPr id="5" name="TextBox 4"/>
@@ -5470,6 +6215,1336 @@
     <p:extLst>
       <p:ext uri="{BB962C8B-B14F-4D97-AF65-F5344CB8AC3E}">
         <p14:creationId xmlns:p14="http://schemas.microsoft.com/office/powerpoint/2010/main" val="1217630876"/>
+      </p:ext>
+    </p:extLst>
+  </p:cSld>
+  <p:clrMapOvr>
+    <a:masterClrMapping/>
+  </p:clrMapOvr>
+</p:sld>
+</file>
+
+<file path=ppt/slides/slide23.xml><?xml version="1.0" encoding="utf-8"?>
+<p:sld xmlns:a="http://schemas.openxmlformats.org/drawingml/2006/main" xmlns:r="http://schemas.openxmlformats.org/officeDocument/2006/relationships" xmlns:p="http://schemas.openxmlformats.org/presentationml/2006/main">
+  <p:cSld>
+    <p:spTree>
+      <p:nvGrpSpPr>
+        <p:cNvPr id="1" name=""/>
+        <p:cNvGrpSpPr/>
+        <p:nvPr/>
+      </p:nvGrpSpPr>
+      <p:grpSpPr>
+        <a:xfrm>
+          <a:off x="0" y="0"/>
+          <a:ext cx="0" cy="0"/>
+          <a:chOff x="0" y="0"/>
+          <a:chExt cx="0" cy="0"/>
+        </a:xfrm>
+      </p:grpSpPr>
+      <p:sp>
+        <p:nvSpPr>
+          <p:cNvPr id="2" name="TextBox 1"/>
+          <p:cNvSpPr txBox="1"/>
+          <p:nvPr/>
+        </p:nvSpPr>
+        <p:spPr>
+          <a:xfrm>
+            <a:off x="617517" y="320634"/>
+            <a:ext cx="10007868" cy="3139321"/>
+          </a:xfrm>
+          <a:prstGeom prst="rect">
+            <a:avLst/>
+          </a:prstGeom>
+          <a:noFill/>
+        </p:spPr>
+        <p:txBody>
+          <a:bodyPr wrap="none" rtlCol="0">
+            <a:spAutoFit/>
+          </a:bodyPr>
+          <a:lstStyle/>
+          <a:p>
+            <a:r>
+              <a:rPr lang="en-US" dirty="0">
+                <a:latin typeface="Arial" panose="020B0604020202020204" pitchFamily="34" charset="0"/>
+                <a:cs typeface="Arial" panose="020B0604020202020204" pitchFamily="34" charset="0"/>
+              </a:rPr>
+              <a:t>(Just because it is bothering me….)</a:t>
+            </a:r>
+          </a:p>
+          <a:p>
+            <a:r>
+              <a:rPr lang="en-US" dirty="0">
+                <a:latin typeface="Arial" panose="020B0604020202020204" pitchFamily="34" charset="0"/>
+                <a:cs typeface="Arial" panose="020B0604020202020204" pitchFamily="34" charset="0"/>
+              </a:rPr>
+              <a:t>Once you go to multi-threaded, there is no reason for each thread to share a Random</a:t>
+            </a:r>
+          </a:p>
+          <a:p>
+            <a:r>
+              <a:rPr lang="en-US" dirty="0">
+                <a:latin typeface="Arial" panose="020B0604020202020204" pitchFamily="34" charset="0"/>
+                <a:cs typeface="Arial" panose="020B0604020202020204" pitchFamily="34" charset="0"/>
+              </a:rPr>
+              <a:t>(you lose determinism so setting an initial seed won’t allow you to exactly reproduce the results).</a:t>
+            </a:r>
+          </a:p>
+          <a:p>
+            <a:r>
+              <a:rPr lang="en-US" dirty="0">
+                <a:latin typeface="Arial" panose="020B0604020202020204" pitchFamily="34" charset="0"/>
+                <a:cs typeface="Arial" panose="020B0604020202020204" pitchFamily="34" charset="0"/>
+              </a:rPr>
+              <a:t>We still want to make sure each random has a unique seed (so we don’t want to use the system</a:t>
+            </a:r>
+          </a:p>
+          <a:p>
+            <a:r>
+              <a:rPr lang="en-US" dirty="0">
+                <a:latin typeface="Arial" panose="020B0604020202020204" pitchFamily="34" charset="0"/>
+                <a:cs typeface="Arial" panose="020B0604020202020204" pitchFamily="34" charset="0"/>
+              </a:rPr>
+              <a:t>time because two threads may be started within 10msecs of each other).</a:t>
+            </a:r>
+          </a:p>
+          <a:p>
+            <a:endParaRPr lang="en-US" dirty="0">
+              <a:latin typeface="Arial" panose="020B0604020202020204" pitchFamily="34" charset="0"/>
+              <a:cs typeface="Arial" panose="020B0604020202020204" pitchFamily="34" charset="0"/>
+            </a:endParaRPr>
+          </a:p>
+          <a:p>
+            <a:r>
+              <a:rPr lang="en-US" dirty="0">
+                <a:latin typeface="Arial" panose="020B0604020202020204" pitchFamily="34" charset="0"/>
+                <a:cs typeface="Arial" panose="020B0604020202020204" pitchFamily="34" charset="0"/>
+              </a:rPr>
+              <a:t>So we create a </a:t>
+            </a:r>
+            <a:r>
+              <a:rPr lang="en-US" dirty="0" err="1">
+                <a:latin typeface="Arial" panose="020B0604020202020204" pitchFamily="34" charset="0"/>
+                <a:cs typeface="Arial" panose="020B0604020202020204" pitchFamily="34" charset="0"/>
+              </a:rPr>
+              <a:t>AtomicLong</a:t>
+            </a:r>
+            <a:r>
+              <a:rPr lang="en-US" dirty="0">
+                <a:latin typeface="Arial" panose="020B0604020202020204" pitchFamily="34" charset="0"/>
+                <a:cs typeface="Arial" panose="020B0604020202020204" pitchFamily="34" charset="0"/>
+              </a:rPr>
+              <a:t> to see and let each thread have its own Random.</a:t>
+            </a:r>
+          </a:p>
+          <a:p>
+            <a:r>
+              <a:rPr lang="en-US" dirty="0">
+                <a:latin typeface="Arial" panose="020B0604020202020204" pitchFamily="34" charset="0"/>
+                <a:cs typeface="Arial" panose="020B0604020202020204" pitchFamily="34" charset="0"/>
+              </a:rPr>
+              <a:t>This minimizes contention on the Random and slightly simplifies the code…</a:t>
+            </a:r>
+          </a:p>
+          <a:p>
+            <a:r>
+              <a:rPr lang="en-US" dirty="0">
+                <a:latin typeface="Arial" panose="020B0604020202020204" pitchFamily="34" charset="0"/>
+                <a:cs typeface="Arial" panose="020B0604020202020204" pitchFamily="34" charset="0"/>
+              </a:rPr>
+              <a:t>(and also still guarantees reproducibility if you run the Workers one at a time single threaded)</a:t>
+            </a:r>
+          </a:p>
+          <a:p>
+            <a:endParaRPr lang="en-US" dirty="0">
+              <a:latin typeface="Arial" panose="020B0604020202020204" pitchFamily="34" charset="0"/>
+              <a:cs typeface="Arial" panose="020B0604020202020204" pitchFamily="34" charset="0"/>
+            </a:endParaRPr>
+          </a:p>
+          <a:p>
+            <a:r>
+              <a:rPr lang="en-US" dirty="0">
+                <a:latin typeface="Arial" panose="020B0604020202020204" pitchFamily="34" charset="0"/>
+                <a:cs typeface="Arial" panose="020B0604020202020204" pitchFamily="34" charset="0"/>
+              </a:rPr>
+              <a:t>(won’t make a measurable difference, but was bothering me….)</a:t>
+            </a:r>
+          </a:p>
+        </p:txBody>
+      </p:sp>
+    </p:spTree>
+    <p:extLst>
+      <p:ext uri="{BB962C8B-B14F-4D97-AF65-F5344CB8AC3E}">
+        <p14:creationId xmlns:p14="http://schemas.microsoft.com/office/powerpoint/2010/main" val="3553157179"/>
+      </p:ext>
+    </p:extLst>
+  </p:cSld>
+  <p:clrMapOvr>
+    <a:masterClrMapping/>
+  </p:clrMapOvr>
+</p:sld>
+</file>
+
+<file path=ppt/slides/slide24.xml><?xml version="1.0" encoding="utf-8"?>
+<p:sld xmlns:a="http://schemas.openxmlformats.org/drawingml/2006/main" xmlns:r="http://schemas.openxmlformats.org/officeDocument/2006/relationships" xmlns:p="http://schemas.openxmlformats.org/presentationml/2006/main">
+  <p:cSld>
+    <p:spTree>
+      <p:nvGrpSpPr>
+        <p:cNvPr id="1" name=""/>
+        <p:cNvGrpSpPr/>
+        <p:nvPr/>
+      </p:nvGrpSpPr>
+      <p:grpSpPr>
+        <a:xfrm>
+          <a:off x="0" y="0"/>
+          <a:ext cx="0" cy="0"/>
+          <a:chOff x="0" y="0"/>
+          <a:chExt cx="0" cy="0"/>
+        </a:xfrm>
+      </p:grpSpPr>
+      <p:sp>
+        <p:nvSpPr>
+          <p:cNvPr id="2" name="Rectangle 1"/>
+          <p:cNvSpPr/>
+          <p:nvPr/>
+        </p:nvSpPr>
+        <p:spPr>
+          <a:xfrm>
+            <a:off x="304799" y="160754"/>
+            <a:ext cx="8886701" cy="369332"/>
+          </a:xfrm>
+          <a:prstGeom prst="rect">
+            <a:avLst/>
+          </a:prstGeom>
+        </p:spPr>
+        <p:txBody>
+          <a:bodyPr wrap="square">
+            <a:spAutoFit/>
+          </a:bodyPr>
+          <a:lstStyle/>
+          <a:p>
+            <a:r>
+              <a:rPr lang="en-US" dirty="0">
+                <a:latin typeface="Arial" panose="020B0604020202020204" pitchFamily="34" charset="0"/>
+                <a:cs typeface="Arial" panose="020B0604020202020204" pitchFamily="34" charset="0"/>
+              </a:rPr>
+              <a:t>we create a </a:t>
+            </a:r>
+            <a:r>
+              <a:rPr lang="en-US" dirty="0" err="1">
+                <a:latin typeface="Arial" panose="020B0604020202020204" pitchFamily="34" charset="0"/>
+                <a:cs typeface="Arial" panose="020B0604020202020204" pitchFamily="34" charset="0"/>
+              </a:rPr>
+              <a:t>AtomicLong</a:t>
+            </a:r>
+            <a:r>
+              <a:rPr lang="en-US" dirty="0">
+                <a:latin typeface="Arial" panose="020B0604020202020204" pitchFamily="34" charset="0"/>
+                <a:cs typeface="Arial" panose="020B0604020202020204" pitchFamily="34" charset="0"/>
+              </a:rPr>
+              <a:t> to see and let each thread have its own Random.</a:t>
+            </a:r>
+          </a:p>
+        </p:txBody>
+      </p:sp>
+      <p:pic>
+        <p:nvPicPr>
+          <p:cNvPr id="3" name="Picture 2"/>
+          <p:cNvPicPr>
+            <a:picLocks noChangeAspect="1"/>
+          </p:cNvPicPr>
+          <p:nvPr/>
+        </p:nvPicPr>
+        <p:blipFill>
+          <a:blip r:embed="rId2"/>
+          <a:stretch>
+            <a:fillRect/>
+          </a:stretch>
+        </p:blipFill>
+        <p:spPr>
+          <a:xfrm>
+            <a:off x="304799" y="661184"/>
+            <a:ext cx="6343650" cy="666750"/>
+          </a:xfrm>
+          <a:prstGeom prst="rect">
+            <a:avLst/>
+          </a:prstGeom>
+        </p:spPr>
+      </p:pic>
+      <p:sp>
+        <p:nvSpPr>
+          <p:cNvPr id="4" name="Rectangle 3"/>
+          <p:cNvSpPr/>
+          <p:nvPr/>
+        </p:nvSpPr>
+        <p:spPr>
+          <a:xfrm>
+            <a:off x="5320859" y="6575959"/>
+            <a:ext cx="8880048" cy="292388"/>
+          </a:xfrm>
+          <a:prstGeom prst="rect">
+            <a:avLst/>
+          </a:prstGeom>
+        </p:spPr>
+        <p:txBody>
+          <a:bodyPr wrap="square">
+            <a:spAutoFit/>
+          </a:bodyPr>
+          <a:lstStyle/>
+          <a:p>
+            <a:r>
+              <a:rPr lang="en-US" sz="1300" dirty="0">
+                <a:solidFill>
+                  <a:srgbClr val="FF0000"/>
+                </a:solidFill>
+              </a:rPr>
+              <a:t>https://github.com/afodor/WekaExamples/blob/master/src/examples/TestClassify.java</a:t>
+            </a:r>
+          </a:p>
+        </p:txBody>
+      </p:sp>
+      <p:pic>
+        <p:nvPicPr>
+          <p:cNvPr id="6" name="Picture 5"/>
+          <p:cNvPicPr>
+            <a:picLocks noChangeAspect="1"/>
+          </p:cNvPicPr>
+          <p:nvPr/>
+        </p:nvPicPr>
+        <p:blipFill>
+          <a:blip r:embed="rId3"/>
+          <a:stretch>
+            <a:fillRect/>
+          </a:stretch>
+        </p:blipFill>
+        <p:spPr>
+          <a:xfrm>
+            <a:off x="1161925" y="1732621"/>
+            <a:ext cx="8029575" cy="4438650"/>
+          </a:xfrm>
+          <a:prstGeom prst="rect">
+            <a:avLst/>
+          </a:prstGeom>
+        </p:spPr>
+      </p:pic>
+      <p:sp>
+        <p:nvSpPr>
+          <p:cNvPr id="7" name="TextBox 6"/>
+          <p:cNvSpPr txBox="1"/>
+          <p:nvPr/>
+        </p:nvSpPr>
+        <p:spPr>
+          <a:xfrm>
+            <a:off x="2244437" y="6151418"/>
+            <a:ext cx="458780" cy="369332"/>
+          </a:xfrm>
+          <a:prstGeom prst="rect">
+            <a:avLst/>
+          </a:prstGeom>
+          <a:noFill/>
+        </p:spPr>
+        <p:txBody>
+          <a:bodyPr wrap="none" rtlCol="0">
+            <a:spAutoFit/>
+          </a:bodyPr>
+          <a:lstStyle/>
+          <a:p>
+            <a:r>
+              <a:rPr lang="en-US" dirty="0"/>
+              <a:t>…..</a:t>
+            </a:r>
+          </a:p>
+        </p:txBody>
+      </p:sp>
+      <p:cxnSp>
+        <p:nvCxnSpPr>
+          <p:cNvPr id="9" name="Straight Arrow Connector 8"/>
+          <p:cNvCxnSpPr/>
+          <p:nvPr/>
+        </p:nvCxnSpPr>
+        <p:spPr>
+          <a:xfrm flipH="1">
+            <a:off x="6852062" y="5766236"/>
+            <a:ext cx="938151" cy="0"/>
+          </a:xfrm>
+          <a:prstGeom prst="straightConnector1">
+            <a:avLst/>
+          </a:prstGeom>
+          <a:ln>
+            <a:tailEnd type="triangle"/>
+          </a:ln>
+        </p:spPr>
+        <p:style>
+          <a:lnRef idx="1">
+            <a:schemeClr val="accent1"/>
+          </a:lnRef>
+          <a:fillRef idx="0">
+            <a:schemeClr val="accent1"/>
+          </a:fillRef>
+          <a:effectRef idx="0">
+            <a:schemeClr val="accent1"/>
+          </a:effectRef>
+          <a:fontRef idx="minor">
+            <a:schemeClr val="tx1"/>
+          </a:fontRef>
+        </p:style>
+      </p:cxnSp>
+      <p:cxnSp>
+        <p:nvCxnSpPr>
+          <p:cNvPr id="11" name="Straight Arrow Connector 10"/>
+          <p:cNvCxnSpPr/>
+          <p:nvPr/>
+        </p:nvCxnSpPr>
+        <p:spPr>
+          <a:xfrm flipH="1">
+            <a:off x="5866411" y="1175658"/>
+            <a:ext cx="961901" cy="0"/>
+          </a:xfrm>
+          <a:prstGeom prst="straightConnector1">
+            <a:avLst/>
+          </a:prstGeom>
+          <a:ln>
+            <a:tailEnd type="triangle"/>
+          </a:ln>
+        </p:spPr>
+        <p:style>
+          <a:lnRef idx="1">
+            <a:schemeClr val="accent1"/>
+          </a:lnRef>
+          <a:fillRef idx="0">
+            <a:schemeClr val="accent1"/>
+          </a:fillRef>
+          <a:effectRef idx="0">
+            <a:schemeClr val="accent1"/>
+          </a:effectRef>
+          <a:fontRef idx="minor">
+            <a:schemeClr val="tx1"/>
+          </a:fontRef>
+        </p:style>
+      </p:cxnSp>
+    </p:spTree>
+    <p:extLst>
+      <p:ext uri="{BB962C8B-B14F-4D97-AF65-F5344CB8AC3E}">
+        <p14:creationId xmlns:p14="http://schemas.microsoft.com/office/powerpoint/2010/main" val="1855697802"/>
+      </p:ext>
+    </p:extLst>
+  </p:cSld>
+  <p:clrMapOvr>
+    <a:masterClrMapping/>
+  </p:clrMapOvr>
+</p:sld>
+</file>
+
+<file path=ppt/slides/slide25.xml><?xml version="1.0" encoding="utf-8"?>
+<p:sld xmlns:a="http://schemas.openxmlformats.org/drawingml/2006/main" xmlns:r="http://schemas.openxmlformats.org/officeDocument/2006/relationships" xmlns:p="http://schemas.openxmlformats.org/presentationml/2006/main">
+  <p:cSld>
+    <p:spTree>
+      <p:nvGrpSpPr>
+        <p:cNvPr id="1" name=""/>
+        <p:cNvGrpSpPr/>
+        <p:nvPr/>
+      </p:nvGrpSpPr>
+      <p:grpSpPr>
+        <a:xfrm>
+          <a:off x="0" y="0"/>
+          <a:ext cx="0" cy="0"/>
+          <a:chOff x="0" y="0"/>
+          <a:chExt cx="0" cy="0"/>
+        </a:xfrm>
+      </p:grpSpPr>
+      <p:sp>
+        <p:nvSpPr>
+          <p:cNvPr id="2" name="TextBox 1"/>
+          <p:cNvSpPr txBox="1"/>
+          <p:nvPr/>
+        </p:nvSpPr>
+        <p:spPr>
+          <a:xfrm>
+            <a:off x="213755" y="-11876"/>
+            <a:ext cx="9734396" cy="369332"/>
+          </a:xfrm>
+          <a:prstGeom prst="rect">
+            <a:avLst/>
+          </a:prstGeom>
+          <a:noFill/>
+        </p:spPr>
+        <p:txBody>
+          <a:bodyPr wrap="none" rtlCol="0">
+            <a:spAutoFit/>
+          </a:bodyPr>
+          <a:lstStyle/>
+          <a:p>
+            <a:r>
+              <a:rPr lang="en-US" dirty="0">
+                <a:latin typeface="Arial" panose="020B0604020202020204" pitchFamily="34" charset="0"/>
+                <a:cs typeface="Arial" panose="020B0604020202020204" pitchFamily="34" charset="0"/>
+              </a:rPr>
+              <a:t>We can ask, does scrambled do worse than not scrambled to a statistically significant degree?</a:t>
+            </a:r>
+          </a:p>
+        </p:txBody>
+      </p:sp>
+      <p:pic>
+        <p:nvPicPr>
+          <p:cNvPr id="3" name="Picture 2"/>
+          <p:cNvPicPr>
+            <a:picLocks noChangeAspect="1"/>
+          </p:cNvPicPr>
+          <p:nvPr/>
+        </p:nvPicPr>
+        <p:blipFill>
+          <a:blip r:embed="rId2"/>
+          <a:stretch>
+            <a:fillRect/>
+          </a:stretch>
+        </p:blipFill>
+        <p:spPr>
+          <a:xfrm>
+            <a:off x="8155751" y="649680"/>
+            <a:ext cx="3219450" cy="2209800"/>
+          </a:xfrm>
+          <a:prstGeom prst="rect">
+            <a:avLst/>
+          </a:prstGeom>
+        </p:spPr>
+      </p:pic>
+      <p:pic>
+        <p:nvPicPr>
+          <p:cNvPr id="4" name="Picture 3"/>
+          <p:cNvPicPr>
+            <a:picLocks noChangeAspect="1"/>
+          </p:cNvPicPr>
+          <p:nvPr/>
+        </p:nvPicPr>
+        <p:blipFill>
+          <a:blip r:embed="rId3"/>
+          <a:stretch>
+            <a:fillRect/>
+          </a:stretch>
+        </p:blipFill>
+        <p:spPr>
+          <a:xfrm>
+            <a:off x="130627" y="821791"/>
+            <a:ext cx="8066775" cy="4379601"/>
+          </a:xfrm>
+          <a:prstGeom prst="rect">
+            <a:avLst/>
+          </a:prstGeom>
+        </p:spPr>
+      </p:pic>
+      <p:pic>
+        <p:nvPicPr>
+          <p:cNvPr id="5" name="Picture 4"/>
+          <p:cNvPicPr>
+            <a:picLocks noChangeAspect="1"/>
+          </p:cNvPicPr>
+          <p:nvPr/>
+        </p:nvPicPr>
+        <p:blipFill>
+          <a:blip r:embed="rId4"/>
+          <a:stretch>
+            <a:fillRect/>
+          </a:stretch>
+        </p:blipFill>
+        <p:spPr>
+          <a:xfrm>
+            <a:off x="8681401" y="2994541"/>
+            <a:ext cx="2209800" cy="314325"/>
+          </a:xfrm>
+          <a:prstGeom prst="rect">
+            <a:avLst/>
+          </a:prstGeom>
+        </p:spPr>
+      </p:pic>
+      <p:cxnSp>
+        <p:nvCxnSpPr>
+          <p:cNvPr id="7" name="Straight Arrow Connector 6"/>
+          <p:cNvCxnSpPr/>
+          <p:nvPr/>
+        </p:nvCxnSpPr>
+        <p:spPr>
+          <a:xfrm flipH="1">
+            <a:off x="2351314" y="2410691"/>
+            <a:ext cx="522515" cy="0"/>
+          </a:xfrm>
+          <a:prstGeom prst="straightConnector1">
+            <a:avLst/>
+          </a:prstGeom>
+          <a:ln>
+            <a:tailEnd type="triangle"/>
+          </a:ln>
+        </p:spPr>
+        <p:style>
+          <a:lnRef idx="1">
+            <a:schemeClr val="accent1"/>
+          </a:lnRef>
+          <a:fillRef idx="0">
+            <a:schemeClr val="accent1"/>
+          </a:fillRef>
+          <a:effectRef idx="0">
+            <a:schemeClr val="accent1"/>
+          </a:effectRef>
+          <a:fontRef idx="minor">
+            <a:schemeClr val="tx1"/>
+          </a:fontRef>
+        </p:style>
+      </p:cxnSp>
+      <p:sp>
+        <p:nvSpPr>
+          <p:cNvPr id="8" name="TextBox 7"/>
+          <p:cNvSpPr txBox="1"/>
+          <p:nvPr/>
+        </p:nvSpPr>
+        <p:spPr>
+          <a:xfrm>
+            <a:off x="2790703" y="2244436"/>
+            <a:ext cx="2864887" cy="369332"/>
+          </a:xfrm>
+          <a:prstGeom prst="rect">
+            <a:avLst/>
+          </a:prstGeom>
+          <a:noFill/>
+        </p:spPr>
+        <p:txBody>
+          <a:bodyPr wrap="none" rtlCol="0">
+            <a:spAutoFit/>
+          </a:bodyPr>
+          <a:lstStyle/>
+          <a:p>
+            <a:r>
+              <a:rPr lang="en-US" dirty="0">
+                <a:latin typeface="Arial" panose="020B0604020202020204" pitchFamily="34" charset="0"/>
+                <a:cs typeface="Arial" panose="020B0604020202020204" pitchFamily="34" charset="0"/>
+              </a:rPr>
+              <a:t>Increase our permutations</a:t>
+            </a:r>
+          </a:p>
+        </p:txBody>
+      </p:sp>
+      <p:pic>
+        <p:nvPicPr>
+          <p:cNvPr id="9" name="Picture 8"/>
+          <p:cNvPicPr>
+            <a:picLocks noChangeAspect="1"/>
+          </p:cNvPicPr>
+          <p:nvPr/>
+        </p:nvPicPr>
+        <p:blipFill>
+          <a:blip r:embed="rId5"/>
+          <a:stretch>
+            <a:fillRect/>
+          </a:stretch>
+        </p:blipFill>
+        <p:spPr>
+          <a:xfrm>
+            <a:off x="8340099" y="3686092"/>
+            <a:ext cx="3224894" cy="2477202"/>
+          </a:xfrm>
+          <a:prstGeom prst="rect">
+            <a:avLst/>
+          </a:prstGeom>
+        </p:spPr>
+      </p:pic>
+    </p:spTree>
+    <p:extLst>
+      <p:ext uri="{BB962C8B-B14F-4D97-AF65-F5344CB8AC3E}">
+        <p14:creationId xmlns:p14="http://schemas.microsoft.com/office/powerpoint/2010/main" val="648967541"/>
+      </p:ext>
+    </p:extLst>
+  </p:cSld>
+  <p:clrMapOvr>
+    <a:masterClrMapping/>
+  </p:clrMapOvr>
+</p:sld>
+</file>
+
+<file path=ppt/slides/slide26.xml><?xml version="1.0" encoding="utf-8"?>
+<p:sld xmlns:a="http://schemas.openxmlformats.org/drawingml/2006/main" xmlns:r="http://schemas.openxmlformats.org/officeDocument/2006/relationships" xmlns:p="http://schemas.openxmlformats.org/presentationml/2006/main">
+  <p:cSld>
+    <p:spTree>
+      <p:nvGrpSpPr>
+        <p:cNvPr id="1" name=""/>
+        <p:cNvGrpSpPr/>
+        <p:nvPr/>
+      </p:nvGrpSpPr>
+      <p:grpSpPr>
+        <a:xfrm>
+          <a:off x="0" y="0"/>
+          <a:ext cx="0" cy="0"/>
+          <a:chOff x="0" y="0"/>
+          <a:chExt cx="0" cy="0"/>
+        </a:xfrm>
+      </p:grpSpPr>
+      <p:sp>
+        <p:nvSpPr>
+          <p:cNvPr id="3" name="TextBox 2"/>
+          <p:cNvSpPr txBox="1"/>
+          <p:nvPr/>
+        </p:nvSpPr>
+        <p:spPr>
+          <a:xfrm>
+            <a:off x="629392" y="95003"/>
+            <a:ext cx="6041077" cy="369332"/>
+          </a:xfrm>
+          <a:prstGeom prst="rect">
+            <a:avLst/>
+          </a:prstGeom>
+          <a:noFill/>
+        </p:spPr>
+        <p:txBody>
+          <a:bodyPr wrap="none" rtlCol="0">
+            <a:spAutoFit/>
+          </a:bodyPr>
+          <a:lstStyle/>
+          <a:p>
+            <a:r>
+              <a:rPr lang="en-US" dirty="0">
+                <a:latin typeface="Arial" panose="020B0604020202020204" pitchFamily="34" charset="0"/>
+                <a:cs typeface="Arial" panose="020B0604020202020204" pitchFamily="34" charset="0"/>
+              </a:rPr>
+              <a:t>We switch to R for the visualization and the statistical test</a:t>
+            </a:r>
+          </a:p>
+        </p:txBody>
+      </p:sp>
+      <p:sp>
+        <p:nvSpPr>
+          <p:cNvPr id="5" name="TextBox 4"/>
+          <p:cNvSpPr txBox="1"/>
+          <p:nvPr/>
+        </p:nvSpPr>
+        <p:spPr>
+          <a:xfrm>
+            <a:off x="276843" y="4678878"/>
+            <a:ext cx="5316435" cy="1477328"/>
+          </a:xfrm>
+          <a:prstGeom prst="rect">
+            <a:avLst/>
+          </a:prstGeom>
+          <a:noFill/>
+        </p:spPr>
+        <p:txBody>
+          <a:bodyPr wrap="square" rtlCol="0">
+            <a:spAutoFit/>
+          </a:bodyPr>
+          <a:lstStyle/>
+          <a:p>
+            <a:r>
+              <a:rPr lang="en-US" dirty="0">
+                <a:latin typeface="Arial" panose="020B0604020202020204" pitchFamily="34" charset="0"/>
+                <a:cs typeface="Arial" panose="020B0604020202020204" pitchFamily="34" charset="0"/>
+              </a:rPr>
+              <a:t>On the hand, our predictor has modest power </a:t>
+            </a:r>
+          </a:p>
+          <a:p>
+            <a:r>
+              <a:rPr lang="en-US" dirty="0">
+                <a:latin typeface="Arial" panose="020B0604020202020204" pitchFamily="34" charset="0"/>
+                <a:cs typeface="Arial" panose="020B0604020202020204" pitchFamily="34" charset="0"/>
+              </a:rPr>
+              <a:t>(mean AUC = 0.63)</a:t>
+            </a:r>
+          </a:p>
+          <a:p>
+            <a:endParaRPr lang="en-US" dirty="0">
+              <a:latin typeface="Arial" panose="020B0604020202020204" pitchFamily="34" charset="0"/>
+              <a:cs typeface="Arial" panose="020B0604020202020204" pitchFamily="34" charset="0"/>
+            </a:endParaRPr>
+          </a:p>
+          <a:p>
+            <a:r>
+              <a:rPr lang="en-US" dirty="0">
+                <a:latin typeface="Arial" panose="020B0604020202020204" pitchFamily="34" charset="0"/>
+                <a:cs typeface="Arial" panose="020B0604020202020204" pitchFamily="34" charset="0"/>
+              </a:rPr>
+              <a:t>On the other hand, clearly better than shuffling</a:t>
+            </a:r>
+          </a:p>
+          <a:p>
+            <a:r>
+              <a:rPr lang="en-US" dirty="0">
+                <a:latin typeface="Arial" panose="020B0604020202020204" pitchFamily="34" charset="0"/>
+                <a:cs typeface="Arial" panose="020B0604020202020204" pitchFamily="34" charset="0"/>
+              </a:rPr>
+              <a:t>labels!</a:t>
+            </a:r>
+          </a:p>
+        </p:txBody>
+      </p:sp>
+      <p:pic>
+        <p:nvPicPr>
+          <p:cNvPr id="6" name="Picture 5"/>
+          <p:cNvPicPr>
+            <a:picLocks noChangeAspect="1"/>
+          </p:cNvPicPr>
+          <p:nvPr/>
+        </p:nvPicPr>
+        <p:blipFill>
+          <a:blip r:embed="rId2"/>
+          <a:stretch>
+            <a:fillRect/>
+          </a:stretch>
+        </p:blipFill>
+        <p:spPr>
+          <a:xfrm>
+            <a:off x="276843" y="464335"/>
+            <a:ext cx="5676900" cy="3962400"/>
+          </a:xfrm>
+          <a:prstGeom prst="rect">
+            <a:avLst/>
+          </a:prstGeom>
+        </p:spPr>
+      </p:pic>
+      <p:pic>
+        <p:nvPicPr>
+          <p:cNvPr id="7" name="Picture 6"/>
+          <p:cNvPicPr>
+            <a:picLocks noChangeAspect="1"/>
+          </p:cNvPicPr>
+          <p:nvPr/>
+        </p:nvPicPr>
+        <p:blipFill>
+          <a:blip r:embed="rId3"/>
+          <a:stretch>
+            <a:fillRect/>
+          </a:stretch>
+        </p:blipFill>
+        <p:spPr>
+          <a:xfrm>
+            <a:off x="5945827" y="464335"/>
+            <a:ext cx="6056611" cy="5691871"/>
+          </a:xfrm>
+          <a:prstGeom prst="rect">
+            <a:avLst/>
+          </a:prstGeom>
+        </p:spPr>
+      </p:pic>
+    </p:spTree>
+    <p:extLst>
+      <p:ext uri="{BB962C8B-B14F-4D97-AF65-F5344CB8AC3E}">
+        <p14:creationId xmlns:p14="http://schemas.microsoft.com/office/powerpoint/2010/main" val="3007964474"/>
+      </p:ext>
+    </p:extLst>
+  </p:cSld>
+  <p:clrMapOvr>
+    <a:masterClrMapping/>
+  </p:clrMapOvr>
+</p:sld>
+</file>
+
+<file path=ppt/slides/slide27.xml><?xml version="1.0" encoding="utf-8"?>
+<p:sld xmlns:a="http://schemas.openxmlformats.org/drawingml/2006/main" xmlns:r="http://schemas.openxmlformats.org/officeDocument/2006/relationships" xmlns:p="http://schemas.openxmlformats.org/presentationml/2006/main">
+  <p:cSld>
+    <p:spTree>
+      <p:nvGrpSpPr>
+        <p:cNvPr id="1" name=""/>
+        <p:cNvGrpSpPr/>
+        <p:nvPr/>
+      </p:nvGrpSpPr>
+      <p:grpSpPr>
+        <a:xfrm>
+          <a:off x="0" y="0"/>
+          <a:ext cx="0" cy="0"/>
+          <a:chOff x="0" y="0"/>
+          <a:chExt cx="0" cy="0"/>
+        </a:xfrm>
+      </p:grpSpPr>
+      <p:sp>
+        <p:nvSpPr>
+          <p:cNvPr id="3" name="TextBox 2"/>
+          <p:cNvSpPr txBox="1"/>
+          <p:nvPr/>
+        </p:nvSpPr>
+        <p:spPr>
+          <a:xfrm>
+            <a:off x="403762" y="249384"/>
+            <a:ext cx="5207516" cy="923330"/>
+          </a:xfrm>
+          <a:prstGeom prst="rect">
+            <a:avLst/>
+          </a:prstGeom>
+          <a:noFill/>
+        </p:spPr>
+        <p:txBody>
+          <a:bodyPr wrap="none" rtlCol="0">
+            <a:spAutoFit/>
+          </a:bodyPr>
+          <a:lstStyle/>
+          <a:p>
+            <a:r>
+              <a:rPr lang="en-US" dirty="0">
+                <a:latin typeface="Arial" panose="020B0604020202020204" pitchFamily="34" charset="0"/>
+                <a:cs typeface="Arial" panose="020B0604020202020204" pitchFamily="34" charset="0"/>
+              </a:rPr>
+              <a:t>ROC curves in WEKA</a:t>
+            </a:r>
+          </a:p>
+          <a:p>
+            <a:r>
+              <a:rPr lang="en-US" dirty="0">
+                <a:latin typeface="Arial" panose="020B0604020202020204" pitchFamily="34" charset="0"/>
+                <a:cs typeface="Arial" panose="020B0604020202020204" pitchFamily="34" charset="0"/>
+              </a:rPr>
+              <a:t>Visually estimating variance via null permutations</a:t>
+            </a:r>
+          </a:p>
+          <a:p>
+            <a:r>
+              <a:rPr lang="en-US" dirty="0">
+                <a:latin typeface="Arial" panose="020B0604020202020204" pitchFamily="34" charset="0"/>
+                <a:cs typeface="Arial" panose="020B0604020202020204" pitchFamily="34" charset="0"/>
+              </a:rPr>
+              <a:t>Comparing classifiers </a:t>
+            </a:r>
+          </a:p>
+        </p:txBody>
+      </p:sp>
+      <p:cxnSp>
+        <p:nvCxnSpPr>
+          <p:cNvPr id="4" name="Straight Arrow Connector 3"/>
+          <p:cNvCxnSpPr/>
+          <p:nvPr/>
+        </p:nvCxnSpPr>
+        <p:spPr>
+          <a:xfrm flipH="1">
+            <a:off x="2731324" y="997528"/>
+            <a:ext cx="961902" cy="0"/>
+          </a:xfrm>
+          <a:prstGeom prst="straightConnector1">
+            <a:avLst/>
+          </a:prstGeom>
+          <a:ln>
+            <a:tailEnd type="triangle"/>
+          </a:ln>
+        </p:spPr>
+        <p:style>
+          <a:lnRef idx="1">
+            <a:schemeClr val="accent1"/>
+          </a:lnRef>
+          <a:fillRef idx="0">
+            <a:schemeClr val="accent1"/>
+          </a:fillRef>
+          <a:effectRef idx="0">
+            <a:schemeClr val="accent1"/>
+          </a:effectRef>
+          <a:fontRef idx="minor">
+            <a:schemeClr val="tx1"/>
+          </a:fontRef>
+        </p:style>
+      </p:cxnSp>
+    </p:spTree>
+    <p:extLst>
+      <p:ext uri="{BB962C8B-B14F-4D97-AF65-F5344CB8AC3E}">
+        <p14:creationId xmlns:p14="http://schemas.microsoft.com/office/powerpoint/2010/main" val="4281514942"/>
+      </p:ext>
+    </p:extLst>
+  </p:cSld>
+  <p:clrMapOvr>
+    <a:masterClrMapping/>
+  </p:clrMapOvr>
+</p:sld>
+</file>
+
+<file path=ppt/slides/slide28.xml><?xml version="1.0" encoding="utf-8"?>
+<p:sld xmlns:a="http://schemas.openxmlformats.org/drawingml/2006/main" xmlns:r="http://schemas.openxmlformats.org/officeDocument/2006/relationships" xmlns:p="http://schemas.openxmlformats.org/presentationml/2006/main">
+  <p:cSld>
+    <p:spTree>
+      <p:nvGrpSpPr>
+        <p:cNvPr id="1" name=""/>
+        <p:cNvGrpSpPr/>
+        <p:nvPr/>
+      </p:nvGrpSpPr>
+      <p:grpSpPr>
+        <a:xfrm>
+          <a:off x="0" y="0"/>
+          <a:ext cx="0" cy="0"/>
+          <a:chOff x="0" y="0"/>
+          <a:chExt cx="0" cy="0"/>
+        </a:xfrm>
+      </p:grpSpPr>
+      <p:sp>
+        <p:nvSpPr>
+          <p:cNvPr id="2" name="TextBox 1"/>
+          <p:cNvSpPr txBox="1"/>
+          <p:nvPr/>
+        </p:nvSpPr>
+        <p:spPr>
+          <a:xfrm>
+            <a:off x="914400" y="130629"/>
+            <a:ext cx="9409692" cy="646331"/>
+          </a:xfrm>
+          <a:prstGeom prst="rect">
+            <a:avLst/>
+          </a:prstGeom>
+          <a:noFill/>
+        </p:spPr>
+        <p:txBody>
+          <a:bodyPr wrap="none" rtlCol="0">
+            <a:spAutoFit/>
+          </a:bodyPr>
+          <a:lstStyle/>
+          <a:p>
+            <a:r>
+              <a:rPr lang="en-US" dirty="0">
+                <a:latin typeface="Arial" panose="020B0604020202020204" pitchFamily="34" charset="0"/>
+                <a:cs typeface="Arial" panose="020B0604020202020204" pitchFamily="34" charset="0"/>
+              </a:rPr>
+              <a:t>We’d like to be able to pass in a Classifier to our Worker, but we don’t want our workers to </a:t>
+            </a:r>
+          </a:p>
+          <a:p>
+            <a:r>
+              <a:rPr lang="en-US" dirty="0">
+                <a:latin typeface="Arial" panose="020B0604020202020204" pitchFamily="34" charset="0"/>
+                <a:cs typeface="Arial" panose="020B0604020202020204" pitchFamily="34" charset="0"/>
+              </a:rPr>
+              <a:t>share a Classifier object (as that would violate thread safety on mutable objects)</a:t>
+            </a:r>
+          </a:p>
+        </p:txBody>
+      </p:sp>
+      <p:pic>
+        <p:nvPicPr>
+          <p:cNvPr id="3" name="Picture 2"/>
+          <p:cNvPicPr>
+            <a:picLocks noChangeAspect="1"/>
+          </p:cNvPicPr>
+          <p:nvPr/>
+        </p:nvPicPr>
+        <p:blipFill>
+          <a:blip r:embed="rId2"/>
+          <a:stretch>
+            <a:fillRect/>
+          </a:stretch>
+        </p:blipFill>
+        <p:spPr>
+          <a:xfrm>
+            <a:off x="914400" y="1131062"/>
+            <a:ext cx="8105775" cy="4619625"/>
+          </a:xfrm>
+          <a:prstGeom prst="rect">
+            <a:avLst/>
+          </a:prstGeom>
+        </p:spPr>
+      </p:pic>
+      <p:cxnSp>
+        <p:nvCxnSpPr>
+          <p:cNvPr id="7" name="Straight Arrow Connector 6"/>
+          <p:cNvCxnSpPr/>
+          <p:nvPr/>
+        </p:nvCxnSpPr>
+        <p:spPr>
+          <a:xfrm flipH="1">
+            <a:off x="5427024" y="5462650"/>
+            <a:ext cx="1318161" cy="0"/>
+          </a:xfrm>
+          <a:prstGeom prst="straightConnector1">
+            <a:avLst/>
+          </a:prstGeom>
+          <a:ln>
+            <a:tailEnd type="triangle"/>
+          </a:ln>
+        </p:spPr>
+        <p:style>
+          <a:lnRef idx="1">
+            <a:schemeClr val="accent1"/>
+          </a:lnRef>
+          <a:fillRef idx="0">
+            <a:schemeClr val="accent1"/>
+          </a:fillRef>
+          <a:effectRef idx="0">
+            <a:schemeClr val="accent1"/>
+          </a:effectRef>
+          <a:fontRef idx="minor">
+            <a:schemeClr val="tx1"/>
+          </a:fontRef>
+        </p:style>
+      </p:cxnSp>
+      <p:sp>
+        <p:nvSpPr>
+          <p:cNvPr id="8" name="TextBox 7"/>
+          <p:cNvSpPr txBox="1"/>
+          <p:nvPr/>
+        </p:nvSpPr>
+        <p:spPr>
+          <a:xfrm>
+            <a:off x="1021278" y="6341423"/>
+            <a:ext cx="10474021" cy="369332"/>
+          </a:xfrm>
+          <a:prstGeom prst="rect">
+            <a:avLst/>
+          </a:prstGeom>
+          <a:noFill/>
+        </p:spPr>
+        <p:txBody>
+          <a:bodyPr wrap="none" rtlCol="0">
+            <a:spAutoFit/>
+          </a:bodyPr>
+          <a:lstStyle/>
+          <a:p>
+            <a:r>
+              <a:rPr lang="en-US" dirty="0">
+                <a:latin typeface="Arial" panose="020B0604020202020204" pitchFamily="34" charset="0"/>
+                <a:cs typeface="Arial" panose="020B0604020202020204" pitchFamily="34" charset="0"/>
+              </a:rPr>
+              <a:t>We can solve this problem by using Java’s ability to dynamically control which class is instantiated… </a:t>
+            </a:r>
+          </a:p>
+        </p:txBody>
+      </p:sp>
+    </p:spTree>
+    <p:extLst>
+      <p:ext uri="{BB962C8B-B14F-4D97-AF65-F5344CB8AC3E}">
+        <p14:creationId xmlns:p14="http://schemas.microsoft.com/office/powerpoint/2010/main" val="1283374210"/>
+      </p:ext>
+    </p:extLst>
+  </p:cSld>
+  <p:clrMapOvr>
+    <a:masterClrMapping/>
+  </p:clrMapOvr>
+</p:sld>
+</file>
+
+<file path=ppt/slides/slide29.xml><?xml version="1.0" encoding="utf-8"?>
+<p:sld xmlns:a="http://schemas.openxmlformats.org/drawingml/2006/main" xmlns:r="http://schemas.openxmlformats.org/officeDocument/2006/relationships" xmlns:p="http://schemas.openxmlformats.org/presentationml/2006/main">
+  <p:cSld>
+    <p:spTree>
+      <p:nvGrpSpPr>
+        <p:cNvPr id="1" name=""/>
+        <p:cNvGrpSpPr/>
+        <p:nvPr/>
+      </p:nvGrpSpPr>
+      <p:grpSpPr>
+        <a:xfrm>
+          <a:off x="0" y="0"/>
+          <a:ext cx="0" cy="0"/>
+          <a:chOff x="0" y="0"/>
+          <a:chExt cx="0" cy="0"/>
+        </a:xfrm>
+      </p:grpSpPr>
+      <p:pic>
+        <p:nvPicPr>
+          <p:cNvPr id="2" name="Picture 1"/>
+          <p:cNvPicPr>
+            <a:picLocks noChangeAspect="1"/>
+          </p:cNvPicPr>
+          <p:nvPr/>
+        </p:nvPicPr>
+        <p:blipFill>
+          <a:blip r:embed="rId2"/>
+          <a:stretch>
+            <a:fillRect/>
+          </a:stretch>
+        </p:blipFill>
+        <p:spPr>
+          <a:xfrm>
+            <a:off x="801955" y="725591"/>
+            <a:ext cx="8671822" cy="5850368"/>
+          </a:xfrm>
+          <a:prstGeom prst="rect">
+            <a:avLst/>
+          </a:prstGeom>
+        </p:spPr>
+      </p:pic>
+      <p:sp>
+        <p:nvSpPr>
+          <p:cNvPr id="3" name="TextBox 2"/>
+          <p:cNvSpPr txBox="1"/>
+          <p:nvPr/>
+        </p:nvSpPr>
+        <p:spPr>
+          <a:xfrm>
+            <a:off x="724395" y="0"/>
+            <a:ext cx="10520829" cy="923330"/>
+          </a:xfrm>
+          <a:prstGeom prst="rect">
+            <a:avLst/>
+          </a:prstGeom>
+          <a:noFill/>
+        </p:spPr>
+        <p:txBody>
+          <a:bodyPr wrap="none" rtlCol="0">
+            <a:spAutoFit/>
+          </a:bodyPr>
+          <a:lstStyle/>
+          <a:p>
+            <a:r>
+              <a:rPr lang="en-US" dirty="0">
+                <a:latin typeface="Arial" panose="020B0604020202020204" pitchFamily="34" charset="0"/>
+                <a:cs typeface="Arial" panose="020B0604020202020204" pitchFamily="34" charset="0"/>
+              </a:rPr>
+              <a:t>We can tell the Worker at run time which classifier to instantiate…</a:t>
+            </a:r>
+          </a:p>
+          <a:p>
+            <a:r>
+              <a:rPr lang="en-US" dirty="0">
+                <a:latin typeface="Arial" panose="020B0604020202020204" pitchFamily="34" charset="0"/>
+                <a:cs typeface="Arial" panose="020B0604020202020204" pitchFamily="34" charset="0"/>
+              </a:rPr>
+              <a:t>(This will, of course, throw a runtime Exception if </a:t>
+            </a:r>
+            <a:r>
+              <a:rPr lang="en-US" dirty="0" err="1">
+                <a:latin typeface="Arial" panose="020B0604020202020204" pitchFamily="34" charset="0"/>
+                <a:cs typeface="Arial" panose="020B0604020202020204" pitchFamily="34" charset="0"/>
+              </a:rPr>
+              <a:t>classifierName</a:t>
+            </a:r>
+            <a:r>
+              <a:rPr lang="en-US" dirty="0">
+                <a:latin typeface="Arial" panose="020B0604020202020204" pitchFamily="34" charset="0"/>
+                <a:cs typeface="Arial" panose="020B0604020202020204" pitchFamily="34" charset="0"/>
+              </a:rPr>
+              <a:t> does not name a valid Classifier with</a:t>
+            </a:r>
+          </a:p>
+          <a:p>
+            <a:r>
+              <a:rPr lang="en-US" dirty="0">
+                <a:latin typeface="Arial" panose="020B0604020202020204" pitchFamily="34" charset="0"/>
+                <a:cs typeface="Arial" panose="020B0604020202020204" pitchFamily="34" charset="0"/>
+              </a:rPr>
+              <a:t>a default constructor…)</a:t>
+            </a:r>
+          </a:p>
+        </p:txBody>
+      </p:sp>
+      <p:cxnSp>
+        <p:nvCxnSpPr>
+          <p:cNvPr id="5" name="Straight Arrow Connector 4"/>
+          <p:cNvCxnSpPr/>
+          <p:nvPr/>
+        </p:nvCxnSpPr>
+        <p:spPr>
+          <a:xfrm flipH="1">
+            <a:off x="4346369" y="2185059"/>
+            <a:ext cx="724395" cy="0"/>
+          </a:xfrm>
+          <a:prstGeom prst="straightConnector1">
+            <a:avLst/>
+          </a:prstGeom>
+          <a:ln>
+            <a:tailEnd type="triangle"/>
+          </a:ln>
+        </p:spPr>
+        <p:style>
+          <a:lnRef idx="1">
+            <a:schemeClr val="accent1"/>
+          </a:lnRef>
+          <a:fillRef idx="0">
+            <a:schemeClr val="accent1"/>
+          </a:fillRef>
+          <a:effectRef idx="0">
+            <a:schemeClr val="accent1"/>
+          </a:effectRef>
+          <a:fontRef idx="minor">
+            <a:schemeClr val="tx1"/>
+          </a:fontRef>
+        </p:style>
+      </p:cxnSp>
+      <p:sp>
+        <p:nvSpPr>
+          <p:cNvPr id="6" name="Rectangle 5"/>
+          <p:cNvSpPr/>
+          <p:nvPr/>
+        </p:nvSpPr>
+        <p:spPr>
+          <a:xfrm>
+            <a:off x="5320859" y="6575959"/>
+            <a:ext cx="8880048" cy="292388"/>
+          </a:xfrm>
+          <a:prstGeom prst="rect">
+            <a:avLst/>
+          </a:prstGeom>
+        </p:spPr>
+        <p:txBody>
+          <a:bodyPr wrap="square">
+            <a:spAutoFit/>
+          </a:bodyPr>
+          <a:lstStyle/>
+          <a:p>
+            <a:r>
+              <a:rPr lang="en-US" sz="1300" dirty="0">
+                <a:solidFill>
+                  <a:srgbClr val="FF0000"/>
+                </a:solidFill>
+              </a:rPr>
+              <a:t>https://github.com/afodor/WekaExamples/blob/master/src/examples/TestClassify.java</a:t>
+            </a:r>
+          </a:p>
+        </p:txBody>
+      </p:sp>
+      <p:cxnSp>
+        <p:nvCxnSpPr>
+          <p:cNvPr id="8" name="Straight Arrow Connector 7"/>
+          <p:cNvCxnSpPr/>
+          <p:nvPr/>
+        </p:nvCxnSpPr>
+        <p:spPr>
+          <a:xfrm flipH="1" flipV="1">
+            <a:off x="4750130" y="4132612"/>
+            <a:ext cx="985652" cy="23751"/>
+          </a:xfrm>
+          <a:prstGeom prst="straightConnector1">
+            <a:avLst/>
+          </a:prstGeom>
+          <a:ln>
+            <a:tailEnd type="triangle"/>
+          </a:ln>
+        </p:spPr>
+        <p:style>
+          <a:lnRef idx="1">
+            <a:schemeClr val="accent1"/>
+          </a:lnRef>
+          <a:fillRef idx="0">
+            <a:schemeClr val="accent1"/>
+          </a:fillRef>
+          <a:effectRef idx="0">
+            <a:schemeClr val="accent1"/>
+          </a:effectRef>
+          <a:fontRef idx="minor">
+            <a:schemeClr val="tx1"/>
+          </a:fontRef>
+        </p:style>
+      </p:cxnSp>
+      <p:cxnSp>
+        <p:nvCxnSpPr>
+          <p:cNvPr id="10" name="Straight Arrow Connector 9"/>
+          <p:cNvCxnSpPr/>
+          <p:nvPr/>
+        </p:nvCxnSpPr>
+        <p:spPr>
+          <a:xfrm flipH="1">
+            <a:off x="8716488" y="5712031"/>
+            <a:ext cx="700645" cy="0"/>
+          </a:xfrm>
+          <a:prstGeom prst="straightConnector1">
+            <a:avLst/>
+          </a:prstGeom>
+          <a:ln>
+            <a:tailEnd type="triangle"/>
+          </a:ln>
+        </p:spPr>
+        <p:style>
+          <a:lnRef idx="1">
+            <a:schemeClr val="accent1"/>
+          </a:lnRef>
+          <a:fillRef idx="0">
+            <a:schemeClr val="accent1"/>
+          </a:fillRef>
+          <a:effectRef idx="0">
+            <a:schemeClr val="accent1"/>
+          </a:effectRef>
+          <a:fontRef idx="minor">
+            <a:schemeClr val="tx1"/>
+          </a:fontRef>
+        </p:style>
+      </p:cxnSp>
+    </p:spTree>
+    <p:extLst>
+      <p:ext uri="{BB962C8B-B14F-4D97-AF65-F5344CB8AC3E}">
+        <p14:creationId xmlns:p14="http://schemas.microsoft.com/office/powerpoint/2010/main" val="4005870965"/>
       </p:ext>
     </p:extLst>
   </p:cSld>
@@ -6051,6 +8126,465 @@
     <p:extLst>
       <p:ext uri="{BB962C8B-B14F-4D97-AF65-F5344CB8AC3E}">
         <p14:creationId xmlns:p14="http://schemas.microsoft.com/office/powerpoint/2010/main" val="1100707491"/>
+      </p:ext>
+    </p:extLst>
+  </p:cSld>
+  <p:clrMapOvr>
+    <a:masterClrMapping/>
+  </p:clrMapOvr>
+</p:sld>
+</file>
+
+<file path=ppt/slides/slide30.xml><?xml version="1.0" encoding="utf-8"?>
+<p:sld xmlns:a="http://schemas.openxmlformats.org/drawingml/2006/main" xmlns:r="http://schemas.openxmlformats.org/officeDocument/2006/relationships" xmlns:p="http://schemas.openxmlformats.org/presentationml/2006/main">
+  <p:cSld>
+    <p:spTree>
+      <p:nvGrpSpPr>
+        <p:cNvPr id="1" name=""/>
+        <p:cNvGrpSpPr/>
+        <p:nvPr/>
+      </p:nvGrpSpPr>
+      <p:grpSpPr>
+        <a:xfrm>
+          <a:off x="0" y="0"/>
+          <a:ext cx="0" cy="0"/>
+          <a:chOff x="0" y="0"/>
+          <a:chExt cx="0" cy="0"/>
+        </a:xfrm>
+      </p:grpSpPr>
+      <p:pic>
+        <p:nvPicPr>
+          <p:cNvPr id="2" name="Picture 1"/>
+          <p:cNvPicPr>
+            <a:picLocks noChangeAspect="1"/>
+          </p:cNvPicPr>
+          <p:nvPr/>
+        </p:nvPicPr>
+        <p:blipFill>
+          <a:blip r:embed="rId2"/>
+          <a:stretch>
+            <a:fillRect/>
+          </a:stretch>
+        </p:blipFill>
+        <p:spPr>
+          <a:xfrm>
+            <a:off x="222847" y="396339"/>
+            <a:ext cx="10365149" cy="6158840"/>
+          </a:xfrm>
+          <a:prstGeom prst="rect">
+            <a:avLst/>
+          </a:prstGeom>
+        </p:spPr>
+      </p:pic>
+      <p:cxnSp>
+        <p:nvCxnSpPr>
+          <p:cNvPr id="4" name="Straight Arrow Connector 3"/>
+          <p:cNvCxnSpPr/>
+          <p:nvPr/>
+        </p:nvCxnSpPr>
+        <p:spPr>
+          <a:xfrm flipH="1">
+            <a:off x="5070764" y="4120737"/>
+            <a:ext cx="890649" cy="0"/>
+          </a:xfrm>
+          <a:prstGeom prst="straightConnector1">
+            <a:avLst/>
+          </a:prstGeom>
+          <a:ln>
+            <a:tailEnd type="triangle"/>
+          </a:ln>
+        </p:spPr>
+        <p:style>
+          <a:lnRef idx="1">
+            <a:schemeClr val="accent1"/>
+          </a:lnRef>
+          <a:fillRef idx="0">
+            <a:schemeClr val="accent1"/>
+          </a:fillRef>
+          <a:effectRef idx="0">
+            <a:schemeClr val="accent1"/>
+          </a:effectRef>
+          <a:fontRef idx="minor">
+            <a:schemeClr val="tx1"/>
+          </a:fontRef>
+        </p:style>
+      </p:cxnSp>
+      <p:sp>
+        <p:nvSpPr>
+          <p:cNvPr id="5" name="TextBox 4"/>
+          <p:cNvSpPr txBox="1"/>
+          <p:nvPr/>
+        </p:nvSpPr>
+        <p:spPr>
+          <a:xfrm>
+            <a:off x="5949539" y="3954484"/>
+            <a:ext cx="4925131" cy="369332"/>
+          </a:xfrm>
+          <a:prstGeom prst="rect">
+            <a:avLst/>
+          </a:prstGeom>
+          <a:noFill/>
+        </p:spPr>
+        <p:txBody>
+          <a:bodyPr wrap="none" rtlCol="0">
+            <a:spAutoFit/>
+          </a:bodyPr>
+          <a:lstStyle/>
+          <a:p>
+            <a:r>
+              <a:rPr lang="en-US" dirty="0"/>
+              <a:t>We can get the classifier name from the class itself</a:t>
+            </a:r>
+          </a:p>
+        </p:txBody>
+      </p:sp>
+    </p:spTree>
+    <p:extLst>
+      <p:ext uri="{BB962C8B-B14F-4D97-AF65-F5344CB8AC3E}">
+        <p14:creationId xmlns:p14="http://schemas.microsoft.com/office/powerpoint/2010/main" val="3390716038"/>
+      </p:ext>
+    </p:extLst>
+  </p:cSld>
+  <p:clrMapOvr>
+    <a:masterClrMapping/>
+  </p:clrMapOvr>
+</p:sld>
+</file>
+
+<file path=ppt/slides/slide31.xml><?xml version="1.0" encoding="utf-8"?>
+<p:sld xmlns:a="http://schemas.openxmlformats.org/drawingml/2006/main" xmlns:r="http://schemas.openxmlformats.org/officeDocument/2006/relationships" xmlns:p="http://schemas.openxmlformats.org/presentationml/2006/main">
+  <p:cSld>
+    <p:spTree>
+      <p:nvGrpSpPr>
+        <p:cNvPr id="1" name=""/>
+        <p:cNvGrpSpPr/>
+        <p:nvPr/>
+      </p:nvGrpSpPr>
+      <p:grpSpPr>
+        <a:xfrm>
+          <a:off x="0" y="0"/>
+          <a:ext cx="0" cy="0"/>
+          <a:chOff x="0" y="0"/>
+          <a:chExt cx="0" cy="0"/>
+        </a:xfrm>
+      </p:grpSpPr>
+      <p:pic>
+        <p:nvPicPr>
+          <p:cNvPr id="2" name="Picture 1"/>
+          <p:cNvPicPr>
+            <a:picLocks noChangeAspect="1"/>
+          </p:cNvPicPr>
+          <p:nvPr/>
+        </p:nvPicPr>
+        <p:blipFill>
+          <a:blip r:embed="rId2"/>
+          <a:stretch>
+            <a:fillRect/>
+          </a:stretch>
+        </p:blipFill>
+        <p:spPr>
+          <a:xfrm>
+            <a:off x="204725" y="1367518"/>
+            <a:ext cx="11830050" cy="3600450"/>
+          </a:xfrm>
+          <a:prstGeom prst="rect">
+            <a:avLst/>
+          </a:prstGeom>
+        </p:spPr>
+      </p:pic>
+      <p:sp>
+        <p:nvSpPr>
+          <p:cNvPr id="3" name="TextBox 2"/>
+          <p:cNvSpPr txBox="1"/>
+          <p:nvPr/>
+        </p:nvSpPr>
+        <p:spPr>
+          <a:xfrm>
+            <a:off x="451262" y="451262"/>
+            <a:ext cx="7695376" cy="369332"/>
+          </a:xfrm>
+          <a:prstGeom prst="rect">
+            <a:avLst/>
+          </a:prstGeom>
+          <a:noFill/>
+        </p:spPr>
+        <p:txBody>
+          <a:bodyPr wrap="none" rtlCol="0">
+            <a:spAutoFit/>
+          </a:bodyPr>
+          <a:lstStyle/>
+          <a:p>
+            <a:r>
+              <a:rPr lang="en-US" dirty="0">
+                <a:latin typeface="Arial" panose="020B0604020202020204" pitchFamily="34" charset="0"/>
+                <a:cs typeface="Arial" panose="020B0604020202020204" pitchFamily="34" charset="0"/>
+              </a:rPr>
+              <a:t>This allows us to use all of the classifiers that are implemented in Weka…</a:t>
+            </a:r>
+          </a:p>
+        </p:txBody>
+      </p:sp>
+      <p:sp>
+        <p:nvSpPr>
+          <p:cNvPr id="4" name="Rectangle 3"/>
+          <p:cNvSpPr/>
+          <p:nvPr/>
+        </p:nvSpPr>
+        <p:spPr>
+          <a:xfrm>
+            <a:off x="3392384" y="6240921"/>
+            <a:ext cx="8007928" cy="369332"/>
+          </a:xfrm>
+          <a:prstGeom prst="rect">
+            <a:avLst/>
+          </a:prstGeom>
+        </p:spPr>
+        <p:txBody>
+          <a:bodyPr wrap="square">
+            <a:spAutoFit/>
+          </a:bodyPr>
+          <a:lstStyle/>
+          <a:p>
+            <a:r>
+              <a:rPr lang="en-US" dirty="0"/>
+              <a:t>http://weka.sourceforge.net/doc.dev/weka/classifiers/Classifier.html</a:t>
+            </a:r>
+          </a:p>
+        </p:txBody>
+      </p:sp>
+    </p:spTree>
+    <p:extLst>
+      <p:ext uri="{BB962C8B-B14F-4D97-AF65-F5344CB8AC3E}">
+        <p14:creationId xmlns:p14="http://schemas.microsoft.com/office/powerpoint/2010/main" val="106850114"/>
+      </p:ext>
+    </p:extLst>
+  </p:cSld>
+  <p:clrMapOvr>
+    <a:masterClrMapping/>
+  </p:clrMapOvr>
+</p:sld>
+</file>
+
+<file path=ppt/slides/slide32.xml><?xml version="1.0" encoding="utf-8"?>
+<p:sld xmlns:a="http://schemas.openxmlformats.org/drawingml/2006/main" xmlns:r="http://schemas.openxmlformats.org/officeDocument/2006/relationships" xmlns:p="http://schemas.openxmlformats.org/presentationml/2006/main">
+  <p:cSld>
+    <p:spTree>
+      <p:nvGrpSpPr>
+        <p:cNvPr id="1" name=""/>
+        <p:cNvGrpSpPr/>
+        <p:nvPr/>
+      </p:nvGrpSpPr>
+      <p:grpSpPr>
+        <a:xfrm>
+          <a:off x="0" y="0"/>
+          <a:ext cx="0" cy="0"/>
+          <a:chOff x="0" y="0"/>
+          <a:chExt cx="0" cy="0"/>
+        </a:xfrm>
+      </p:grpSpPr>
+      <p:sp>
+        <p:nvSpPr>
+          <p:cNvPr id="3" name="TextBox 2"/>
+          <p:cNvSpPr txBox="1"/>
+          <p:nvPr/>
+        </p:nvSpPr>
+        <p:spPr>
+          <a:xfrm>
+            <a:off x="130628" y="23751"/>
+            <a:ext cx="11106567" cy="369332"/>
+          </a:xfrm>
+          <a:prstGeom prst="rect">
+            <a:avLst/>
+          </a:prstGeom>
+          <a:noFill/>
+        </p:spPr>
+        <p:txBody>
+          <a:bodyPr wrap="none" rtlCol="0">
+            <a:spAutoFit/>
+          </a:bodyPr>
+          <a:lstStyle/>
+          <a:p>
+            <a:r>
+              <a:rPr lang="en-US" dirty="0">
+                <a:latin typeface="Arial" panose="020B0604020202020204" pitchFamily="34" charset="0"/>
+                <a:cs typeface="Arial" panose="020B0604020202020204" pitchFamily="34" charset="0"/>
+              </a:rPr>
+              <a:t>We can now directly compare classifiers (we modify the worker to pass in the color as well as the classifier)</a:t>
+            </a:r>
+          </a:p>
+        </p:txBody>
+      </p:sp>
+      <p:sp>
+        <p:nvSpPr>
+          <p:cNvPr id="5" name="Rectangle 4"/>
+          <p:cNvSpPr/>
+          <p:nvPr/>
+        </p:nvSpPr>
+        <p:spPr>
+          <a:xfrm>
+            <a:off x="130628" y="6240918"/>
+            <a:ext cx="10485912" cy="369332"/>
+          </a:xfrm>
+          <a:prstGeom prst="rect">
+            <a:avLst/>
+          </a:prstGeom>
+        </p:spPr>
+        <p:txBody>
+          <a:bodyPr wrap="square">
+            <a:spAutoFit/>
+          </a:bodyPr>
+          <a:lstStyle/>
+          <a:p>
+            <a:r>
+              <a:rPr lang="en-US" dirty="0"/>
+              <a:t>https://github.com/afodor/WekaExamples/blob/master/src/examples/CompareClassifiers.java</a:t>
+            </a:r>
+          </a:p>
+        </p:txBody>
+      </p:sp>
+      <p:pic>
+        <p:nvPicPr>
+          <p:cNvPr id="9" name="Picture 8"/>
+          <p:cNvPicPr>
+            <a:picLocks noChangeAspect="1"/>
+          </p:cNvPicPr>
+          <p:nvPr/>
+        </p:nvPicPr>
+        <p:blipFill>
+          <a:blip r:embed="rId2"/>
+          <a:stretch>
+            <a:fillRect/>
+          </a:stretch>
+        </p:blipFill>
+        <p:spPr>
+          <a:xfrm>
+            <a:off x="868259" y="526175"/>
+            <a:ext cx="9010650" cy="5581650"/>
+          </a:xfrm>
+          <a:prstGeom prst="rect">
+            <a:avLst/>
+          </a:prstGeom>
+        </p:spPr>
+      </p:pic>
+    </p:spTree>
+    <p:extLst>
+      <p:ext uri="{BB962C8B-B14F-4D97-AF65-F5344CB8AC3E}">
+        <p14:creationId xmlns:p14="http://schemas.microsoft.com/office/powerpoint/2010/main" val="133908352"/>
+      </p:ext>
+    </p:extLst>
+  </p:cSld>
+  <p:clrMapOvr>
+    <a:masterClrMapping/>
+  </p:clrMapOvr>
+</p:sld>
+</file>
+
+<file path=ppt/slides/slide33.xml><?xml version="1.0" encoding="utf-8"?>
+<p:sld xmlns:a="http://schemas.openxmlformats.org/drawingml/2006/main" xmlns:r="http://schemas.openxmlformats.org/officeDocument/2006/relationships" xmlns:p="http://schemas.openxmlformats.org/presentationml/2006/main">
+  <p:cSld>
+    <p:spTree>
+      <p:nvGrpSpPr>
+        <p:cNvPr id="1" name=""/>
+        <p:cNvGrpSpPr/>
+        <p:nvPr/>
+      </p:nvGrpSpPr>
+      <p:grpSpPr>
+        <a:xfrm>
+          <a:off x="0" y="0"/>
+          <a:ext cx="0" cy="0"/>
+          <a:chOff x="0" y="0"/>
+          <a:chExt cx="0" cy="0"/>
+        </a:xfrm>
+      </p:grpSpPr>
+      <p:sp>
+        <p:nvSpPr>
+          <p:cNvPr id="4" name="TextBox 3"/>
+          <p:cNvSpPr txBox="1"/>
+          <p:nvPr/>
+        </p:nvSpPr>
+        <p:spPr>
+          <a:xfrm>
+            <a:off x="593766" y="261257"/>
+            <a:ext cx="9288505" cy="369332"/>
+          </a:xfrm>
+          <a:prstGeom prst="rect">
+            <a:avLst/>
+          </a:prstGeom>
+          <a:noFill/>
+        </p:spPr>
+        <p:txBody>
+          <a:bodyPr wrap="none" rtlCol="0">
+            <a:spAutoFit/>
+          </a:bodyPr>
+          <a:lstStyle/>
+          <a:p>
+            <a:r>
+              <a:rPr lang="en-US" dirty="0"/>
+              <a:t>As has been noted many times in the literature, </a:t>
+            </a:r>
+            <a:r>
+              <a:rPr lang="en-US" dirty="0" err="1"/>
+              <a:t>RandomForest</a:t>
+            </a:r>
+            <a:r>
+              <a:rPr lang="en-US" dirty="0"/>
+              <a:t> works best for microbiome data…</a:t>
+            </a:r>
+          </a:p>
+        </p:txBody>
+      </p:sp>
+      <p:pic>
+        <p:nvPicPr>
+          <p:cNvPr id="5" name="Picture 4"/>
+          <p:cNvPicPr>
+            <a:picLocks noChangeAspect="1"/>
+          </p:cNvPicPr>
+          <p:nvPr/>
+        </p:nvPicPr>
+        <p:blipFill>
+          <a:blip r:embed="rId2"/>
+          <a:stretch>
+            <a:fillRect/>
+          </a:stretch>
+        </p:blipFill>
+        <p:spPr>
+          <a:xfrm>
+            <a:off x="248330" y="1203985"/>
+            <a:ext cx="5381625" cy="1504950"/>
+          </a:xfrm>
+          <a:prstGeom prst="rect">
+            <a:avLst/>
+          </a:prstGeom>
+        </p:spPr>
+      </p:pic>
+      <p:pic>
+        <p:nvPicPr>
+          <p:cNvPr id="6" name="Picture 5"/>
+          <p:cNvPicPr>
+            <a:picLocks noChangeAspect="1"/>
+          </p:cNvPicPr>
+          <p:nvPr/>
+        </p:nvPicPr>
+        <p:blipFill>
+          <a:blip r:embed="rId3"/>
+          <a:stretch>
+            <a:fillRect/>
+          </a:stretch>
+        </p:blipFill>
+        <p:spPr>
+          <a:xfrm>
+            <a:off x="5629955" y="630589"/>
+            <a:ext cx="5895975" cy="5553075"/>
+          </a:xfrm>
+          <a:prstGeom prst="rect">
+            <a:avLst/>
+          </a:prstGeom>
+        </p:spPr>
+      </p:pic>
+    </p:spTree>
+    <p:extLst>
+      <p:ext uri="{BB962C8B-B14F-4D97-AF65-F5344CB8AC3E}">
+        <p14:creationId xmlns:p14="http://schemas.microsoft.com/office/powerpoint/2010/main" val="3824320682"/>
       </p:ext>
     </p:extLst>
   </p:cSld>

--- a/classes/prog2016/Prog3-Lecture22.pptx
+++ b/classes/prog2016/Prog3-Lecture22.pptx
@@ -9531,7 +9531,7 @@
       </p:grpSpPr>
       <p:pic>
         <p:nvPicPr>
-          <p:cNvPr id="2" name="Picture 1"/>
+          <p:cNvPr id="4" name="Picture 3"/>
           <p:cNvPicPr>
             <a:picLocks noChangeAspect="1"/>
           </p:cNvPicPr>
@@ -9545,32 +9545,8 @@
         </p:blipFill>
         <p:spPr>
           <a:xfrm>
-            <a:off x="433697" y="448725"/>
-            <a:ext cx="6727124" cy="6321772"/>
-          </a:xfrm>
-          <a:prstGeom prst="rect">
-            <a:avLst/>
-          </a:prstGeom>
-        </p:spPr>
-      </p:pic>
-      <p:pic>
-        <p:nvPicPr>
-          <p:cNvPr id="3" name="Picture 2"/>
-          <p:cNvPicPr>
-            <a:picLocks noChangeAspect="1"/>
-          </p:cNvPicPr>
-          <p:nvPr/>
-        </p:nvPicPr>
-        <p:blipFill>
-          <a:blip r:embed="rId3"/>
-          <a:stretch>
-            <a:fillRect/>
-          </a:stretch>
-        </p:blipFill>
-        <p:spPr>
-          <a:xfrm>
-            <a:off x="433697" y="170087"/>
-            <a:ext cx="6076950" cy="247650"/>
+            <a:off x="307644" y="144325"/>
+            <a:ext cx="5772521" cy="6673936"/>
           </a:xfrm>
           <a:prstGeom prst="rect">
             <a:avLst/>
@@ -9585,7 +9561,7 @@
         </p:nvCxnSpPr>
         <p:spPr>
           <a:xfrm flipH="1">
-            <a:off x="5225143" y="961901"/>
+            <a:off x="4120737" y="795647"/>
             <a:ext cx="1543792" cy="0"/>
           </a:xfrm>
           <a:prstGeom prst="straightConnector1">
@@ -9618,7 +9594,7 @@
         </p:nvCxnSpPr>
         <p:spPr>
           <a:xfrm flipH="1">
-            <a:off x="4821382" y="2719449"/>
+            <a:off x="2778825" y="2719449"/>
             <a:ext cx="1864426" cy="0"/>
           </a:xfrm>
           <a:prstGeom prst="straightConnector1">
@@ -9651,7 +9627,7 @@
         </p:nvSpPr>
         <p:spPr>
           <a:xfrm>
-            <a:off x="5664530" y="1187534"/>
+            <a:off x="4992603" y="1006205"/>
             <a:ext cx="5416868" cy="1477328"/>
           </a:xfrm>
           <a:prstGeom prst="rect">
@@ -9716,7 +9692,7 @@
         </p:nvCxnSpPr>
         <p:spPr>
           <a:xfrm flipH="1">
-            <a:off x="3954483" y="5498276"/>
+            <a:off x="3536866" y="5262280"/>
             <a:ext cx="866899" cy="11875"/>
           </a:xfrm>
           <a:prstGeom prst="straightConnector1">
@@ -9749,7 +9725,7 @@
         </p:nvSpPr>
         <p:spPr>
           <a:xfrm>
-            <a:off x="4904509" y="5343896"/>
+            <a:off x="4381995" y="5070764"/>
             <a:ext cx="5248424" cy="369332"/>
           </a:xfrm>
           <a:prstGeom prst="rect">
@@ -9778,7 +9754,7 @@
         </p:nvCxnSpPr>
         <p:spPr>
           <a:xfrm flipH="1" flipV="1">
-            <a:off x="3313216" y="3348842"/>
+            <a:off x="2778829" y="3503221"/>
             <a:ext cx="641267" cy="11875"/>
           </a:xfrm>
           <a:prstGeom prst="straightConnector1">
@@ -9811,7 +9787,7 @@
         </p:nvSpPr>
         <p:spPr>
           <a:xfrm>
-            <a:off x="4037610" y="3206339"/>
+            <a:off x="3503223" y="3360718"/>
             <a:ext cx="5213222" cy="369332"/>
           </a:xfrm>
           <a:prstGeom prst="rect">
@@ -9840,7 +9816,7 @@
         </p:nvCxnSpPr>
         <p:spPr>
           <a:xfrm flipH="1" flipV="1">
-            <a:off x="4748152" y="5021284"/>
+            <a:off x="3501241" y="4665025"/>
             <a:ext cx="641267" cy="11875"/>
           </a:xfrm>
           <a:prstGeom prst="straightConnector1">
@@ -9873,7 +9849,7 @@
         </p:nvSpPr>
         <p:spPr>
           <a:xfrm>
-            <a:off x="5448796" y="4878781"/>
+            <a:off x="4201885" y="4522522"/>
             <a:ext cx="3873112" cy="369332"/>
           </a:xfrm>
           <a:prstGeom prst="rect">

--- a/classes/prog2016/Prog3-Lecture22.pptx
+++ b/classes/prog2016/Prog3-Lecture22.pptx
@@ -37,7 +37,13 @@
     <p:sldId id="287" r:id="rId31"/>
     <p:sldId id="288" r:id="rId32"/>
     <p:sldId id="289" r:id="rId33"/>
-    <p:sldId id="290" r:id="rId34"/>
+    <p:sldId id="291" r:id="rId34"/>
+    <p:sldId id="290" r:id="rId35"/>
+    <p:sldId id="292" r:id="rId36"/>
+    <p:sldId id="293" r:id="rId37"/>
+    <p:sldId id="294" r:id="rId38"/>
+    <p:sldId id="295" r:id="rId39"/>
+    <p:sldId id="296" r:id="rId40"/>
   </p:sldIdLst>
   <p:sldSz cx="12192000" cy="6858000"/>
   <p:notesSz cx="6858000" cy="9144000"/>
@@ -273,7 +279,7 @@
           <a:p>
             <a:fld id="{2A29526C-FCA9-4192-994E-C57D3FD5424C}" type="datetimeFigureOut">
               <a:rPr lang="en-US" smtClean="0"/>
-              <a:t>11/24/2016</a:t>
+              <a:t>12/6/2016</a:t>
             </a:fld>
             <a:endParaRPr lang="en-US"/>
           </a:p>
@@ -441,7 +447,7 @@
           <a:p>
             <a:fld id="{2A29526C-FCA9-4192-994E-C57D3FD5424C}" type="datetimeFigureOut">
               <a:rPr lang="en-US" smtClean="0"/>
-              <a:t>11/24/2016</a:t>
+              <a:t>12/6/2016</a:t>
             </a:fld>
             <a:endParaRPr lang="en-US"/>
           </a:p>
@@ -619,7 +625,7 @@
           <a:p>
             <a:fld id="{2A29526C-FCA9-4192-994E-C57D3FD5424C}" type="datetimeFigureOut">
               <a:rPr lang="en-US" smtClean="0"/>
-              <a:t>11/24/2016</a:t>
+              <a:t>12/6/2016</a:t>
             </a:fld>
             <a:endParaRPr lang="en-US"/>
           </a:p>
@@ -787,7 +793,7 @@
           <a:p>
             <a:fld id="{2A29526C-FCA9-4192-994E-C57D3FD5424C}" type="datetimeFigureOut">
               <a:rPr lang="en-US" smtClean="0"/>
-              <a:t>11/24/2016</a:t>
+              <a:t>12/6/2016</a:t>
             </a:fld>
             <a:endParaRPr lang="en-US"/>
           </a:p>
@@ -1032,7 +1038,7 @@
           <a:p>
             <a:fld id="{2A29526C-FCA9-4192-994E-C57D3FD5424C}" type="datetimeFigureOut">
               <a:rPr lang="en-US" smtClean="0"/>
-              <a:t>11/24/2016</a:t>
+              <a:t>12/6/2016</a:t>
             </a:fld>
             <a:endParaRPr lang="en-US"/>
           </a:p>
@@ -1261,7 +1267,7 @@
           <a:p>
             <a:fld id="{2A29526C-FCA9-4192-994E-C57D3FD5424C}" type="datetimeFigureOut">
               <a:rPr lang="en-US" smtClean="0"/>
-              <a:t>11/24/2016</a:t>
+              <a:t>12/6/2016</a:t>
             </a:fld>
             <a:endParaRPr lang="en-US"/>
           </a:p>
@@ -1625,7 +1631,7 @@
           <a:p>
             <a:fld id="{2A29526C-FCA9-4192-994E-C57D3FD5424C}" type="datetimeFigureOut">
               <a:rPr lang="en-US" smtClean="0"/>
-              <a:t>11/24/2016</a:t>
+              <a:t>12/6/2016</a:t>
             </a:fld>
             <a:endParaRPr lang="en-US"/>
           </a:p>
@@ -1742,7 +1748,7 @@
           <a:p>
             <a:fld id="{2A29526C-FCA9-4192-994E-C57D3FD5424C}" type="datetimeFigureOut">
               <a:rPr lang="en-US" smtClean="0"/>
-              <a:t>11/24/2016</a:t>
+              <a:t>12/6/2016</a:t>
             </a:fld>
             <a:endParaRPr lang="en-US"/>
           </a:p>
@@ -1837,7 +1843,7 @@
           <a:p>
             <a:fld id="{2A29526C-FCA9-4192-994E-C57D3FD5424C}" type="datetimeFigureOut">
               <a:rPr lang="en-US" smtClean="0"/>
-              <a:t>11/24/2016</a:t>
+              <a:t>12/6/2016</a:t>
             </a:fld>
             <a:endParaRPr lang="en-US"/>
           </a:p>
@@ -2112,7 +2118,7 @@
           <a:p>
             <a:fld id="{2A29526C-FCA9-4192-994E-C57D3FD5424C}" type="datetimeFigureOut">
               <a:rPr lang="en-US" smtClean="0"/>
-              <a:t>11/24/2016</a:t>
+              <a:t>12/6/2016</a:t>
             </a:fld>
             <a:endParaRPr lang="en-US"/>
           </a:p>
@@ -2364,7 +2370,7 @@
           <a:p>
             <a:fld id="{2A29526C-FCA9-4192-994E-C57D3FD5424C}" type="datetimeFigureOut">
               <a:rPr lang="en-US" smtClean="0"/>
-              <a:t>11/24/2016</a:t>
+              <a:t>12/6/2016</a:t>
             </a:fld>
             <a:endParaRPr lang="en-US"/>
           </a:p>
@@ -2575,7 +2581,7 @@
           <a:p>
             <a:fld id="{2A29526C-FCA9-4192-994E-C57D3FD5424C}" type="datetimeFigureOut">
               <a:rPr lang="en-US" smtClean="0"/>
-              <a:t>11/24/2016</a:t>
+              <a:t>12/6/2016</a:t>
             </a:fld>
             <a:endParaRPr lang="en-US"/>
           </a:p>
@@ -3790,7 +3796,7 @@
       </p:grpSpPr>
       <p:pic>
         <p:nvPicPr>
-          <p:cNvPr id="2" name="Picture 1"/>
+          <p:cNvPr id="3" name="Picture 2"/>
           <p:cNvPicPr>
             <a:picLocks noChangeAspect="1"/>
           </p:cNvPicPr>
@@ -3804,8 +3810,8 @@
         </p:blipFill>
         <p:spPr>
           <a:xfrm>
-            <a:off x="110834" y="348280"/>
-            <a:ext cx="7480620" cy="5815013"/>
+            <a:off x="13978" y="797687"/>
+            <a:ext cx="6915150" cy="5286375"/>
           </a:xfrm>
           <a:prstGeom prst="rect">
             <a:avLst/>
@@ -3820,7 +3826,7 @@
         </p:nvCxnSpPr>
         <p:spPr>
           <a:xfrm flipH="1" flipV="1">
-            <a:off x="3859479" y="2719448"/>
+            <a:off x="3657599" y="3087582"/>
             <a:ext cx="1104405" cy="11875"/>
           </a:xfrm>
           <a:prstGeom prst="straightConnector1">
@@ -3886,7 +3892,7 @@
         </p:nvSpPr>
         <p:spPr>
           <a:xfrm>
-            <a:off x="4560125" y="2386938"/>
+            <a:off x="4358245" y="2755072"/>
             <a:ext cx="2710999" cy="369332"/>
           </a:xfrm>
           <a:prstGeom prst="rect">
@@ -3918,7 +3924,7 @@
         </p:nvSpPr>
         <p:spPr>
           <a:xfrm>
-            <a:off x="5367645" y="4833255"/>
+            <a:off x="5961410" y="4952007"/>
             <a:ext cx="2108269" cy="369332"/>
           </a:xfrm>
           <a:prstGeom prst="rect">
@@ -8422,7 +8428,7 @@
         </p:nvSpPr>
         <p:spPr>
           <a:xfrm>
-            <a:off x="130628" y="6240918"/>
+            <a:off x="130628" y="6442798"/>
             <a:ext cx="10485912" cy="369332"/>
           </a:xfrm>
           <a:prstGeom prst="rect">
@@ -8444,7 +8450,7 @@
       </p:sp>
       <p:pic>
         <p:nvPicPr>
-          <p:cNvPr id="9" name="Picture 8"/>
+          <p:cNvPr id="2" name="Picture 1"/>
           <p:cNvPicPr>
             <a:picLocks noChangeAspect="1"/>
           </p:cNvPicPr>
@@ -8458,8 +8464,8 @@
         </p:blipFill>
         <p:spPr>
           <a:xfrm>
-            <a:off x="868259" y="526175"/>
-            <a:ext cx="9010650" cy="5581650"/>
+            <a:off x="969197" y="393083"/>
+            <a:ext cx="8982323" cy="5947479"/>
           </a:xfrm>
           <a:prstGeom prst="rect">
             <a:avLst/>
@@ -8496,46 +8502,9 @@
           <a:chExt cx="0" cy="0"/>
         </a:xfrm>
       </p:grpSpPr>
-      <p:sp>
-        <p:nvSpPr>
-          <p:cNvPr id="4" name="TextBox 3"/>
-          <p:cNvSpPr txBox="1"/>
-          <p:nvPr/>
-        </p:nvSpPr>
-        <p:spPr>
-          <a:xfrm>
-            <a:off x="593766" y="261257"/>
-            <a:ext cx="9288505" cy="369332"/>
-          </a:xfrm>
-          <a:prstGeom prst="rect">
-            <a:avLst/>
-          </a:prstGeom>
-          <a:noFill/>
-        </p:spPr>
-        <p:txBody>
-          <a:bodyPr wrap="none" rtlCol="0">
-            <a:spAutoFit/>
-          </a:bodyPr>
-          <a:lstStyle/>
-          <a:p>
-            <a:r>
-              <a:rPr lang="en-US" dirty="0"/>
-              <a:t>As has been noted many times in the literature, </a:t>
-            </a:r>
-            <a:r>
-              <a:rPr lang="en-US" dirty="0" err="1"/>
-              <a:t>RandomForest</a:t>
-            </a:r>
-            <a:r>
-              <a:rPr lang="en-US" dirty="0"/>
-              <a:t> works best for microbiome data…</a:t>
-            </a:r>
-          </a:p>
-        </p:txBody>
-      </p:sp>
       <p:pic>
         <p:nvPicPr>
-          <p:cNvPr id="5" name="Picture 4"/>
+          <p:cNvPr id="2" name="Picture 1"/>
           <p:cNvPicPr>
             <a:picLocks noChangeAspect="1"/>
           </p:cNvPicPr>
@@ -8549,8 +8518,145 @@
         </p:blipFill>
         <p:spPr>
           <a:xfrm>
-            <a:off x="248330" y="1203985"/>
-            <a:ext cx="5381625" cy="1504950"/>
+            <a:off x="1653144" y="1008475"/>
+            <a:ext cx="6338950" cy="5169262"/>
+          </a:xfrm>
+          <a:prstGeom prst="rect">
+            <a:avLst/>
+          </a:prstGeom>
+        </p:spPr>
+      </p:pic>
+      <p:sp>
+        <p:nvSpPr>
+          <p:cNvPr id="3" name="TextBox 2"/>
+          <p:cNvSpPr txBox="1"/>
+          <p:nvPr/>
+        </p:nvSpPr>
+        <p:spPr>
+          <a:xfrm>
+            <a:off x="1306286" y="178130"/>
+            <a:ext cx="6041077" cy="369332"/>
+          </a:xfrm>
+          <a:prstGeom prst="rect">
+            <a:avLst/>
+          </a:prstGeom>
+          <a:noFill/>
+        </p:spPr>
+        <p:txBody>
+          <a:bodyPr wrap="none" rtlCol="0">
+            <a:spAutoFit/>
+          </a:bodyPr>
+          <a:lstStyle/>
+          <a:p>
+            <a:r>
+              <a:rPr lang="en-US" dirty="0">
+                <a:latin typeface="Arial" panose="020B0604020202020204" pitchFamily="34" charset="0"/>
+                <a:cs typeface="Arial" panose="020B0604020202020204" pitchFamily="34" charset="0"/>
+              </a:rPr>
+              <a:t>We can look at the ROC curves for a visual comparison…</a:t>
+            </a:r>
+          </a:p>
+        </p:txBody>
+      </p:sp>
+    </p:spTree>
+    <p:extLst>
+      <p:ext uri="{BB962C8B-B14F-4D97-AF65-F5344CB8AC3E}">
+        <p14:creationId xmlns:p14="http://schemas.microsoft.com/office/powerpoint/2010/main" val="1100388762"/>
+      </p:ext>
+    </p:extLst>
+  </p:cSld>
+  <p:clrMapOvr>
+    <a:masterClrMapping/>
+  </p:clrMapOvr>
+</p:sld>
+</file>
+
+<file path=ppt/slides/slide34.xml><?xml version="1.0" encoding="utf-8"?>
+<p:sld xmlns:a="http://schemas.openxmlformats.org/drawingml/2006/main" xmlns:r="http://schemas.openxmlformats.org/officeDocument/2006/relationships" xmlns:p="http://schemas.openxmlformats.org/presentationml/2006/main">
+  <p:cSld>
+    <p:spTree>
+      <p:nvGrpSpPr>
+        <p:cNvPr id="1" name=""/>
+        <p:cNvGrpSpPr/>
+        <p:nvPr/>
+      </p:nvGrpSpPr>
+      <p:grpSpPr>
+        <a:xfrm>
+          <a:off x="0" y="0"/>
+          <a:ext cx="0" cy="0"/>
+          <a:chOff x="0" y="0"/>
+          <a:chExt cx="0" cy="0"/>
+        </a:xfrm>
+      </p:grpSpPr>
+      <p:sp>
+        <p:nvSpPr>
+          <p:cNvPr id="4" name="TextBox 3"/>
+          <p:cNvSpPr txBox="1"/>
+          <p:nvPr/>
+        </p:nvSpPr>
+        <p:spPr>
+          <a:xfrm>
+            <a:off x="593766" y="261257"/>
+            <a:ext cx="9108456" cy="646331"/>
+          </a:xfrm>
+          <a:prstGeom prst="rect">
+            <a:avLst/>
+          </a:prstGeom>
+          <a:noFill/>
+        </p:spPr>
+        <p:txBody>
+          <a:bodyPr wrap="none" rtlCol="0">
+            <a:spAutoFit/>
+          </a:bodyPr>
+          <a:lstStyle/>
+          <a:p>
+            <a:r>
+              <a:rPr lang="en-US" dirty="0"/>
+              <a:t>It has been noted many times in the literature, </a:t>
+            </a:r>
+            <a:r>
+              <a:rPr lang="en-US" dirty="0" err="1"/>
+              <a:t>RandomForest</a:t>
+            </a:r>
+            <a:r>
+              <a:rPr lang="en-US" dirty="0"/>
+              <a:t> works best for microbiome data…</a:t>
+            </a:r>
+          </a:p>
+          <a:p>
+            <a:r>
+              <a:rPr lang="en-US" dirty="0"/>
+              <a:t>Here the “</a:t>
+            </a:r>
+            <a:r>
+              <a:rPr lang="en-US" dirty="0" err="1"/>
+              <a:t>OneR</a:t>
+            </a:r>
+            <a:r>
+              <a:rPr lang="en-US" dirty="0"/>
+              <a:t>” algorithm does well…</a:t>
+            </a:r>
+          </a:p>
+        </p:txBody>
+      </p:sp>
+      <p:pic>
+        <p:nvPicPr>
+          <p:cNvPr id="2" name="Picture 1"/>
+          <p:cNvPicPr>
+            <a:picLocks noChangeAspect="1"/>
+          </p:cNvPicPr>
+          <p:nvPr/>
+        </p:nvPicPr>
+        <p:blipFill>
+          <a:blip r:embed="rId2"/>
+          <a:stretch>
+            <a:fillRect/>
+          </a:stretch>
+        </p:blipFill>
+        <p:spPr>
+          <a:xfrm>
+            <a:off x="6215703" y="1111421"/>
+            <a:ext cx="5654858" cy="5385151"/>
           </a:xfrm>
           <a:prstGeom prst="rect">
             <a:avLst/>
@@ -8559,7 +8665,7 @@
       </p:pic>
       <p:pic>
         <p:nvPicPr>
-          <p:cNvPr id="6" name="Picture 5"/>
+          <p:cNvPr id="3" name="Picture 2"/>
           <p:cNvPicPr>
             <a:picLocks noChangeAspect="1"/>
           </p:cNvPicPr>
@@ -8573,8 +8679,8 @@
         </p:blipFill>
         <p:spPr>
           <a:xfrm>
-            <a:off x="5629955" y="630589"/>
-            <a:ext cx="5895975" cy="5553075"/>
+            <a:off x="154380" y="1111422"/>
+            <a:ext cx="6061323" cy="1060196"/>
           </a:xfrm>
           <a:prstGeom prst="rect">
             <a:avLst/>
@@ -8585,6 +8691,676 @@
     <p:extLst>
       <p:ext uri="{BB962C8B-B14F-4D97-AF65-F5344CB8AC3E}">
         <p14:creationId xmlns:p14="http://schemas.microsoft.com/office/powerpoint/2010/main" val="3824320682"/>
+      </p:ext>
+    </p:extLst>
+  </p:cSld>
+  <p:clrMapOvr>
+    <a:masterClrMapping/>
+  </p:clrMapOvr>
+</p:sld>
+</file>
+
+<file path=ppt/slides/slide35.xml><?xml version="1.0" encoding="utf-8"?>
+<p:sld xmlns:a="http://schemas.openxmlformats.org/drawingml/2006/main" xmlns:r="http://schemas.openxmlformats.org/officeDocument/2006/relationships" xmlns:p="http://schemas.openxmlformats.org/presentationml/2006/main">
+  <p:cSld>
+    <p:spTree>
+      <p:nvGrpSpPr>
+        <p:cNvPr id="1" name=""/>
+        <p:cNvGrpSpPr/>
+        <p:nvPr/>
+      </p:nvGrpSpPr>
+      <p:grpSpPr>
+        <a:xfrm>
+          <a:off x="0" y="0"/>
+          <a:ext cx="0" cy="0"/>
+          <a:chOff x="0" y="0"/>
+          <a:chExt cx="0" cy="0"/>
+        </a:xfrm>
+      </p:grpSpPr>
+      <p:pic>
+        <p:nvPicPr>
+          <p:cNvPr id="2" name="Picture 1"/>
+          <p:cNvPicPr>
+            <a:picLocks noChangeAspect="1"/>
+          </p:cNvPicPr>
+          <p:nvPr/>
+        </p:nvPicPr>
+        <p:blipFill>
+          <a:blip r:embed="rId2"/>
+          <a:stretch>
+            <a:fillRect/>
+          </a:stretch>
+        </p:blipFill>
+        <p:spPr>
+          <a:xfrm>
+            <a:off x="141142" y="660876"/>
+            <a:ext cx="5686180" cy="5859874"/>
+          </a:xfrm>
+          <a:prstGeom prst="rect">
+            <a:avLst/>
+          </a:prstGeom>
+        </p:spPr>
+      </p:pic>
+      <p:sp>
+        <p:nvSpPr>
+          <p:cNvPr id="3" name="TextBox 2"/>
+          <p:cNvSpPr txBox="1"/>
+          <p:nvPr/>
+        </p:nvSpPr>
+        <p:spPr>
+          <a:xfrm>
+            <a:off x="391886" y="106878"/>
+            <a:ext cx="11145039" cy="646331"/>
+          </a:xfrm>
+          <a:prstGeom prst="rect">
+            <a:avLst/>
+          </a:prstGeom>
+          <a:noFill/>
+        </p:spPr>
+        <p:txBody>
+          <a:bodyPr wrap="none" rtlCol="0">
+            <a:spAutoFit/>
+          </a:bodyPr>
+          <a:lstStyle/>
+          <a:p>
+            <a:r>
+              <a:rPr lang="en-US" dirty="0">
+                <a:latin typeface="Arial" panose="020B0604020202020204" pitchFamily="34" charset="0"/>
+                <a:cs typeface="Arial" panose="020B0604020202020204" pitchFamily="34" charset="0"/>
+              </a:rPr>
+              <a:t>We can easily expand our classifier pool (commented out classifiers don’t work on binary data or don’t have</a:t>
+            </a:r>
+          </a:p>
+          <a:p>
+            <a:r>
+              <a:rPr lang="en-US" dirty="0">
+                <a:latin typeface="Arial" panose="020B0604020202020204" pitchFamily="34" charset="0"/>
+                <a:cs typeface="Arial" panose="020B0604020202020204" pitchFamily="34" charset="0"/>
+              </a:rPr>
+              <a:t>Default constructors/parameter sets or otherwise threw an Exception…)</a:t>
+            </a:r>
+          </a:p>
+        </p:txBody>
+      </p:sp>
+      <p:sp>
+        <p:nvSpPr>
+          <p:cNvPr id="4" name="Rectangle 3"/>
+          <p:cNvSpPr/>
+          <p:nvPr/>
+        </p:nvSpPr>
+        <p:spPr>
+          <a:xfrm>
+            <a:off x="4389910" y="6452167"/>
+            <a:ext cx="11285517" cy="276999"/>
+          </a:xfrm>
+          <a:prstGeom prst="rect">
+            <a:avLst/>
+          </a:prstGeom>
+        </p:spPr>
+        <p:txBody>
+          <a:bodyPr wrap="square">
+            <a:spAutoFit/>
+          </a:bodyPr>
+          <a:lstStyle/>
+          <a:p>
+            <a:r>
+              <a:rPr lang="en-US" sz="1200" dirty="0"/>
+              <a:t>https://github.com/afodor/WekaExamples/blob/master/src/metaMergers/RunAllClassifiersVsAllDataLocal.java</a:t>
+            </a:r>
+          </a:p>
+        </p:txBody>
+      </p:sp>
+      <p:sp>
+        <p:nvSpPr>
+          <p:cNvPr id="5" name="TextBox 4"/>
+          <p:cNvSpPr txBox="1"/>
+          <p:nvPr/>
+        </p:nvSpPr>
+        <p:spPr>
+          <a:xfrm>
+            <a:off x="3918858" y="5723906"/>
+            <a:ext cx="1925848" cy="369332"/>
+          </a:xfrm>
+          <a:prstGeom prst="rect">
+            <a:avLst/>
+          </a:prstGeom>
+          <a:noFill/>
+        </p:spPr>
+        <p:txBody>
+          <a:bodyPr wrap="none" rtlCol="0">
+            <a:spAutoFit/>
+          </a:bodyPr>
+          <a:lstStyle/>
+          <a:p>
+            <a:r>
+              <a:rPr lang="en-US" dirty="0"/>
+              <a:t>(I got as far as L….)</a:t>
+            </a:r>
+          </a:p>
+        </p:txBody>
+      </p:sp>
+    </p:spTree>
+    <p:extLst>
+      <p:ext uri="{BB962C8B-B14F-4D97-AF65-F5344CB8AC3E}">
+        <p14:creationId xmlns:p14="http://schemas.microsoft.com/office/powerpoint/2010/main" val="2470193526"/>
+      </p:ext>
+    </p:extLst>
+  </p:cSld>
+  <p:clrMapOvr>
+    <a:masterClrMapping/>
+  </p:clrMapOvr>
+</p:sld>
+</file>
+
+<file path=ppt/slides/slide36.xml><?xml version="1.0" encoding="utf-8"?>
+<p:sld xmlns:a="http://schemas.openxmlformats.org/drawingml/2006/main" xmlns:r="http://schemas.openxmlformats.org/officeDocument/2006/relationships" xmlns:p="http://schemas.openxmlformats.org/presentationml/2006/main">
+  <p:cSld>
+    <p:spTree>
+      <p:nvGrpSpPr>
+        <p:cNvPr id="1" name=""/>
+        <p:cNvGrpSpPr/>
+        <p:nvPr/>
+      </p:nvGrpSpPr>
+      <p:grpSpPr>
+        <a:xfrm>
+          <a:off x="0" y="0"/>
+          <a:ext cx="0" cy="0"/>
+          <a:chOff x="0" y="0"/>
+          <a:chExt cx="0" cy="0"/>
+        </a:xfrm>
+      </p:grpSpPr>
+      <p:sp>
+        <p:nvSpPr>
+          <p:cNvPr id="2" name="TextBox 1"/>
+          <p:cNvSpPr txBox="1"/>
+          <p:nvPr/>
+        </p:nvSpPr>
+        <p:spPr>
+          <a:xfrm>
+            <a:off x="558140" y="178131"/>
+            <a:ext cx="6712094" cy="369332"/>
+          </a:xfrm>
+          <a:prstGeom prst="rect">
+            <a:avLst/>
+          </a:prstGeom>
+          <a:noFill/>
+        </p:spPr>
+        <p:txBody>
+          <a:bodyPr wrap="none" rtlCol="0">
+            <a:spAutoFit/>
+          </a:bodyPr>
+          <a:lstStyle/>
+          <a:p>
+            <a:r>
+              <a:rPr lang="en-US" dirty="0">
+                <a:latin typeface="Arial" panose="020B0604020202020204" pitchFamily="34" charset="0"/>
+                <a:cs typeface="Arial" panose="020B0604020202020204" pitchFamily="34" charset="0"/>
+              </a:rPr>
+              <a:t>On our adenomas dataset at the genus level, </a:t>
+            </a:r>
+            <a:r>
+              <a:rPr lang="en-US" dirty="0" err="1">
+                <a:latin typeface="Arial" panose="020B0604020202020204" pitchFamily="34" charset="0"/>
+                <a:cs typeface="Arial" panose="020B0604020202020204" pitchFamily="34" charset="0"/>
+              </a:rPr>
+              <a:t>OneR</a:t>
+            </a:r>
+            <a:r>
+              <a:rPr lang="en-US" dirty="0">
+                <a:latin typeface="Arial" panose="020B0604020202020204" pitchFamily="34" charset="0"/>
+                <a:cs typeface="Arial" panose="020B0604020202020204" pitchFamily="34" charset="0"/>
+              </a:rPr>
+              <a:t> does well…</a:t>
+            </a:r>
+          </a:p>
+        </p:txBody>
+      </p:sp>
+      <p:sp>
+        <p:nvSpPr>
+          <p:cNvPr id="3" name="Rectangle 2"/>
+          <p:cNvSpPr/>
+          <p:nvPr/>
+        </p:nvSpPr>
+        <p:spPr>
+          <a:xfrm>
+            <a:off x="3356758" y="6488668"/>
+            <a:ext cx="9516094" cy="369332"/>
+          </a:xfrm>
+          <a:prstGeom prst="rect">
+            <a:avLst/>
+          </a:prstGeom>
+        </p:spPr>
+        <p:txBody>
+          <a:bodyPr wrap="square">
+            <a:spAutoFit/>
+          </a:bodyPr>
+          <a:lstStyle/>
+          <a:p>
+            <a:r>
+              <a:rPr lang="en-US" dirty="0"/>
+              <a:t>https://github.com/afodor/WekaExamples/blob/master/src/metaMergers/plotAllVsAll.txt</a:t>
+            </a:r>
+          </a:p>
+        </p:txBody>
+      </p:sp>
+      <p:pic>
+        <p:nvPicPr>
+          <p:cNvPr id="4" name="Picture 3"/>
+          <p:cNvPicPr>
+            <a:picLocks noChangeAspect="1"/>
+          </p:cNvPicPr>
+          <p:nvPr/>
+        </p:nvPicPr>
+        <p:blipFill>
+          <a:blip r:embed="rId2"/>
+          <a:stretch>
+            <a:fillRect/>
+          </a:stretch>
+        </p:blipFill>
+        <p:spPr>
+          <a:xfrm>
+            <a:off x="1099952" y="547463"/>
+            <a:ext cx="7937170" cy="5848440"/>
+          </a:xfrm>
+          <a:prstGeom prst="rect">
+            <a:avLst/>
+          </a:prstGeom>
+        </p:spPr>
+      </p:pic>
+      <p:cxnSp>
+        <p:nvCxnSpPr>
+          <p:cNvPr id="6" name="Straight Arrow Connector 5"/>
+          <p:cNvCxnSpPr/>
+          <p:nvPr/>
+        </p:nvCxnSpPr>
+        <p:spPr>
+          <a:xfrm flipH="1">
+            <a:off x="7422078" y="878774"/>
+            <a:ext cx="308758" cy="332509"/>
+          </a:xfrm>
+          <a:prstGeom prst="straightConnector1">
+            <a:avLst/>
+          </a:prstGeom>
+          <a:ln>
+            <a:tailEnd type="triangle"/>
+          </a:ln>
+        </p:spPr>
+        <p:style>
+          <a:lnRef idx="1">
+            <a:schemeClr val="accent1"/>
+          </a:lnRef>
+          <a:fillRef idx="0">
+            <a:schemeClr val="accent1"/>
+          </a:fillRef>
+          <a:effectRef idx="0">
+            <a:schemeClr val="accent1"/>
+          </a:effectRef>
+          <a:fontRef idx="minor">
+            <a:schemeClr val="tx1"/>
+          </a:fontRef>
+        </p:style>
+      </p:cxnSp>
+    </p:spTree>
+    <p:extLst>
+      <p:ext uri="{BB962C8B-B14F-4D97-AF65-F5344CB8AC3E}">
+        <p14:creationId xmlns:p14="http://schemas.microsoft.com/office/powerpoint/2010/main" val="3604448459"/>
+      </p:ext>
+    </p:extLst>
+  </p:cSld>
+  <p:clrMapOvr>
+    <a:masterClrMapping/>
+  </p:clrMapOvr>
+</p:sld>
+</file>
+
+<file path=ppt/slides/slide37.xml><?xml version="1.0" encoding="utf-8"?>
+<p:sld xmlns:a="http://schemas.openxmlformats.org/drawingml/2006/main" xmlns:r="http://schemas.openxmlformats.org/officeDocument/2006/relationships" xmlns:p="http://schemas.openxmlformats.org/presentationml/2006/main">
+  <p:cSld>
+    <p:spTree>
+      <p:nvGrpSpPr>
+        <p:cNvPr id="1" name=""/>
+        <p:cNvGrpSpPr/>
+        <p:nvPr/>
+      </p:nvGrpSpPr>
+      <p:grpSpPr>
+        <a:xfrm>
+          <a:off x="0" y="0"/>
+          <a:ext cx="0" cy="0"/>
+          <a:chOff x="0" y="0"/>
+          <a:chExt cx="0" cy="0"/>
+        </a:xfrm>
+      </p:grpSpPr>
+      <p:sp>
+        <p:nvSpPr>
+          <p:cNvPr id="2" name="TextBox 1"/>
+          <p:cNvSpPr txBox="1"/>
+          <p:nvPr/>
+        </p:nvSpPr>
+        <p:spPr>
+          <a:xfrm>
+            <a:off x="665019" y="59377"/>
+            <a:ext cx="6211957" cy="369332"/>
+          </a:xfrm>
+          <a:prstGeom prst="rect">
+            <a:avLst/>
+          </a:prstGeom>
+          <a:noFill/>
+        </p:spPr>
+        <p:txBody>
+          <a:bodyPr wrap="none" rtlCol="0">
+            <a:spAutoFit/>
+          </a:bodyPr>
+          <a:lstStyle/>
+          <a:p>
+            <a:r>
+              <a:rPr lang="en-US" dirty="0">
+                <a:latin typeface="Arial" panose="020B0604020202020204" pitchFamily="34" charset="0"/>
+                <a:cs typeface="Arial" panose="020B0604020202020204" pitchFamily="34" charset="0"/>
+              </a:rPr>
+              <a:t>But </a:t>
+            </a:r>
+            <a:r>
+              <a:rPr lang="en-US" dirty="0" err="1">
+                <a:latin typeface="Arial" panose="020B0604020202020204" pitchFamily="34" charset="0"/>
+                <a:cs typeface="Arial" panose="020B0604020202020204" pitchFamily="34" charset="0"/>
+              </a:rPr>
+              <a:t>RandomForest</a:t>
+            </a:r>
+            <a:r>
+              <a:rPr lang="en-US" dirty="0">
+                <a:latin typeface="Arial" panose="020B0604020202020204" pitchFamily="34" charset="0"/>
+                <a:cs typeface="Arial" panose="020B0604020202020204" pitchFamily="34" charset="0"/>
+              </a:rPr>
+              <a:t> is more reliable across other datasets…</a:t>
+            </a:r>
+          </a:p>
+        </p:txBody>
+      </p:sp>
+      <p:pic>
+        <p:nvPicPr>
+          <p:cNvPr id="3" name="Picture 2"/>
+          <p:cNvPicPr>
+            <a:picLocks noChangeAspect="1"/>
+          </p:cNvPicPr>
+          <p:nvPr/>
+        </p:nvPicPr>
+        <p:blipFill>
+          <a:blip r:embed="rId2"/>
+          <a:stretch>
+            <a:fillRect/>
+          </a:stretch>
+        </p:blipFill>
+        <p:spPr>
+          <a:xfrm>
+            <a:off x="1738312" y="442912"/>
+            <a:ext cx="8854478" cy="6067495"/>
+          </a:xfrm>
+          <a:prstGeom prst="rect">
+            <a:avLst/>
+          </a:prstGeom>
+        </p:spPr>
+      </p:pic>
+      <p:cxnSp>
+        <p:nvCxnSpPr>
+          <p:cNvPr id="5" name="Straight Arrow Connector 4"/>
+          <p:cNvCxnSpPr/>
+          <p:nvPr/>
+        </p:nvCxnSpPr>
+        <p:spPr>
+          <a:xfrm flipH="1">
+            <a:off x="8372104" y="1330036"/>
+            <a:ext cx="368135" cy="439387"/>
+          </a:xfrm>
+          <a:prstGeom prst="straightConnector1">
+            <a:avLst/>
+          </a:prstGeom>
+          <a:ln>
+            <a:tailEnd type="triangle"/>
+          </a:ln>
+        </p:spPr>
+        <p:style>
+          <a:lnRef idx="1">
+            <a:schemeClr val="accent1"/>
+          </a:lnRef>
+          <a:fillRef idx="0">
+            <a:schemeClr val="accent1"/>
+          </a:fillRef>
+          <a:effectRef idx="0">
+            <a:schemeClr val="accent1"/>
+          </a:effectRef>
+          <a:fontRef idx="minor">
+            <a:schemeClr val="tx1"/>
+          </a:fontRef>
+        </p:style>
+      </p:cxnSp>
+    </p:spTree>
+    <p:extLst>
+      <p:ext uri="{BB962C8B-B14F-4D97-AF65-F5344CB8AC3E}">
+        <p14:creationId xmlns:p14="http://schemas.microsoft.com/office/powerpoint/2010/main" val="3712954476"/>
+      </p:ext>
+    </p:extLst>
+  </p:cSld>
+  <p:clrMapOvr>
+    <a:masterClrMapping/>
+  </p:clrMapOvr>
+</p:sld>
+</file>
+
+<file path=ppt/slides/slide38.xml><?xml version="1.0" encoding="utf-8"?>
+<p:sld xmlns:a="http://schemas.openxmlformats.org/drawingml/2006/main" xmlns:r="http://schemas.openxmlformats.org/officeDocument/2006/relationships" xmlns:p="http://schemas.openxmlformats.org/presentationml/2006/main">
+  <p:cSld>
+    <p:spTree>
+      <p:nvGrpSpPr>
+        <p:cNvPr id="1" name=""/>
+        <p:cNvGrpSpPr/>
+        <p:nvPr/>
+      </p:nvGrpSpPr>
+      <p:grpSpPr>
+        <a:xfrm>
+          <a:off x="0" y="0"/>
+          <a:ext cx="0" cy="0"/>
+          <a:chOff x="0" y="0"/>
+          <a:chExt cx="0" cy="0"/>
+        </a:xfrm>
+      </p:grpSpPr>
+      <p:pic>
+        <p:nvPicPr>
+          <p:cNvPr id="2" name="Picture 1"/>
+          <p:cNvPicPr>
+            <a:picLocks noChangeAspect="1"/>
+          </p:cNvPicPr>
+          <p:nvPr/>
+        </p:nvPicPr>
+        <p:blipFill>
+          <a:blip r:embed="rId2"/>
+          <a:stretch>
+            <a:fillRect/>
+          </a:stretch>
+        </p:blipFill>
+        <p:spPr>
+          <a:xfrm>
+            <a:off x="1269237" y="319087"/>
+            <a:ext cx="9629775" cy="6219825"/>
+          </a:xfrm>
+          <a:prstGeom prst="rect">
+            <a:avLst/>
+          </a:prstGeom>
+        </p:spPr>
+      </p:pic>
+      <p:cxnSp>
+        <p:nvCxnSpPr>
+          <p:cNvPr id="4" name="Straight Arrow Connector 3"/>
+          <p:cNvCxnSpPr/>
+          <p:nvPr/>
+        </p:nvCxnSpPr>
+        <p:spPr>
+          <a:xfrm flipH="1">
+            <a:off x="8455231" y="522514"/>
+            <a:ext cx="534390" cy="676894"/>
+          </a:xfrm>
+          <a:prstGeom prst="straightConnector1">
+            <a:avLst/>
+          </a:prstGeom>
+          <a:ln>
+            <a:tailEnd type="triangle"/>
+          </a:ln>
+        </p:spPr>
+        <p:style>
+          <a:lnRef idx="1">
+            <a:schemeClr val="accent1"/>
+          </a:lnRef>
+          <a:fillRef idx="0">
+            <a:schemeClr val="accent1"/>
+          </a:fillRef>
+          <a:effectRef idx="0">
+            <a:schemeClr val="accent1"/>
+          </a:effectRef>
+          <a:fontRef idx="minor">
+            <a:schemeClr val="tx1"/>
+          </a:fontRef>
+        </p:style>
+      </p:cxnSp>
+    </p:spTree>
+    <p:extLst>
+      <p:ext uri="{BB962C8B-B14F-4D97-AF65-F5344CB8AC3E}">
+        <p14:creationId xmlns:p14="http://schemas.microsoft.com/office/powerpoint/2010/main" val="937288057"/>
+      </p:ext>
+    </p:extLst>
+  </p:cSld>
+  <p:clrMapOvr>
+    <a:masterClrMapping/>
+  </p:clrMapOvr>
+</p:sld>
+</file>
+
+<file path=ppt/slides/slide39.xml><?xml version="1.0" encoding="utf-8"?>
+<p:sld xmlns:a="http://schemas.openxmlformats.org/drawingml/2006/main" xmlns:r="http://schemas.openxmlformats.org/officeDocument/2006/relationships" xmlns:p="http://schemas.openxmlformats.org/presentationml/2006/main">
+  <p:cSld>
+    <p:spTree>
+      <p:nvGrpSpPr>
+        <p:cNvPr id="1" name=""/>
+        <p:cNvGrpSpPr/>
+        <p:nvPr/>
+      </p:nvGrpSpPr>
+      <p:grpSpPr>
+        <a:xfrm>
+          <a:off x="0" y="0"/>
+          <a:ext cx="0" cy="0"/>
+          <a:chOff x="0" y="0"/>
+          <a:chExt cx="0" cy="0"/>
+        </a:xfrm>
+      </p:grpSpPr>
+      <p:pic>
+        <p:nvPicPr>
+          <p:cNvPr id="2" name="Picture 1"/>
+          <p:cNvPicPr>
+            <a:picLocks noChangeAspect="1"/>
+          </p:cNvPicPr>
+          <p:nvPr/>
+        </p:nvPicPr>
+        <p:blipFill>
+          <a:blip r:embed="rId2"/>
+          <a:stretch>
+            <a:fillRect/>
+          </a:stretch>
+        </p:blipFill>
+        <p:spPr>
+          <a:xfrm>
+            <a:off x="1998270" y="804369"/>
+            <a:ext cx="7668245" cy="5886505"/>
+          </a:xfrm>
+          <a:prstGeom prst="rect">
+            <a:avLst/>
+          </a:prstGeom>
+        </p:spPr>
+      </p:pic>
+      <p:sp>
+        <p:nvSpPr>
+          <p:cNvPr id="3" name="TextBox 2"/>
+          <p:cNvSpPr txBox="1"/>
+          <p:nvPr/>
+        </p:nvSpPr>
+        <p:spPr>
+          <a:xfrm>
+            <a:off x="35625" y="11876"/>
+            <a:ext cx="12362213" cy="923330"/>
+          </a:xfrm>
+          <a:prstGeom prst="rect">
+            <a:avLst/>
+          </a:prstGeom>
+          <a:noFill/>
+        </p:spPr>
+        <p:txBody>
+          <a:bodyPr wrap="square" rtlCol="0">
+            <a:spAutoFit/>
+          </a:bodyPr>
+          <a:lstStyle/>
+          <a:p>
+            <a:r>
+              <a:rPr lang="en-US" dirty="0">
+                <a:latin typeface="Arial" panose="020B0604020202020204" pitchFamily="34" charset="0"/>
+                <a:cs typeface="Arial" panose="020B0604020202020204" pitchFamily="34" charset="0"/>
+              </a:rPr>
+              <a:t>Models that have the words “boosting” or “Bagging” take a weighted average across many classifiers</a:t>
+            </a:r>
+          </a:p>
+          <a:p>
+            <a:r>
+              <a:rPr lang="en-US" dirty="0">
+                <a:latin typeface="Arial" panose="020B0604020202020204" pitchFamily="34" charset="0"/>
+                <a:cs typeface="Arial" panose="020B0604020202020204" pitchFamily="34" charset="0"/>
+              </a:rPr>
+              <a:t>(Random Forest does this as well).</a:t>
+            </a:r>
+          </a:p>
+          <a:p>
+            <a:r>
+              <a:rPr lang="en-US" dirty="0">
+                <a:latin typeface="Arial" panose="020B0604020202020204" pitchFamily="34" charset="0"/>
+                <a:cs typeface="Arial" panose="020B0604020202020204" pitchFamily="34" charset="0"/>
+              </a:rPr>
+              <a:t>This is often a good strategy for genomic (and metagenomics data)</a:t>
+            </a:r>
+          </a:p>
+        </p:txBody>
+      </p:sp>
+      <p:cxnSp>
+        <p:nvCxnSpPr>
+          <p:cNvPr id="5" name="Straight Arrow Connector 4"/>
+          <p:cNvCxnSpPr/>
+          <p:nvPr/>
+        </p:nvCxnSpPr>
+        <p:spPr>
+          <a:xfrm flipH="1">
+            <a:off x="8051470" y="1484416"/>
+            <a:ext cx="427512" cy="676893"/>
+          </a:xfrm>
+          <a:prstGeom prst="straightConnector1">
+            <a:avLst/>
+          </a:prstGeom>
+          <a:ln>
+            <a:tailEnd type="triangle"/>
+          </a:ln>
+        </p:spPr>
+        <p:style>
+          <a:lnRef idx="1">
+            <a:schemeClr val="accent1"/>
+          </a:lnRef>
+          <a:fillRef idx="0">
+            <a:schemeClr val="accent1"/>
+          </a:fillRef>
+          <a:effectRef idx="0">
+            <a:schemeClr val="accent1"/>
+          </a:effectRef>
+          <a:fontRef idx="minor">
+            <a:schemeClr val="tx1"/>
+          </a:fontRef>
+        </p:style>
+      </p:cxnSp>
+    </p:spTree>
+    <p:extLst>
+      <p:ext uri="{BB962C8B-B14F-4D97-AF65-F5344CB8AC3E}">
+        <p14:creationId xmlns:p14="http://schemas.microsoft.com/office/powerpoint/2010/main" val="724723144"/>
       </p:ext>
     </p:extLst>
   </p:cSld>
@@ -9348,7 +10124,7 @@
       </p:grpSpPr>
       <p:pic>
         <p:nvPicPr>
-          <p:cNvPr id="2" name="Picture 1"/>
+          <p:cNvPr id="4" name="Picture 3"/>
           <p:cNvPicPr>
             <a:picLocks noChangeAspect="1"/>
           </p:cNvPicPr>
@@ -9362,8 +10138,8 @@
         </p:blipFill>
         <p:spPr>
           <a:xfrm>
-            <a:off x="1856509" y="740167"/>
-            <a:ext cx="7480620" cy="5815013"/>
+            <a:off x="1070880" y="533731"/>
+            <a:ext cx="7519419" cy="5748316"/>
           </a:xfrm>
           <a:prstGeom prst="rect">
             <a:avLst/>
@@ -9410,7 +10186,7 @@
         </p:nvCxnSpPr>
         <p:spPr>
           <a:xfrm flipH="1" flipV="1">
-            <a:off x="6958940" y="5593278"/>
+            <a:off x="6887688" y="5284519"/>
             <a:ext cx="712519" cy="11875"/>
           </a:xfrm>
           <a:prstGeom prst="straightConnector1">
@@ -9443,7 +10219,7 @@
         </p:nvSpPr>
         <p:spPr>
           <a:xfrm>
-            <a:off x="7742714" y="5450774"/>
+            <a:off x="7671462" y="5142015"/>
             <a:ext cx="3583032" cy="369332"/>
           </a:xfrm>
           <a:prstGeom prst="rect">
